--- a/Scholler_Victor_10_presentation_122025.pptx
+++ b/Scholler_Victor_10_presentation_122025.pptx
@@ -5,7 +5,7 @@
     <p:sldMasterId id="2147483738" r:id="rId1"/>
   </p:sldMasterIdLst>
   <p:notesMasterIdLst>
-    <p:notesMasterId r:id="rId11"/>
+    <p:notesMasterId r:id="rId13"/>
   </p:notesMasterIdLst>
   <p:sldIdLst>
     <p:sldId id="256" r:id="rId2"/>
@@ -13,10 +13,12 @@
     <p:sldId id="276" r:id="rId4"/>
     <p:sldId id="260" r:id="rId5"/>
     <p:sldId id="275" r:id="rId6"/>
-    <p:sldId id="277" r:id="rId7"/>
-    <p:sldId id="279" r:id="rId8"/>
-    <p:sldId id="278" r:id="rId9"/>
-    <p:sldId id="280" r:id="rId10"/>
+    <p:sldId id="281" r:id="rId7"/>
+    <p:sldId id="277" r:id="rId8"/>
+    <p:sldId id="279" r:id="rId9"/>
+    <p:sldId id="278" r:id="rId10"/>
+    <p:sldId id="280" r:id="rId11"/>
+    <p:sldId id="282" r:id="rId12"/>
   </p:sldIdLst>
   <p:sldSz cx="12192000" cy="6858000"/>
   <p:notesSz cx="6858000" cy="9144000"/>
@@ -2778,6 +2780,12 @@
           <a:pPr algn="just">
             <a:defRPr b="1"/>
           </a:pPr>
+          <a:endParaRPr lang="fr-FR" sz="2100" b="0" dirty="0"/>
+        </a:p>
+        <a:p>
+          <a:pPr algn="just">
+            <a:defRPr b="1"/>
+          </a:pPr>
           <a:r>
             <a:rPr lang="en-US" sz="1600" b="0" dirty="0"/>
             <a:t>-</a:t>
@@ -2790,6 +2798,12 @@
             <a:rPr lang="en-US" sz="1600" b="0" dirty="0"/>
             <a:t>→ validation Pydandic des données à l’aide de la classe DocumentChunk dans schemas.py</a:t>
           </a:r>
+        </a:p>
+        <a:p>
+          <a:pPr algn="just">
+            <a:defRPr b="1"/>
+          </a:pPr>
+          <a:endParaRPr lang="en-US" sz="1600" b="0" dirty="0"/>
         </a:p>
         <a:p>
           <a:pPr algn="just">
@@ -2822,7 +2836,7 @@
         </a:p>
       </dgm:t>
     </dgm:pt>
-    <dgm:pt modelId="{F72765A5-A0AA-488E-AFC6-ABEF674773DA}" type="parTrans" cxnId="{BD87CF2F-FA00-4DAF-A7DC-6C3FA2E78679}">
+    <dgm:pt modelId="{66A146DA-F88D-46F6-A535-A1347C9E5192}" type="sibTrans" cxnId="{BD87CF2F-FA00-4DAF-A7DC-6C3FA2E78679}">
       <dgm:prSet/>
       <dgm:spPr/>
       <dgm:t>
@@ -2833,7 +2847,7 @@
         </a:p>
       </dgm:t>
     </dgm:pt>
-    <dgm:pt modelId="{66A146DA-F88D-46F6-A535-A1347C9E5192}" type="sibTrans" cxnId="{BD87CF2F-FA00-4DAF-A7DC-6C3FA2E78679}">
+    <dgm:pt modelId="{F72765A5-A0AA-488E-AFC6-ABEF674773DA}" type="parTrans" cxnId="{BD87CF2F-FA00-4DAF-A7DC-6C3FA2E78679}">
       <dgm:prSet/>
       <dgm:spPr/>
       <dgm:t>
@@ -2890,7 +2904,7 @@
 <dgm:dataModel xmlns:dgm="http://schemas.openxmlformats.org/drawingml/2006/diagram" xmlns:a="http://schemas.openxmlformats.org/drawingml/2006/main">
   <dgm:ptLst>
     <dgm:pt modelId="{EF5F54DC-6826-4ED1-A0DF-6209C93D51BB}" type="doc">
-      <dgm:prSet loTypeId="urn:microsoft.com/office/officeart/2005/8/layout/list1" loCatId="list" qsTypeId="urn:microsoft.com/office/officeart/2005/8/quickstyle/simple1" qsCatId="simple" csTypeId="urn:microsoft.com/office/officeart/2005/8/colors/colorful1" csCatId="colorful"/>
+      <dgm:prSet loTypeId="urn:microsoft.com/office/officeart/2005/8/layout/list1" loCatId="list" qsTypeId="urn:microsoft.com/office/officeart/2005/8/quickstyle/simple1" qsCatId="simple" csTypeId="urn:microsoft.com/office/officeart/2005/8/colors/colorful1" csCatId="colorful" phldr="1"/>
       <dgm:spPr/>
       <dgm:t>
         <a:bodyPr/>
@@ -2953,10 +2967,10 @@
         <a:lstStyle/>
         <a:p>
           <a:r>
-            <a:rPr lang="fr-FR"/>
+            <a:rPr lang="fr-FR" dirty="0"/>
             <a:t>une question</a:t>
           </a:r>
-          <a:endParaRPr lang="en-US"/>
+          <a:endParaRPr lang="en-US" dirty="0"/>
         </a:p>
       </dgm:t>
     </dgm:pt>
@@ -2990,10 +3004,18 @@
         <a:lstStyle/>
         <a:p>
           <a:r>
-            <a:rPr lang="fr-FR"/>
-            <a:t>une réponse de référence (ground_truth_answer)</a:t>
+            <a:rPr lang="fr-FR" dirty="0"/>
+            <a:t>une réponse de référence (</a:t>
           </a:r>
-          <a:endParaRPr lang="en-US"/>
+          <a:r>
+            <a:rPr lang="fr-FR" dirty="0" err="1"/>
+            <a:t>ground_truth</a:t>
+          </a:r>
+          <a:r>
+            <a:rPr lang="fr-FR" dirty="0"/>
+            <a:t>)</a:t>
+          </a:r>
+          <a:endParaRPr lang="en-US" dirty="0"/>
         </a:p>
       </dgm:t>
     </dgm:pt>
@@ -3009,43 +3031,6 @@
       </dgm:t>
     </dgm:pt>
     <dgm:pt modelId="{EDC6755D-FE83-41C9-AF7C-6016A1108793}" type="sibTrans" cxnId="{06927E01-48A9-49E2-B1B8-A5A62F3F8096}">
-      <dgm:prSet/>
-      <dgm:spPr/>
-      <dgm:t>
-        <a:bodyPr/>
-        <a:lstStyle/>
-        <a:p>
-          <a:endParaRPr lang="en-US"/>
-        </a:p>
-      </dgm:t>
-    </dgm:pt>
-    <dgm:pt modelId="{92947764-99D5-48FA-8F16-E27253F43894}">
-      <dgm:prSet/>
-      <dgm:spPr/>
-      <dgm:t>
-        <a:bodyPr/>
-        <a:lstStyle/>
-        <a:p>
-          <a:r>
-            <a:rPr lang="fr-FR"/>
-            <a:t>et les contextes (chunks) ayant servis à la réponse (ground_truth_context)</a:t>
-          </a:r>
-          <a:endParaRPr lang="en-US"/>
-        </a:p>
-      </dgm:t>
-    </dgm:pt>
-    <dgm:pt modelId="{194172A3-97F7-46C0-B04E-B29D58C394D5}" type="parTrans" cxnId="{883460DF-E0BE-472E-8171-1721CF8EF6F4}">
-      <dgm:prSet/>
-      <dgm:spPr/>
-      <dgm:t>
-        <a:bodyPr/>
-        <a:lstStyle/>
-        <a:p>
-          <a:endParaRPr lang="en-US"/>
-        </a:p>
-      </dgm:t>
-    </dgm:pt>
-    <dgm:pt modelId="{24BEFF30-90B1-481E-B098-04D99E67CD57}" type="sibTrans" cxnId="{883460DF-E0BE-472E-8171-1721CF8EF6F4}">
       <dgm:prSet/>
       <dgm:spPr/>
       <dgm:t>
@@ -3528,7 +3513,6 @@
     <dgm:cxn modelId="{06927E01-48A9-49E2-B1B8-A5A62F3F8096}" srcId="{D08B34F2-8BB7-416F-A13F-5B81E4966E78}" destId="{E6E1B5CA-C898-4BE6-8A55-74B79126D1AA}" srcOrd="1" destOrd="0" parTransId="{DECF546F-E8AF-4735-8501-928C010751A5}" sibTransId="{EDC6755D-FE83-41C9-AF7C-6016A1108793}"/>
     <dgm:cxn modelId="{952CF201-49BC-4E74-BF05-68AE8D4E789D}" srcId="{6877A04A-0C92-44D9-A6EB-DFFAE044B631}" destId="{5D3E5991-7840-459B-AE74-35878481A7F1}" srcOrd="0" destOrd="0" parTransId="{7F0E56B0-3608-4393-AA08-24886E4D7D6E}" sibTransId="{B3611D71-93E7-4251-BAF8-3D7B3970518F}"/>
     <dgm:cxn modelId="{49FECD11-842C-4957-911B-6FCD3D9E7919}" type="presOf" srcId="{D08B34F2-8BB7-416F-A13F-5B81E4966E78}" destId="{D0B87DD1-8218-4363-A8DD-3B246F03BA5E}" srcOrd="1" destOrd="0" presId="urn:microsoft.com/office/officeart/2005/8/layout/list1"/>
-    <dgm:cxn modelId="{64C6D813-714C-41BA-AAC3-7DDB6AE5EAC0}" type="presOf" srcId="{92947764-99D5-48FA-8F16-E27253F43894}" destId="{B2CC8C4F-FC16-4EA4-811E-64C5E7F469F8}" srcOrd="0" destOrd="2" presId="urn:microsoft.com/office/officeart/2005/8/layout/list1"/>
     <dgm:cxn modelId="{BDFECD23-A52B-454A-A2EF-F8535203A47A}" srcId="{6877A04A-0C92-44D9-A6EB-DFFAE044B631}" destId="{37B52218-077A-4DCB-93CC-0E9BC714F155}" srcOrd="1" destOrd="0" parTransId="{E20558FE-406A-49DE-ACE4-401C3056E71B}" sibTransId="{08DBE2BA-0C7E-4E77-B5CC-57794A243A99}"/>
     <dgm:cxn modelId="{B6E25127-6ECC-4A4F-BCD0-7B0F94D56A6E}" srcId="{EF5F54DC-6826-4ED1-A0DF-6209C93D51BB}" destId="{D08B34F2-8BB7-416F-A13F-5B81E4966E78}" srcOrd="0" destOrd="0" parTransId="{A6E78C01-F507-4539-8BAC-B153386C7A56}" sibTransId="{910515A3-B3CB-458E-86B0-4DBA73199867}"/>
     <dgm:cxn modelId="{5748542E-B59F-4F4F-AEA3-F941CE0C176B}" type="presOf" srcId="{07DBC11A-ADAC-4A32-B411-915C4F48D6B1}" destId="{AFD6B49A-DFF9-4D5F-B83D-56301E4F4EBB}" srcOrd="1" destOrd="0" presId="urn:microsoft.com/office/officeart/2005/8/layout/list1"/>
@@ -3552,7 +3536,6 @@
     <dgm:cxn modelId="{F2A76ABE-4D72-4A9F-ACB1-1DBC7808D100}" srcId="{EF5F54DC-6826-4ED1-A0DF-6209C93D51BB}" destId="{6877A04A-0C92-44D9-A6EB-DFFAE044B631}" srcOrd="3" destOrd="0" parTransId="{90D39A2F-7705-43F5-BFFE-EC6DD92F64A6}" sibTransId="{637D78BC-6D0E-4A7E-BBD8-4564FA7671DE}"/>
     <dgm:cxn modelId="{F229F9C5-4A4D-4F6D-BC5C-8FB32859CF33}" type="presOf" srcId="{4DBC7F6C-0056-4FBD-BEC5-E9F65EF152B3}" destId="{1DD28A78-03AA-4B65-ADDE-51072B174393}" srcOrd="0" destOrd="3" presId="urn:microsoft.com/office/officeart/2005/8/layout/list1"/>
     <dgm:cxn modelId="{AA9F36D9-F177-4887-AF43-35DA076AEAB9}" srcId="{EF5F54DC-6826-4ED1-A0DF-6209C93D51BB}" destId="{E6293A57-99BF-4794-A063-96CF7F60E532}" srcOrd="1" destOrd="0" parTransId="{E75C9834-98F3-4621-92EF-F3C85747AE76}" sibTransId="{9FBCB6F9-0738-4BB5-AA32-48172F97074C}"/>
-    <dgm:cxn modelId="{883460DF-E0BE-472E-8171-1721CF8EF6F4}" srcId="{D08B34F2-8BB7-416F-A13F-5B81E4966E78}" destId="{92947764-99D5-48FA-8F16-E27253F43894}" srcOrd="2" destOrd="0" parTransId="{194172A3-97F7-46C0-B04E-B29D58C394D5}" sibTransId="{24BEFF30-90B1-481E-B098-04D99E67CD57}"/>
     <dgm:cxn modelId="{A3A999F1-7989-4A45-8DA1-2E392BF63304}" srcId="{6877A04A-0C92-44D9-A6EB-DFFAE044B631}" destId="{BAF647CF-BBEE-46A4-B6EB-68D0ABCDA4E8}" srcOrd="2" destOrd="0" parTransId="{6FEDCD9C-7CA6-4726-A142-FEB5BCBEEDB6}" sibTransId="{16937BAA-DB6B-4E0B-BE15-A5A8D74F291C}"/>
     <dgm:cxn modelId="{685E3BF4-9F52-45A4-964F-2BC32E011AEE}" srcId="{6877A04A-0C92-44D9-A6EB-DFFAE044B631}" destId="{4DBC7F6C-0056-4FBD-BEC5-E9F65EF152B3}" srcOrd="3" destOrd="0" parTransId="{A54A1247-68EC-484A-9819-1451C00304F1}" sibTransId="{9D86AAE4-66B6-4473-8AB0-DA36E71938F6}"/>
     <dgm:cxn modelId="{C312B156-83DE-45E9-B26F-8120F363745B}" type="presParOf" srcId="{A3461F25-250A-4701-8B8B-112B56F525BE}" destId="{6A816F9A-705D-4F4B-B9BD-ACCF27329386}" srcOrd="0" destOrd="0" presId="urn:microsoft.com/office/officeart/2005/8/layout/list1"/>
@@ -3623,10 +3606,14 @@
             <a:defRPr b="1"/>
           </a:pPr>
           <a:r>
-            <a:rPr lang="fr-FR" b="1"/>
-            <a:t>Faithfulness (Fidélité)</a:t>
+            <a:rPr lang="fr-FR" b="1" dirty="0" err="1"/>
+            <a:t>Faithfulness</a:t>
           </a:r>
-          <a:endParaRPr lang="en-US"/>
+          <a:r>
+            <a:rPr lang="fr-FR" b="1" dirty="0"/>
+            <a:t> (Fidélité)</a:t>
+          </a:r>
+          <a:endParaRPr lang="en-US" dirty="0"/>
         </a:p>
       </dgm:t>
     </dgm:pt>
@@ -3659,16 +3646,24 @@
         <a:bodyPr/>
         <a:lstStyle/>
         <a:p>
-          <a:pPr>
+          <a:pPr algn="just">
             <a:lnSpc>
               <a:spcPct val="100000"/>
             </a:lnSpc>
           </a:pPr>
           <a:r>
-            <a:rPr lang="fr-FR"/>
-            <a:t>Est-ce que la réponse du chatbot est bien basée sur le contexte récupéré ?</a:t>
+            <a:rPr lang="fr-FR" dirty="0"/>
+            <a:t>Est-ce que la réponse du </a:t>
           </a:r>
-          <a:endParaRPr lang="en-US"/>
+          <a:r>
+            <a:rPr lang="fr-FR" dirty="0" err="1"/>
+            <a:t>chatbot</a:t>
+          </a:r>
+          <a:r>
+            <a:rPr lang="fr-FR" dirty="0"/>
+            <a:t> est bien basée sur le contexte récupéré ?</a:t>
+          </a:r>
+          <a:endParaRPr lang="en-US" dirty="0"/>
         </a:p>
       </dgm:t>
     </dgm:pt>
@@ -3701,16 +3696,24 @@
         <a:bodyPr/>
         <a:lstStyle/>
         <a:p>
-          <a:pPr>
+          <a:pPr algn="just">
             <a:lnSpc>
               <a:spcPct val="100000"/>
             </a:lnSpc>
           </a:pPr>
           <a:r>
-            <a:rPr lang="fr-FR"/>
-            <a:t>Le chatbot a-t-il inventé des infos ? (hallucinations) </a:t>
+            <a:rPr lang="fr-FR" dirty="0"/>
+            <a:t>Le </a:t>
           </a:r>
-          <a:endParaRPr lang="en-US"/>
+          <a:r>
+            <a:rPr lang="fr-FR" dirty="0" err="1"/>
+            <a:t>chatbot</a:t>
+          </a:r>
+          <a:r>
+            <a:rPr lang="fr-FR" dirty="0"/>
+            <a:t> a-t-il inventé des infos ? (hallucinations) </a:t>
+          </a:r>
+          <a:endParaRPr lang="en-US" dirty="0"/>
         </a:p>
       </dgm:t>
     </dgm:pt>
@@ -3743,16 +3746,24 @@
         <a:bodyPr/>
         <a:lstStyle/>
         <a:p>
-          <a:pPr>
+          <a:pPr algn="just">
             <a:lnSpc>
               <a:spcPct val="100000"/>
             </a:lnSpc>
           </a:pPr>
           <a:r>
-            <a:rPr lang="fr-FR"/>
-            <a:t>Est-ce que les affirmations dans la réponse sont vérifiables dans les chunks FAISS ?</a:t>
+            <a:rPr lang="fr-FR" dirty="0"/>
+            <a:t>Est-ce que les affirmations dans la réponse sont vérifiables dans les </a:t>
           </a:r>
-          <a:endParaRPr lang="en-US"/>
+          <a:r>
+            <a:rPr lang="fr-FR" dirty="0" err="1"/>
+            <a:t>chunks</a:t>
+          </a:r>
+          <a:r>
+            <a:rPr lang="fr-FR" dirty="0"/>
+            <a:t> FAISS ?</a:t>
+          </a:r>
+          <a:endParaRPr lang="en-US" dirty="0"/>
         </a:p>
       </dgm:t>
     </dgm:pt>
@@ -3792,10 +3803,22 @@
             <a:defRPr b="1"/>
           </a:pPr>
           <a:r>
-            <a:rPr lang="fr-FR" b="1"/>
-            <a:t>Answer Relevancy (Pertinence de la réponse)</a:t>
+            <a:rPr lang="fr-FR" b="1" dirty="0" err="1"/>
+            <a:t>Answer</a:t>
           </a:r>
-          <a:endParaRPr lang="en-US"/>
+          <a:r>
+            <a:rPr lang="fr-FR" b="1" dirty="0"/>
+            <a:t> </a:t>
+          </a:r>
+          <a:r>
+            <a:rPr lang="fr-FR" b="1" dirty="0" err="1"/>
+            <a:t>Relevancy</a:t>
+          </a:r>
+          <a:r>
+            <a:rPr lang="fr-FR" b="1" dirty="0"/>
+            <a:t> (Pertinence)</a:t>
+          </a:r>
+          <a:endParaRPr lang="en-US" dirty="0"/>
         </a:p>
       </dgm:t>
     </dgm:pt>
@@ -3828,16 +3851,18 @@
         <a:bodyPr/>
         <a:lstStyle/>
         <a:p>
-          <a:pPr>
+          <a:pPr algn="l">
             <a:lnSpc>
               <a:spcPct val="100000"/>
             </a:lnSpc>
+            <a:buFont typeface="Arial" panose="020B0604020202020204" pitchFamily="34" charset="0"/>
+            <a:buChar char="•"/>
           </a:pPr>
           <a:r>
-            <a:rPr lang="fr-FR"/>
+            <a:rPr lang="fr-FR" dirty="0"/>
             <a:t>Est-ce que la réponse répond bien à la question ?</a:t>
           </a:r>
-          <a:endParaRPr lang="en-US"/>
+          <a:endParaRPr lang="en-US" dirty="0"/>
         </a:p>
       </dgm:t>
     </dgm:pt>
@@ -3870,16 +3895,34 @@
         <a:bodyPr/>
         <a:lstStyle/>
         <a:p>
-          <a:pPr>
+          <a:pPr algn="l">
             <a:lnSpc>
               <a:spcPct val="100000"/>
             </a:lnSpc>
+            <a:buFont typeface="Arial" panose="020B0604020202020204" pitchFamily="34" charset="0"/>
+            <a:buChar char="•"/>
           </a:pPr>
           <a:r>
-            <a:rPr lang="fr-FR"/>
-            <a:t>Mesure de similitude sémantique avec la réponse de référence (ground truth)</a:t>
+            <a:rPr lang="fr-FR" dirty="0"/>
+            <a:t>Mesure de similitude sémantique avec la réponse de référence (</a:t>
           </a:r>
-          <a:endParaRPr lang="en-US"/>
+          <a:r>
+            <a:rPr lang="fr-FR" dirty="0" err="1"/>
+            <a:t>ground</a:t>
+          </a:r>
+          <a:r>
+            <a:rPr lang="fr-FR" dirty="0"/>
+            <a:t> </a:t>
+          </a:r>
+          <a:r>
+            <a:rPr lang="fr-FR" dirty="0" err="1"/>
+            <a:t>truth</a:t>
+          </a:r>
+          <a:r>
+            <a:rPr lang="fr-FR" dirty="0"/>
+            <a:t>)</a:t>
+          </a:r>
+          <a:endParaRPr lang="en-US" dirty="0"/>
         </a:p>
       </dgm:t>
     </dgm:pt>
@@ -3978,7 +4021,7 @@
       <dgm:spPr/>
     </dgm:pt>
     <dgm:pt modelId="{4B99EAF5-C956-4D19-BB70-5BCDF36DE01F}" type="pres">
-      <dgm:prSet presAssocID="{0A262AC9-A748-4DAB-88F9-0D8F8E79F0CB}" presName="iconRect" presStyleLbl="node1" presStyleIdx="1" presStyleCnt="2"/>
+      <dgm:prSet presAssocID="{0A262AC9-A748-4DAB-88F9-0D8F8E79F0CB}" presName="iconRect" presStyleLbl="node1" presStyleIdx="1" presStyleCnt="2" custLinFactNeighborX="-2463" custLinFactNeighborY="-28142"/>
       <dgm:spPr>
         <a:blipFill>
           <a:blip xmlns:r="http://schemas.openxmlformats.org/officeDocument/2006/relationships" r:embed="rId3">
@@ -4010,7 +4053,7 @@
       <dgm:spPr/>
     </dgm:pt>
     <dgm:pt modelId="{4D8F2215-8E59-4CEB-A4C2-90D6C0482319}" type="pres">
-      <dgm:prSet presAssocID="{0A262AC9-A748-4DAB-88F9-0D8F8E79F0CB}" presName="parTx" presStyleLbl="revTx" presStyleIdx="2" presStyleCnt="4">
+      <dgm:prSet presAssocID="{0A262AC9-A748-4DAB-88F9-0D8F8E79F0CB}" presName="parTx" presStyleLbl="revTx" presStyleIdx="2" presStyleCnt="4" custLinFactNeighborX="-690" custLinFactNeighborY="-32578">
         <dgm:presLayoutVars>
           <dgm:chMax val="0"/>
           <dgm:chPref val="0"/>
@@ -4023,7 +4066,7 @@
       <dgm:spPr/>
     </dgm:pt>
     <dgm:pt modelId="{94F27301-3478-4CC7-A67A-8D44E7D8C27E}" type="pres">
-      <dgm:prSet presAssocID="{0A262AC9-A748-4DAB-88F9-0D8F8E79F0CB}" presName="desTx" presStyleLbl="revTx" presStyleIdx="3" presStyleCnt="4">
+      <dgm:prSet presAssocID="{0A262AC9-A748-4DAB-88F9-0D8F8E79F0CB}" presName="desTx" presStyleLbl="revTx" presStyleIdx="3" presStyleCnt="4" custScaleY="84079">
         <dgm:presLayoutVars/>
       </dgm:prSet>
       <dgm:spPr/>
@@ -4063,7 +4106,7 @@
   <dgm:whole/>
   <dgm:extLst>
     <a:ext uri="http://schemas.microsoft.com/office/drawing/2008/diagram">
-      <dsp:dataModelExt xmlns:dsp="http://schemas.microsoft.com/office/drawing/2008/diagram" relId="rId6" minVer="http://schemas.openxmlformats.org/drawingml/2006/diagram"/>
+      <dsp:dataModelExt xmlns:dsp="http://schemas.microsoft.com/office/drawing/2008/diagram" relId="rId7" minVer="http://schemas.openxmlformats.org/drawingml/2006/diagram"/>
     </a:ext>
   </dgm:extLst>
 </dgm:dataModel>
@@ -4085,7 +4128,7 @@
       <dsp:spPr>
         <a:xfrm>
           <a:off x="0" y="0"/>
-          <a:ext cx="4754291" cy="3689405"/>
+          <a:ext cx="5079411" cy="3689405"/>
         </a:xfrm>
         <a:prstGeom prst="roundRect">
           <a:avLst>
@@ -4166,6 +4209,22 @@
             <a:buNone/>
             <a:defRPr b="1"/>
           </a:pPr>
+          <a:endParaRPr lang="fr-FR" sz="2100" b="0" kern="1200" dirty="0"/>
+        </a:p>
+        <a:p>
+          <a:pPr marL="0" lvl="0" indent="0" algn="just" defTabSz="933450">
+            <a:lnSpc>
+              <a:spcPct val="90000"/>
+            </a:lnSpc>
+            <a:spcBef>
+              <a:spcPct val="0"/>
+            </a:spcBef>
+            <a:spcAft>
+              <a:spcPct val="35000"/>
+            </a:spcAft>
+            <a:buNone/>
+            <a:defRPr b="1"/>
+          </a:pPr>
           <a:r>
             <a:rPr lang="en-US" sz="1600" b="0" kern="1200" dirty="0"/>
             <a:t>-</a:t>
@@ -4178,6 +4237,22 @@
             <a:rPr lang="en-US" sz="1600" b="0" kern="1200" dirty="0"/>
             <a:t>→ validation Pydandic des données à l’aide de la classe DocumentChunk dans schemas.py</a:t>
           </a:r>
+        </a:p>
+        <a:p>
+          <a:pPr marL="0" lvl="0" indent="0" algn="just" defTabSz="933450">
+            <a:lnSpc>
+              <a:spcPct val="90000"/>
+            </a:lnSpc>
+            <a:spcBef>
+              <a:spcPct val="0"/>
+            </a:spcBef>
+            <a:spcAft>
+              <a:spcPct val="35000"/>
+            </a:spcAft>
+            <a:buNone/>
+            <a:defRPr b="1"/>
+          </a:pPr>
+          <a:endParaRPr lang="en-US" sz="1600" b="0" kern="1200" dirty="0"/>
         </a:p>
         <a:p>
           <a:pPr marL="0" lvl="0" indent="0" algn="just" defTabSz="933450">
@@ -4232,7 +4307,7 @@
       </dsp:txBody>
       <dsp:txXfrm>
         <a:off x="108059" y="108059"/>
-        <a:ext cx="4538173" cy="3473287"/>
+        <a:ext cx="4863293" cy="3473287"/>
       </dsp:txXfrm>
     </dsp:sp>
   </dsp:spTree>
@@ -4254,8 +4329,8 @@
       </dsp:nvSpPr>
       <dsp:spPr>
         <a:xfrm>
-          <a:off x="0" y="325692"/>
-          <a:ext cx="10515600" cy="907200"/>
+          <a:off x="0" y="284089"/>
+          <a:ext cx="10515600" cy="757575"/>
         </a:xfrm>
         <a:prstGeom prst="rect">
           <a:avLst/>
@@ -4296,12 +4371,12 @@
         <a:fontRef idx="minor"/>
       </dsp:style>
       <dsp:txBody>
-        <a:bodyPr spcFirstLastPara="0" vert="horz" wrap="square" lIns="816127" tIns="249936" rIns="816127" bIns="85344" numCol="1" spcCol="1270" anchor="t" anchorCtr="0">
+        <a:bodyPr spcFirstLastPara="0" vert="horz" wrap="square" lIns="816127" tIns="270764" rIns="816127" bIns="92456" numCol="1" spcCol="1270" anchor="t" anchorCtr="0">
           <a:noAutofit/>
         </a:bodyPr>
         <a:lstStyle/>
         <a:p>
-          <a:pPr marL="114300" lvl="1" indent="-114300" algn="l" defTabSz="533400">
+          <a:pPr marL="114300" lvl="1" indent="-114300" algn="l" defTabSz="577850">
             <a:lnSpc>
               <a:spcPct val="90000"/>
             </a:lnSpc>
@@ -4314,13 +4389,13 @@
             <a:buChar char="•"/>
           </a:pPr>
           <a:r>
-            <a:rPr lang="fr-FR" sz="1200" kern="1200"/>
+            <a:rPr lang="fr-FR" sz="1300" kern="1200" dirty="0"/>
             <a:t>une question</a:t>
           </a:r>
-          <a:endParaRPr lang="en-US" sz="1200" kern="1200"/>
+          <a:endParaRPr lang="en-US" sz="1300" kern="1200" dirty="0"/>
         </a:p>
         <a:p>
-          <a:pPr marL="114300" lvl="1" indent="-114300" algn="l" defTabSz="533400">
+          <a:pPr marL="114300" lvl="1" indent="-114300" algn="l" defTabSz="577850">
             <a:lnSpc>
               <a:spcPct val="90000"/>
             </a:lnSpc>
@@ -4333,34 +4408,23 @@
             <a:buChar char="•"/>
           </a:pPr>
           <a:r>
-            <a:rPr lang="fr-FR" sz="1200" kern="1200"/>
-            <a:t>une réponse de référence (ground_truth_answer)</a:t>
+            <a:rPr lang="fr-FR" sz="1300" kern="1200" dirty="0"/>
+            <a:t>une réponse de référence (</a:t>
           </a:r>
-          <a:endParaRPr lang="en-US" sz="1200" kern="1200"/>
-        </a:p>
-        <a:p>
-          <a:pPr marL="114300" lvl="1" indent="-114300" algn="l" defTabSz="533400">
-            <a:lnSpc>
-              <a:spcPct val="90000"/>
-            </a:lnSpc>
-            <a:spcBef>
-              <a:spcPct val="0"/>
-            </a:spcBef>
-            <a:spcAft>
-              <a:spcPct val="15000"/>
-            </a:spcAft>
-            <a:buChar char="•"/>
-          </a:pPr>
           <a:r>
-            <a:rPr lang="fr-FR" sz="1200" kern="1200"/>
-            <a:t>et les contextes (chunks) ayant servis à la réponse (ground_truth_context)</a:t>
+            <a:rPr lang="fr-FR" sz="1300" kern="1200" dirty="0" err="1"/>
+            <a:t>ground_truth</a:t>
           </a:r>
-          <a:endParaRPr lang="en-US" sz="1200" kern="1200"/>
+          <a:r>
+            <a:rPr lang="fr-FR" sz="1300" kern="1200" dirty="0"/>
+            <a:t>)</a:t>
+          </a:r>
+          <a:endParaRPr lang="en-US" sz="1300" kern="1200" dirty="0"/>
         </a:p>
       </dsp:txBody>
       <dsp:txXfrm>
-        <a:off x="0" y="325692"/>
-        <a:ext cx="10515600" cy="907200"/>
+        <a:off x="0" y="284089"/>
+        <a:ext cx="10515600" cy="757575"/>
       </dsp:txXfrm>
     </dsp:sp>
     <dsp:sp modelId="{D0B87DD1-8218-4363-A8DD-3B246F03BA5E}">
@@ -4370,8 +4434,8 @@
       </dsp:nvSpPr>
       <dsp:spPr>
         <a:xfrm>
-          <a:off x="525780" y="148572"/>
-          <a:ext cx="7360920" cy="354240"/>
+          <a:off x="525780" y="92209"/>
+          <a:ext cx="7360920" cy="383760"/>
         </a:xfrm>
         <a:prstGeom prst="roundRect">
           <a:avLst/>
@@ -4418,7 +4482,7 @@
         </a:bodyPr>
         <a:lstStyle/>
         <a:p>
-          <a:pPr marL="0" lvl="0" indent="0" algn="l" defTabSz="533400">
+          <a:pPr marL="0" lvl="0" indent="0" algn="l" defTabSz="577850">
             <a:lnSpc>
               <a:spcPct val="90000"/>
             </a:lnSpc>
@@ -4431,23 +4495,23 @@
             <a:buNone/>
           </a:pPr>
           <a:r>
-            <a:rPr lang="fr-FR" sz="1200" kern="1200"/>
+            <a:rPr lang="fr-FR" sz="1300" kern="1200"/>
             <a:t>Création de « </a:t>
           </a:r>
           <a:r>
-            <a:rPr lang="fr-FR" sz="1200" i="1" kern="1200"/>
+            <a:rPr lang="fr-FR" sz="1300" i="1" kern="1200"/>
             <a:t>eval_dataset.json »</a:t>
           </a:r>
           <a:r>
-            <a:rPr lang="fr-FR" sz="1200" kern="1200"/>
+            <a:rPr lang="fr-FR" sz="1300" kern="1200"/>
             <a:t> : 5 questions composées de:</a:t>
           </a:r>
-          <a:endParaRPr lang="en-US" sz="1200" kern="1200"/>
+          <a:endParaRPr lang="en-US" sz="1300" kern="1200"/>
         </a:p>
       </dsp:txBody>
       <dsp:txXfrm>
-        <a:off x="543073" y="165865"/>
-        <a:ext cx="7326334" cy="319654"/>
+        <a:off x="544514" y="110943"/>
+        <a:ext cx="7323452" cy="346292"/>
       </dsp:txXfrm>
     </dsp:sp>
     <dsp:sp modelId="{55C78EFD-586F-4B5F-83AA-B7720B1E82CA}">
@@ -4457,8 +4521,8 @@
       </dsp:nvSpPr>
       <dsp:spPr>
         <a:xfrm>
-          <a:off x="0" y="1474812"/>
-          <a:ext cx="10515600" cy="302400"/>
+          <a:off x="0" y="1303744"/>
+          <a:ext cx="10515600" cy="327600"/>
         </a:xfrm>
         <a:prstGeom prst="rect">
           <a:avLst/>
@@ -4506,8 +4570,8 @@
       </dsp:nvSpPr>
       <dsp:spPr>
         <a:xfrm>
-          <a:off x="525780" y="1297692"/>
-          <a:ext cx="7360920" cy="354240"/>
+          <a:off x="525780" y="1111864"/>
+          <a:ext cx="7360920" cy="383760"/>
         </a:xfrm>
         <a:prstGeom prst="roundRect">
           <a:avLst/>
@@ -4554,7 +4618,7 @@
         </a:bodyPr>
         <a:lstStyle/>
         <a:p>
-          <a:pPr marL="0" lvl="0" indent="0" algn="l" defTabSz="533400">
+          <a:pPr marL="0" lvl="0" indent="0" algn="l" defTabSz="577850">
             <a:lnSpc>
               <a:spcPct val="90000"/>
             </a:lnSpc>
@@ -4567,15 +4631,15 @@
             <a:buNone/>
           </a:pPr>
           <a:r>
-            <a:rPr lang="fr-FR" sz="1200" kern="1200"/>
+            <a:rPr lang="fr-FR" sz="1300" kern="1200"/>
             <a:t>Chargement du JSON</a:t>
           </a:r>
-          <a:endParaRPr lang="en-US" sz="1200" kern="1200"/>
+          <a:endParaRPr lang="en-US" sz="1300" kern="1200"/>
         </a:p>
       </dsp:txBody>
       <dsp:txXfrm>
-        <a:off x="543073" y="1314985"/>
-        <a:ext cx="7326334" cy="319654"/>
+        <a:off x="544514" y="1130598"/>
+        <a:ext cx="7323452" cy="346292"/>
       </dsp:txXfrm>
     </dsp:sp>
     <dsp:sp modelId="{A1839143-FB34-4617-853E-96D155DA7E93}">
@@ -4585,8 +4649,8 @@
       </dsp:nvSpPr>
       <dsp:spPr>
         <a:xfrm>
-          <a:off x="0" y="2019132"/>
-          <a:ext cx="10515600" cy="302400"/>
+          <a:off x="0" y="1893424"/>
+          <a:ext cx="10515600" cy="327600"/>
         </a:xfrm>
         <a:prstGeom prst="rect">
           <a:avLst/>
@@ -4634,8 +4698,8 @@
       </dsp:nvSpPr>
       <dsp:spPr>
         <a:xfrm>
-          <a:off x="525780" y="1842012"/>
-          <a:ext cx="7360920" cy="354240"/>
+          <a:off x="525780" y="1701544"/>
+          <a:ext cx="7360920" cy="383760"/>
         </a:xfrm>
         <a:prstGeom prst="roundRect">
           <a:avLst/>
@@ -4682,7 +4746,7 @@
         </a:bodyPr>
         <a:lstStyle/>
         <a:p>
-          <a:pPr marL="0" lvl="0" indent="0" algn="l" defTabSz="533400">
+          <a:pPr marL="0" lvl="0" indent="0" algn="l" defTabSz="577850">
             <a:lnSpc>
               <a:spcPct val="90000"/>
             </a:lnSpc>
@@ -4695,15 +4759,15 @@
             <a:buNone/>
           </a:pPr>
           <a:r>
-            <a:rPr lang="fr-FR" sz="1200" kern="1200"/>
+            <a:rPr lang="fr-FR" sz="1300" kern="1200"/>
             <a:t>Initialisation du vector store avec les index faiss</a:t>
           </a:r>
-          <a:endParaRPr lang="en-US" sz="1200" kern="1200"/>
+          <a:endParaRPr lang="en-US" sz="1300" kern="1200"/>
         </a:p>
       </dsp:txBody>
       <dsp:txXfrm>
-        <a:off x="543073" y="1859305"/>
-        <a:ext cx="7326334" cy="319654"/>
+        <a:off x="544514" y="1720278"/>
+        <a:ext cx="7323452" cy="346292"/>
       </dsp:txXfrm>
     </dsp:sp>
     <dsp:sp modelId="{1DD28A78-03AA-4B65-ADDE-51072B174393}">
@@ -4713,8 +4777,8 @@
       </dsp:nvSpPr>
       <dsp:spPr>
         <a:xfrm>
-          <a:off x="0" y="2563451"/>
-          <a:ext cx="10515600" cy="1096200"/>
+          <a:off x="0" y="2483104"/>
+          <a:ext cx="10515600" cy="1187550"/>
         </a:xfrm>
         <a:prstGeom prst="rect">
           <a:avLst/>
@@ -4755,12 +4819,12 @@
         <a:fontRef idx="minor"/>
       </dsp:style>
       <dsp:txBody>
-        <a:bodyPr spcFirstLastPara="0" vert="horz" wrap="square" lIns="816127" tIns="249936" rIns="816127" bIns="85344" numCol="1" spcCol="1270" anchor="t" anchorCtr="0">
+        <a:bodyPr spcFirstLastPara="0" vert="horz" wrap="square" lIns="816127" tIns="270764" rIns="816127" bIns="92456" numCol="1" spcCol="1270" anchor="t" anchorCtr="0">
           <a:noAutofit/>
         </a:bodyPr>
         <a:lstStyle/>
         <a:p>
-          <a:pPr marL="114300" lvl="1" indent="-114300" algn="l" defTabSz="533400">
+          <a:pPr marL="114300" lvl="1" indent="-114300" algn="l" defTabSz="577850">
             <a:lnSpc>
               <a:spcPct val="90000"/>
             </a:lnSpc>
@@ -4773,13 +4837,13 @@
             <a:buChar char="•"/>
           </a:pPr>
           <a:r>
-            <a:rPr lang="fr-FR" sz="1200" kern="1200"/>
+            <a:rPr lang="fr-FR" sz="1300" kern="1200"/>
             <a:t>question, </a:t>
           </a:r>
-          <a:endParaRPr lang="en-US" sz="1200" kern="1200"/>
+          <a:endParaRPr lang="en-US" sz="1300" kern="1200"/>
         </a:p>
         <a:p>
-          <a:pPr marL="114300" lvl="1" indent="-114300" algn="l" defTabSz="533400">
+          <a:pPr marL="114300" lvl="1" indent="-114300" algn="l" defTabSz="577850">
             <a:lnSpc>
               <a:spcPct val="90000"/>
             </a:lnSpc>
@@ -4792,13 +4856,13 @@
             <a:buChar char="•"/>
           </a:pPr>
           <a:r>
-            <a:rPr lang="fr-FR" sz="1200" kern="1200"/>
+            <a:rPr lang="fr-FR" sz="1300" kern="1200"/>
             <a:t>ground_truth, </a:t>
           </a:r>
-          <a:endParaRPr lang="en-US" sz="1200" kern="1200"/>
+          <a:endParaRPr lang="en-US" sz="1300" kern="1200"/>
         </a:p>
         <a:p>
-          <a:pPr marL="114300" lvl="1" indent="-114300" algn="l" defTabSz="533400">
+          <a:pPr marL="114300" lvl="1" indent="-114300" algn="l" defTabSz="577850">
             <a:lnSpc>
               <a:spcPct val="90000"/>
             </a:lnSpc>
@@ -4811,13 +4875,13 @@
             <a:buChar char="•"/>
           </a:pPr>
           <a:r>
-            <a:rPr lang="fr-FR" sz="1200" kern="1200"/>
+            <a:rPr lang="fr-FR" sz="1300" kern="1200"/>
             <a:t>context (chunks de références),</a:t>
           </a:r>
-          <a:endParaRPr lang="en-US" sz="1200" kern="1200"/>
+          <a:endParaRPr lang="en-US" sz="1300" kern="1200"/>
         </a:p>
         <a:p>
-          <a:pPr marL="114300" lvl="1" indent="-114300" algn="l" defTabSz="533400">
+          <a:pPr marL="114300" lvl="1" indent="-114300" algn="l" defTabSz="577850">
             <a:lnSpc>
               <a:spcPct val="90000"/>
             </a:lnSpc>
@@ -4830,15 +4894,15 @@
             <a:buChar char="•"/>
           </a:pPr>
           <a:r>
-            <a:rPr lang="fr-FR" sz="1200" kern="1200"/>
+            <a:rPr lang="fr-FR" sz="1300" kern="1200"/>
             <a:t>et les réponses données par le chatbot</a:t>
           </a:r>
-          <a:endParaRPr lang="en-US" sz="1200" kern="1200"/>
+          <a:endParaRPr lang="en-US" sz="1300" kern="1200"/>
         </a:p>
       </dsp:txBody>
       <dsp:txXfrm>
-        <a:off x="0" y="2563451"/>
-        <a:ext cx="10515600" cy="1096200"/>
+        <a:off x="0" y="2483104"/>
+        <a:ext cx="10515600" cy="1187550"/>
       </dsp:txXfrm>
     </dsp:sp>
     <dsp:sp modelId="{26220998-A8E1-4204-9FD7-8431449B359C}">
@@ -4848,8 +4912,8 @@
       </dsp:nvSpPr>
       <dsp:spPr>
         <a:xfrm>
-          <a:off x="525780" y="2386331"/>
-          <a:ext cx="7360920" cy="354240"/>
+          <a:off x="525780" y="2291224"/>
+          <a:ext cx="7360920" cy="383760"/>
         </a:xfrm>
         <a:prstGeom prst="roundRect">
           <a:avLst/>
@@ -4896,7 +4960,7 @@
         </a:bodyPr>
         <a:lstStyle/>
         <a:p>
-          <a:pPr marL="0" lvl="0" indent="0" algn="l" defTabSz="533400">
+          <a:pPr marL="0" lvl="0" indent="0" algn="l" defTabSz="577850">
             <a:lnSpc>
               <a:spcPct val="90000"/>
             </a:lnSpc>
@@ -4909,15 +4973,15 @@
             <a:buNone/>
           </a:pPr>
           <a:r>
-            <a:rPr lang="fr-FR" sz="1200" kern="1200"/>
+            <a:rPr lang="fr-FR" sz="1300" kern="1200"/>
             <a:t>Préparation des données : </a:t>
           </a:r>
-          <a:endParaRPr lang="en-US" sz="1200" kern="1200"/>
+          <a:endParaRPr lang="en-US" sz="1300" kern="1200"/>
         </a:p>
       </dsp:txBody>
       <dsp:txXfrm>
-        <a:off x="543073" y="2403624"/>
-        <a:ext cx="7326334" cy="319654"/>
+        <a:off x="544514" y="2309958"/>
+        <a:ext cx="7323452" cy="346292"/>
       </dsp:txXfrm>
     </dsp:sp>
     <dsp:sp modelId="{7AF78BAE-3C03-4500-BE51-B14E9EB57DD7}">
@@ -4927,8 +4991,8 @@
       </dsp:nvSpPr>
       <dsp:spPr>
         <a:xfrm>
-          <a:off x="0" y="3901571"/>
-          <a:ext cx="10515600" cy="302400"/>
+          <a:off x="0" y="3932734"/>
+          <a:ext cx="10515600" cy="327600"/>
         </a:xfrm>
         <a:prstGeom prst="rect">
           <a:avLst/>
@@ -4976,8 +5040,8 @@
       </dsp:nvSpPr>
       <dsp:spPr>
         <a:xfrm>
-          <a:off x="525780" y="3724452"/>
-          <a:ext cx="7360920" cy="354240"/>
+          <a:off x="525780" y="3740854"/>
+          <a:ext cx="7360920" cy="383760"/>
         </a:xfrm>
         <a:prstGeom prst="roundRect">
           <a:avLst/>
@@ -5024,7 +5088,7 @@
         </a:bodyPr>
         <a:lstStyle/>
         <a:p>
-          <a:pPr marL="0" lvl="0" indent="0" algn="l" defTabSz="533400">
+          <a:pPr marL="0" lvl="0" indent="0" algn="l" defTabSz="577850">
             <a:lnSpc>
               <a:spcPct val="90000"/>
             </a:lnSpc>
@@ -5037,15 +5101,15 @@
             <a:buNone/>
           </a:pPr>
           <a:r>
-            <a:rPr lang="fr-FR" sz="1200" kern="1200"/>
+            <a:rPr lang="fr-FR" sz="1300" kern="1200"/>
             <a:t>Evaluation RAGAS</a:t>
           </a:r>
-          <a:endParaRPr lang="en-US" sz="1200" kern="1200"/>
+          <a:endParaRPr lang="en-US" sz="1300" kern="1200"/>
         </a:p>
       </dsp:txBody>
       <dsp:txXfrm>
-        <a:off x="543073" y="3741745"/>
-        <a:ext cx="7326334" cy="319654"/>
+        <a:off x="544514" y="3759588"/>
+        <a:ext cx="7323452" cy="346292"/>
       </dsp:txXfrm>
     </dsp:sp>
   </dsp:spTree>
@@ -5067,7 +5131,7 @@
       </dsp:nvSpPr>
       <dsp:spPr>
         <a:xfrm>
-          <a:off x="2173131" y="228986"/>
+          <a:off x="2173131" y="0"/>
           <a:ext cx="1510523" cy="1510523"/>
         </a:xfrm>
         <a:prstGeom prst="rect">
@@ -5117,7 +5181,7 @@
       </dsp:nvSpPr>
       <dsp:spPr>
         <a:xfrm>
-          <a:off x="770502" y="1900108"/>
+          <a:off x="770502" y="1690814"/>
           <a:ext cx="4315781" cy="647367"/>
         </a:xfrm>
         <a:prstGeom prst="rect">
@@ -5147,7 +5211,7 @@
         </a:bodyPr>
         <a:lstStyle/>
         <a:p>
-          <a:pPr marL="0" lvl="0" indent="0" algn="ctr" defTabSz="889000">
+          <a:pPr marL="0" lvl="0" indent="0" algn="ctr" defTabSz="1066800">
             <a:lnSpc>
               <a:spcPct val="100000"/>
             </a:lnSpc>
@@ -5161,14 +5225,18 @@
             <a:defRPr b="1"/>
           </a:pPr>
           <a:r>
-            <a:rPr lang="fr-FR" sz="2000" b="1" kern="1200"/>
-            <a:t>Faithfulness (Fidélité)</a:t>
+            <a:rPr lang="fr-FR" sz="2400" b="1" kern="1200" dirty="0" err="1"/>
+            <a:t>Faithfulness</a:t>
           </a:r>
-          <a:endParaRPr lang="en-US" sz="2000" kern="1200"/>
+          <a:r>
+            <a:rPr lang="fr-FR" sz="2400" b="1" kern="1200" dirty="0"/>
+            <a:t> (Fidélité)</a:t>
+          </a:r>
+          <a:endParaRPr lang="en-US" sz="2400" kern="1200" dirty="0"/>
         </a:p>
       </dsp:txBody>
       <dsp:txXfrm>
-        <a:off x="770502" y="1900108"/>
+        <a:off x="770502" y="1690814"/>
         <a:ext cx="4315781" cy="647367"/>
       </dsp:txXfrm>
     </dsp:sp>
@@ -5179,8 +5247,8 @@
       </dsp:nvSpPr>
       <dsp:spPr>
         <a:xfrm>
-          <a:off x="770502" y="2622171"/>
-          <a:ext cx="4315781" cy="1341646"/>
+          <a:off x="770502" y="2422037"/>
+          <a:ext cx="4315781" cy="1770767"/>
         </a:xfrm>
         <a:prstGeom prst="rect">
           <a:avLst/>
@@ -5209,7 +5277,7 @@
         </a:bodyPr>
         <a:lstStyle/>
         <a:p>
-          <a:pPr marL="0" lvl="0" indent="0" algn="ctr" defTabSz="666750">
+          <a:pPr marL="0" lvl="0" indent="0" algn="just" defTabSz="755650">
             <a:lnSpc>
               <a:spcPct val="100000"/>
             </a:lnSpc>
@@ -5222,13 +5290,21 @@
             <a:buNone/>
           </a:pPr>
           <a:r>
-            <a:rPr lang="fr-FR" sz="1500" kern="1200"/>
-            <a:t>Est-ce que la réponse du chatbot est bien basée sur le contexte récupéré ?</a:t>
+            <a:rPr lang="fr-FR" sz="1700" kern="1200" dirty="0"/>
+            <a:t>Est-ce que la réponse du </a:t>
           </a:r>
-          <a:endParaRPr lang="en-US" sz="1500" kern="1200"/>
+          <a:r>
+            <a:rPr lang="fr-FR" sz="1700" kern="1200" dirty="0" err="1"/>
+            <a:t>chatbot</a:t>
+          </a:r>
+          <a:r>
+            <a:rPr lang="fr-FR" sz="1700" kern="1200" dirty="0"/>
+            <a:t> est bien basée sur le contexte récupéré ?</a:t>
+          </a:r>
+          <a:endParaRPr lang="en-US" sz="1700" kern="1200" dirty="0"/>
         </a:p>
         <a:p>
-          <a:pPr marL="0" lvl="0" indent="0" algn="ctr" defTabSz="666750">
+          <a:pPr marL="0" lvl="0" indent="0" algn="just" defTabSz="755650">
             <a:lnSpc>
               <a:spcPct val="100000"/>
             </a:lnSpc>
@@ -5241,13 +5317,21 @@
             <a:buNone/>
           </a:pPr>
           <a:r>
-            <a:rPr lang="fr-FR" sz="1500" kern="1200"/>
-            <a:t>Le chatbot a-t-il inventé des infos ? (hallucinations) </a:t>
+            <a:rPr lang="fr-FR" sz="1700" kern="1200" dirty="0"/>
+            <a:t>Le </a:t>
           </a:r>
-          <a:endParaRPr lang="en-US" sz="1500" kern="1200"/>
+          <a:r>
+            <a:rPr lang="fr-FR" sz="1700" kern="1200" dirty="0" err="1"/>
+            <a:t>chatbot</a:t>
+          </a:r>
+          <a:r>
+            <a:rPr lang="fr-FR" sz="1700" kern="1200" dirty="0"/>
+            <a:t> a-t-il inventé des infos ? (hallucinations) </a:t>
+          </a:r>
+          <a:endParaRPr lang="en-US" sz="1700" kern="1200" dirty="0"/>
         </a:p>
         <a:p>
-          <a:pPr marL="0" lvl="0" indent="0" algn="ctr" defTabSz="666750">
+          <a:pPr marL="0" lvl="0" indent="0" algn="just" defTabSz="755650">
             <a:lnSpc>
               <a:spcPct val="100000"/>
             </a:lnSpc>
@@ -5260,15 +5344,23 @@
             <a:buNone/>
           </a:pPr>
           <a:r>
-            <a:rPr lang="fr-FR" sz="1500" kern="1200"/>
-            <a:t>Est-ce que les affirmations dans la réponse sont vérifiables dans les chunks FAISS ?</a:t>
+            <a:rPr lang="fr-FR" sz="1700" kern="1200" dirty="0"/>
+            <a:t>Est-ce que les affirmations dans la réponse sont vérifiables dans les </a:t>
           </a:r>
-          <a:endParaRPr lang="en-US" sz="1500" kern="1200"/>
+          <a:r>
+            <a:rPr lang="fr-FR" sz="1700" kern="1200" dirty="0" err="1"/>
+            <a:t>chunks</a:t>
+          </a:r>
+          <a:r>
+            <a:rPr lang="fr-FR" sz="1700" kern="1200" dirty="0"/>
+            <a:t> FAISS ?</a:t>
+          </a:r>
+          <a:endParaRPr lang="en-US" sz="1700" kern="1200" dirty="0"/>
         </a:p>
       </dsp:txBody>
       <dsp:txXfrm>
-        <a:off x="770502" y="2622171"/>
-        <a:ext cx="4315781" cy="1341646"/>
+        <a:off x="770502" y="2422037"/>
+        <a:ext cx="4315781" cy="1770767"/>
       </dsp:txXfrm>
     </dsp:sp>
     <dsp:sp modelId="{4B99EAF5-C956-4D19-BB70-5BCDF36DE01F}">
@@ -5278,7 +5370,7 @@
       </dsp:nvSpPr>
       <dsp:spPr>
         <a:xfrm>
-          <a:off x="7244174" y="228986"/>
+          <a:off x="7206970" y="0"/>
           <a:ext cx="1510523" cy="1510523"/>
         </a:xfrm>
         <a:prstGeom prst="rect">
@@ -5328,7 +5420,7 @@
       </dsp:nvSpPr>
       <dsp:spPr>
         <a:xfrm>
-          <a:off x="5841545" y="1900108"/>
+          <a:off x="5811766" y="1680136"/>
           <a:ext cx="4315781" cy="647367"/>
         </a:xfrm>
         <a:prstGeom prst="rect">
@@ -5358,7 +5450,7 @@
         </a:bodyPr>
         <a:lstStyle/>
         <a:p>
-          <a:pPr marL="0" lvl="0" indent="0" algn="ctr" defTabSz="889000">
+          <a:pPr marL="0" lvl="0" indent="0" algn="ctr" defTabSz="1066800">
             <a:lnSpc>
               <a:spcPct val="100000"/>
             </a:lnSpc>
@@ -5372,14 +5464,26 @@
             <a:defRPr b="1"/>
           </a:pPr>
           <a:r>
-            <a:rPr lang="fr-FR" sz="2000" b="1" kern="1200"/>
-            <a:t>Answer Relevancy (Pertinence de la réponse)</a:t>
+            <a:rPr lang="fr-FR" sz="2400" b="1" kern="1200" dirty="0" err="1"/>
+            <a:t>Answer</a:t>
           </a:r>
-          <a:endParaRPr lang="en-US" sz="2000" kern="1200"/>
+          <a:r>
+            <a:rPr lang="fr-FR" sz="2400" b="1" kern="1200" dirty="0"/>
+            <a:t> </a:t>
+          </a:r>
+          <a:r>
+            <a:rPr lang="fr-FR" sz="2400" b="1" kern="1200" dirty="0" err="1"/>
+            <a:t>Relevancy</a:t>
+          </a:r>
+          <a:r>
+            <a:rPr lang="fr-FR" sz="2400" b="1" kern="1200" dirty="0"/>
+            <a:t> (Pertinence)</a:t>
+          </a:r>
+          <a:endParaRPr lang="en-US" sz="2400" kern="1200" dirty="0"/>
         </a:p>
       </dsp:txBody>
       <dsp:txXfrm>
-        <a:off x="5841545" y="1900108"/>
+        <a:off x="5811766" y="1680136"/>
         <a:ext cx="4315781" cy="647367"/>
       </dsp:txXfrm>
     </dsp:sp>
@@ -5390,8 +5494,8 @@
       </dsp:nvSpPr>
       <dsp:spPr>
         <a:xfrm>
-          <a:off x="5841545" y="2622171"/>
-          <a:ext cx="4315781" cy="1341646"/>
+          <a:off x="5841545" y="2740778"/>
+          <a:ext cx="4315781" cy="1251804"/>
         </a:xfrm>
         <a:prstGeom prst="rect">
           <a:avLst/>
@@ -5420,7 +5524,7 @@
         </a:bodyPr>
         <a:lstStyle/>
         <a:p>
-          <a:pPr marL="0" lvl="0" indent="0" algn="ctr" defTabSz="666750">
+          <a:pPr marL="0" lvl="0" indent="0" algn="l" defTabSz="755650">
             <a:lnSpc>
               <a:spcPct val="100000"/>
             </a:lnSpc>
@@ -5430,16 +5534,17 @@
             <a:spcAft>
               <a:spcPct val="35000"/>
             </a:spcAft>
+            <a:buFont typeface="Arial" panose="020B0604020202020204" pitchFamily="34" charset="0"/>
             <a:buNone/>
           </a:pPr>
           <a:r>
-            <a:rPr lang="fr-FR" sz="1500" kern="1200"/>
+            <a:rPr lang="fr-FR" sz="1700" kern="1200" dirty="0"/>
             <a:t>Est-ce que la réponse répond bien à la question ?</a:t>
           </a:r>
-          <a:endParaRPr lang="en-US" sz="1500" kern="1200"/>
+          <a:endParaRPr lang="en-US" sz="1700" kern="1200" dirty="0"/>
         </a:p>
         <a:p>
-          <a:pPr marL="0" lvl="0" indent="0" algn="ctr" defTabSz="666750">
+          <a:pPr marL="0" lvl="0" indent="0" algn="l" defTabSz="755650">
             <a:lnSpc>
               <a:spcPct val="100000"/>
             </a:lnSpc>
@@ -5449,18 +5554,35 @@
             <a:spcAft>
               <a:spcPct val="35000"/>
             </a:spcAft>
+            <a:buFont typeface="Arial" panose="020B0604020202020204" pitchFamily="34" charset="0"/>
             <a:buNone/>
           </a:pPr>
           <a:r>
-            <a:rPr lang="fr-FR" sz="1500" kern="1200"/>
-            <a:t>Mesure de similitude sémantique avec la réponse de référence (ground truth)</a:t>
+            <a:rPr lang="fr-FR" sz="1700" kern="1200" dirty="0"/>
+            <a:t>Mesure de similitude sémantique avec la réponse de référence (</a:t>
           </a:r>
-          <a:endParaRPr lang="en-US" sz="1500" kern="1200"/>
+          <a:r>
+            <a:rPr lang="fr-FR" sz="1700" kern="1200" dirty="0" err="1"/>
+            <a:t>ground</a:t>
+          </a:r>
+          <a:r>
+            <a:rPr lang="fr-FR" sz="1700" kern="1200" dirty="0"/>
+            <a:t> </a:t>
+          </a:r>
+          <a:r>
+            <a:rPr lang="fr-FR" sz="1700" kern="1200" dirty="0" err="1"/>
+            <a:t>truth</a:t>
+          </a:r>
+          <a:r>
+            <a:rPr lang="fr-FR" sz="1700" kern="1200" dirty="0"/>
+            <a:t>)</a:t>
+          </a:r>
+          <a:endParaRPr lang="en-US" sz="1700" kern="1200" dirty="0"/>
         </a:p>
       </dsp:txBody>
       <dsp:txXfrm>
-        <a:off x="5841545" y="2622171"/>
-        <a:ext cx="4315781" cy="1341646"/>
+        <a:off x="5841545" y="2740778"/>
+        <a:ext cx="4315781" cy="1251804"/>
       </dsp:txXfrm>
     </dsp:sp>
   </dsp:spTree>
@@ -10303,7 +10425,7 @@
           <a:p>
             <a:fld id="{A5CF4A8D-21B1-4159-8526-7236899DB376}" type="datetimeFigureOut">
               <a:rPr lang="fr-FR" smtClean="0"/>
-              <a:t>24/12/2025</a:t>
+              <a:t>26/12/2025</a:t>
             </a:fld>
             <a:endParaRPr lang="fr-FR"/>
           </a:p>
@@ -10895,13 +11017,6 @@
           </p:nvPr>
         </p:nvSpPr>
         <p:spPr/>
-        <p:txBody>
-          <a:bodyPr/>
-          <a:lstStyle/>
-          <a:p>
-            <a:endParaRPr lang="fr-FR"/>
-          </a:p>
-        </p:txBody>
       </p:sp>
       <p:sp>
         <p:nvSpPr>
@@ -10939,7 +11054,7 @@
           <a:p>
             <a:fld id="{2DF2FE14-80C5-4B07-AFC3-D084851776E3}" type="slidenum">
               <a:rPr lang="fr-FR" smtClean="0"/>
-              <a:t>6</a:t>
+              <a:t>5</a:t>
             </a:fld>
             <a:endParaRPr lang="fr-FR"/>
           </a:p>
@@ -10948,7 +11063,7 @@
     </p:spTree>
     <p:extLst>
       <p:ext uri="{BB962C8B-B14F-4D97-AF65-F5344CB8AC3E}">
-        <p14:creationId xmlns:p14="http://schemas.microsoft.com/office/powerpoint/2010/main" val="3689002331"/>
+        <p14:creationId xmlns:p14="http://schemas.microsoft.com/office/powerpoint/2010/main" val="3611832318"/>
       </p:ext>
     </p:extLst>
   </p:cSld>
@@ -11039,7 +11154,7 @@
     </p:spTree>
     <p:extLst>
       <p:ext uri="{BB962C8B-B14F-4D97-AF65-F5344CB8AC3E}">
-        <p14:creationId xmlns:p14="http://schemas.microsoft.com/office/powerpoint/2010/main" val="3699666534"/>
+        <p14:creationId xmlns:p14="http://schemas.microsoft.com/office/powerpoint/2010/main" val="3689002331"/>
       </p:ext>
     </p:extLst>
   </p:cSld>
@@ -11100,7 +11215,7 @@
           <a:bodyPr/>
           <a:lstStyle/>
           <a:p>
-            <a:endParaRPr lang="fr-FR"/>
+            <a:endParaRPr lang="fr-FR" dirty="0"/>
           </a:p>
         </p:txBody>
       </p:sp>
@@ -11130,6 +11245,97 @@
     </p:spTree>
     <p:extLst>
       <p:ext uri="{BB962C8B-B14F-4D97-AF65-F5344CB8AC3E}">
+        <p14:creationId xmlns:p14="http://schemas.microsoft.com/office/powerpoint/2010/main" val="3699666534"/>
+      </p:ext>
+    </p:extLst>
+  </p:cSld>
+  <p:clrMapOvr>
+    <a:masterClrMapping/>
+  </p:clrMapOvr>
+</p:notes>
+</file>
+
+<file path=ppt/notesSlides/notesSlide7.xml><?xml version="1.0" encoding="utf-8"?>
+<p:notes xmlns:a="http://schemas.openxmlformats.org/drawingml/2006/main" xmlns:r="http://schemas.openxmlformats.org/officeDocument/2006/relationships" xmlns:p="http://schemas.openxmlformats.org/presentationml/2006/main">
+  <p:cSld>
+    <p:spTree>
+      <p:nvGrpSpPr>
+        <p:cNvPr id="1" name=""/>
+        <p:cNvGrpSpPr/>
+        <p:nvPr/>
+      </p:nvGrpSpPr>
+      <p:grpSpPr>
+        <a:xfrm>
+          <a:off x="0" y="0"/>
+          <a:ext cx="0" cy="0"/>
+          <a:chOff x="0" y="0"/>
+          <a:chExt cx="0" cy="0"/>
+        </a:xfrm>
+      </p:grpSpPr>
+      <p:sp>
+        <p:nvSpPr>
+          <p:cNvPr id="2" name="Espace réservé de l'image des diapositives 1"/>
+          <p:cNvSpPr>
+            <a:spLocks noGrp="1" noRot="1" noChangeAspect="1"/>
+          </p:cNvSpPr>
+          <p:nvPr>
+            <p:ph type="sldImg"/>
+          </p:nvPr>
+        </p:nvSpPr>
+        <p:spPr/>
+        <p:txBody>
+          <a:bodyPr/>
+          <a:lstStyle/>
+          <a:p>
+            <a:endParaRPr lang="fr-FR"/>
+          </a:p>
+        </p:txBody>
+      </p:sp>
+      <p:sp>
+        <p:nvSpPr>
+          <p:cNvPr id="3" name="Espace réservé des notes 2"/>
+          <p:cNvSpPr>
+            <a:spLocks noGrp="1"/>
+          </p:cNvSpPr>
+          <p:nvPr>
+            <p:ph type="body" idx="1"/>
+          </p:nvPr>
+        </p:nvSpPr>
+        <p:spPr/>
+        <p:txBody>
+          <a:bodyPr/>
+          <a:lstStyle/>
+          <a:p>
+            <a:endParaRPr lang="fr-FR" dirty="0"/>
+          </a:p>
+        </p:txBody>
+      </p:sp>
+      <p:sp>
+        <p:nvSpPr>
+          <p:cNvPr id="4" name="Espace réservé du numéro de diapositive 3"/>
+          <p:cNvSpPr>
+            <a:spLocks noGrp="1"/>
+          </p:cNvSpPr>
+          <p:nvPr>
+            <p:ph type="sldNum" sz="quarter" idx="5"/>
+          </p:nvPr>
+        </p:nvSpPr>
+        <p:spPr/>
+        <p:txBody>
+          <a:bodyPr/>
+          <a:lstStyle/>
+          <a:p>
+            <a:fld id="{2DF2FE14-80C5-4B07-AFC3-D084851776E3}" type="slidenum">
+              <a:rPr lang="fr-FR" smtClean="0"/>
+              <a:t>9</a:t>
+            </a:fld>
+            <a:endParaRPr lang="fr-FR"/>
+          </a:p>
+        </p:txBody>
+      </p:sp>
+    </p:spTree>
+    <p:extLst>
+      <p:ext uri="{BB962C8B-B14F-4D97-AF65-F5344CB8AC3E}">
         <p14:creationId xmlns:p14="http://schemas.microsoft.com/office/powerpoint/2010/main" val="724861081"/>
       </p:ext>
     </p:extLst>
@@ -11140,7 +11346,7 @@
 </p:notes>
 </file>
 
-<file path=ppt/notesSlides/notesSlide7.xml><?xml version="1.0" encoding="utf-8"?>
+<file path=ppt/notesSlides/notesSlide8.xml><?xml version="1.0" encoding="utf-8"?>
 <p:notes xmlns:a="http://schemas.openxmlformats.org/drawingml/2006/main" xmlns:r="http://schemas.openxmlformats.org/officeDocument/2006/relationships" xmlns:p="http://schemas.openxmlformats.org/presentationml/2006/main">
   <p:cSld>
     <p:spTree>
@@ -11209,7 +11415,7 @@
           <a:bodyPr/>
           <a:lstStyle/>
           <a:p>
-            <a:endParaRPr lang="fr-FR"/>
+            <a:endParaRPr lang="fr-FR" dirty="0"/>
           </a:p>
         </p:txBody>
       </p:sp>
@@ -11236,7 +11442,7 @@
           <a:p>
             <a:fld id="{2DF2FE14-80C5-4B07-AFC3-D084851776E3}" type="slidenum">
               <a:rPr lang="fr-FR" smtClean="0"/>
-              <a:t>9</a:t>
+              <a:t>10</a:t>
             </a:fld>
             <a:endParaRPr lang="fr-FR"/>
           </a:p>
@@ -11246,6 +11452,121 @@
     <p:extLst>
       <p:ext uri="{BB962C8B-B14F-4D97-AF65-F5344CB8AC3E}">
         <p14:creationId xmlns:p14="http://schemas.microsoft.com/office/powerpoint/2010/main" val="2714054663"/>
+      </p:ext>
+    </p:extLst>
+  </p:cSld>
+  <p:clrMapOvr>
+    <a:masterClrMapping/>
+  </p:clrMapOvr>
+</p:notes>
+</file>
+
+<file path=ppt/notesSlides/notesSlide9.xml><?xml version="1.0" encoding="utf-8"?>
+<p:notes xmlns:a="http://schemas.openxmlformats.org/drawingml/2006/main" xmlns:r="http://schemas.openxmlformats.org/officeDocument/2006/relationships" xmlns:p="http://schemas.openxmlformats.org/presentationml/2006/main">
+  <p:cSld>
+    <p:spTree>
+      <p:nvGrpSpPr>
+        <p:cNvPr id="1" name="">
+          <a:extLst>
+            <a:ext uri="{FF2B5EF4-FFF2-40B4-BE49-F238E27FC236}">
+              <a16:creationId xmlns:a16="http://schemas.microsoft.com/office/drawing/2014/main" id="{44BFFA8E-E8F9-F371-AF3A-DE4BF2BEBAE1}"/>
+            </a:ext>
+          </a:extLst>
+        </p:cNvPr>
+        <p:cNvGrpSpPr/>
+        <p:nvPr/>
+      </p:nvGrpSpPr>
+      <p:grpSpPr>
+        <a:xfrm>
+          <a:off x="0" y="0"/>
+          <a:ext cx="0" cy="0"/>
+          <a:chOff x="0" y="0"/>
+          <a:chExt cx="0" cy="0"/>
+        </a:xfrm>
+      </p:grpSpPr>
+      <p:sp>
+        <p:nvSpPr>
+          <p:cNvPr id="2" name="Espace réservé de l'image des diapositives 1">
+            <a:extLst>
+              <a:ext uri="{FF2B5EF4-FFF2-40B4-BE49-F238E27FC236}">
+                <a16:creationId xmlns:a16="http://schemas.microsoft.com/office/drawing/2014/main" id="{85788C1B-9885-81BB-6362-00D7CF858634}"/>
+              </a:ext>
+            </a:extLst>
+          </p:cNvPr>
+          <p:cNvSpPr>
+            <a:spLocks noGrp="1" noRot="1" noChangeAspect="1"/>
+          </p:cNvSpPr>
+          <p:nvPr>
+            <p:ph type="sldImg"/>
+          </p:nvPr>
+        </p:nvSpPr>
+        <p:spPr/>
+        <p:txBody>
+          <a:bodyPr/>
+          <a:lstStyle/>
+          <a:p>
+            <a:endParaRPr lang="fr-FR"/>
+          </a:p>
+        </p:txBody>
+      </p:sp>
+      <p:sp>
+        <p:nvSpPr>
+          <p:cNvPr id="3" name="Espace réservé des notes 2">
+            <a:extLst>
+              <a:ext uri="{FF2B5EF4-FFF2-40B4-BE49-F238E27FC236}">
+                <a16:creationId xmlns:a16="http://schemas.microsoft.com/office/drawing/2014/main" id="{1368546D-946C-2776-A69F-5EC8F42FC992}"/>
+              </a:ext>
+            </a:extLst>
+          </p:cNvPr>
+          <p:cNvSpPr>
+            <a:spLocks noGrp="1"/>
+          </p:cNvSpPr>
+          <p:nvPr>
+            <p:ph type="body" idx="1"/>
+          </p:nvPr>
+        </p:nvSpPr>
+        <p:spPr/>
+        <p:txBody>
+          <a:bodyPr/>
+          <a:lstStyle/>
+          <a:p>
+            <a:endParaRPr lang="fr-FR" dirty="0"/>
+          </a:p>
+        </p:txBody>
+      </p:sp>
+      <p:sp>
+        <p:nvSpPr>
+          <p:cNvPr id="4" name="Espace réservé du numéro de diapositive 3">
+            <a:extLst>
+              <a:ext uri="{FF2B5EF4-FFF2-40B4-BE49-F238E27FC236}">
+                <a16:creationId xmlns:a16="http://schemas.microsoft.com/office/drawing/2014/main" id="{D6C6CE81-2BBF-5180-F3F5-DE04BDD8A40F}"/>
+              </a:ext>
+            </a:extLst>
+          </p:cNvPr>
+          <p:cNvSpPr>
+            <a:spLocks noGrp="1"/>
+          </p:cNvSpPr>
+          <p:nvPr>
+            <p:ph type="sldNum" sz="quarter" idx="5"/>
+          </p:nvPr>
+        </p:nvSpPr>
+        <p:spPr/>
+        <p:txBody>
+          <a:bodyPr/>
+          <a:lstStyle/>
+          <a:p>
+            <a:fld id="{2DF2FE14-80C5-4B07-AFC3-D084851776E3}" type="slidenum">
+              <a:rPr lang="fr-FR" smtClean="0"/>
+              <a:t>11</a:t>
+            </a:fld>
+            <a:endParaRPr lang="fr-FR"/>
+          </a:p>
+        </p:txBody>
+      </p:sp>
+    </p:spTree>
+    <p:extLst>
+      <p:ext uri="{BB962C8B-B14F-4D97-AF65-F5344CB8AC3E}">
+        <p14:creationId xmlns:p14="http://schemas.microsoft.com/office/powerpoint/2010/main" val="3427170219"/>
       </p:ext>
     </p:extLst>
   </p:cSld>
@@ -11402,7 +11723,7 @@
           <a:p>
             <a:fld id="{87D051CB-A706-4952-9EC1-5246A38FD839}" type="datetimeFigureOut">
               <a:rPr lang="fr-FR" smtClean="0"/>
-              <a:t>24/12/2025</a:t>
+              <a:t>26/12/2025</a:t>
             </a:fld>
             <a:endParaRPr lang="fr-FR"/>
           </a:p>
@@ -11600,7 +11921,7 @@
           <a:p>
             <a:fld id="{87D051CB-A706-4952-9EC1-5246A38FD839}" type="datetimeFigureOut">
               <a:rPr lang="fr-FR" smtClean="0"/>
-              <a:t>24/12/2025</a:t>
+              <a:t>26/12/2025</a:t>
             </a:fld>
             <a:endParaRPr lang="fr-FR"/>
           </a:p>
@@ -11808,7 +12129,7 @@
           <a:p>
             <a:fld id="{87D051CB-A706-4952-9EC1-5246A38FD839}" type="datetimeFigureOut">
               <a:rPr lang="fr-FR" smtClean="0"/>
-              <a:t>24/12/2025</a:t>
+              <a:t>26/12/2025</a:t>
             </a:fld>
             <a:endParaRPr lang="fr-FR"/>
           </a:p>
@@ -12006,7 +12327,7 @@
           <a:p>
             <a:fld id="{87D051CB-A706-4952-9EC1-5246A38FD839}" type="datetimeFigureOut">
               <a:rPr lang="fr-FR" smtClean="0"/>
-              <a:t>24/12/2025</a:t>
+              <a:t>26/12/2025</a:t>
             </a:fld>
             <a:endParaRPr lang="fr-FR"/>
           </a:p>
@@ -12281,7 +12602,7 @@
           <a:p>
             <a:fld id="{87D051CB-A706-4952-9EC1-5246A38FD839}" type="datetimeFigureOut">
               <a:rPr lang="fr-FR" smtClean="0"/>
-              <a:t>24/12/2025</a:t>
+              <a:t>26/12/2025</a:t>
             </a:fld>
             <a:endParaRPr lang="fr-FR"/>
           </a:p>
@@ -12546,7 +12867,7 @@
           <a:p>
             <a:fld id="{87D051CB-A706-4952-9EC1-5246A38FD839}" type="datetimeFigureOut">
               <a:rPr lang="fr-FR" smtClean="0"/>
-              <a:t>24/12/2025</a:t>
+              <a:t>26/12/2025</a:t>
             </a:fld>
             <a:endParaRPr lang="fr-FR"/>
           </a:p>
@@ -12958,7 +13279,7 @@
           <a:p>
             <a:fld id="{87D051CB-A706-4952-9EC1-5246A38FD839}" type="datetimeFigureOut">
               <a:rPr lang="fr-FR" smtClean="0"/>
-              <a:t>24/12/2025</a:t>
+              <a:t>26/12/2025</a:t>
             </a:fld>
             <a:endParaRPr lang="fr-FR"/>
           </a:p>
@@ -13099,7 +13420,7 @@
           <a:p>
             <a:fld id="{87D051CB-A706-4952-9EC1-5246A38FD839}" type="datetimeFigureOut">
               <a:rPr lang="fr-FR" smtClean="0"/>
-              <a:t>24/12/2025</a:t>
+              <a:t>26/12/2025</a:t>
             </a:fld>
             <a:endParaRPr lang="fr-FR"/>
           </a:p>
@@ -13212,7 +13533,7 @@
           <a:p>
             <a:fld id="{87D051CB-A706-4952-9EC1-5246A38FD839}" type="datetimeFigureOut">
               <a:rPr lang="fr-FR" smtClean="0"/>
-              <a:t>24/12/2025</a:t>
+              <a:t>26/12/2025</a:t>
             </a:fld>
             <a:endParaRPr lang="fr-FR"/>
           </a:p>
@@ -13523,7 +13844,7 @@
           <a:p>
             <a:fld id="{87D051CB-A706-4952-9EC1-5246A38FD839}" type="datetimeFigureOut">
               <a:rPr lang="fr-FR" smtClean="0"/>
-              <a:t>24/12/2025</a:t>
+              <a:t>26/12/2025</a:t>
             </a:fld>
             <a:endParaRPr lang="fr-FR"/>
           </a:p>
@@ -13811,7 +14132,7 @@
           <a:p>
             <a:fld id="{87D051CB-A706-4952-9EC1-5246A38FD839}" type="datetimeFigureOut">
               <a:rPr lang="fr-FR" smtClean="0"/>
-              <a:t>24/12/2025</a:t>
+              <a:t>26/12/2025</a:t>
             </a:fld>
             <a:endParaRPr lang="fr-FR"/>
           </a:p>
@@ -14052,7 +14373,7 @@
           <a:p>
             <a:fld id="{87D051CB-A706-4952-9EC1-5246A38FD839}" type="datetimeFigureOut">
               <a:rPr lang="fr-FR" smtClean="0"/>
-              <a:t>24/12/2025</a:t>
+              <a:t>26/12/2025</a:t>
             </a:fld>
             <a:endParaRPr lang="fr-FR"/>
           </a:p>
@@ -15049,6 +15370,2307 @@
 </p:sld>
 </file>
 
+<file path=ppt/slides/slide10.xml><?xml version="1.0" encoding="utf-8"?>
+<p:sld xmlns:a="http://schemas.openxmlformats.org/drawingml/2006/main" xmlns:r="http://schemas.openxmlformats.org/officeDocument/2006/relationships" xmlns:p="http://schemas.openxmlformats.org/presentationml/2006/main">
+  <p:cSld>
+    <p:spTree>
+      <p:nvGrpSpPr>
+        <p:cNvPr id="1" name="">
+          <a:extLst>
+            <a:ext uri="{FF2B5EF4-FFF2-40B4-BE49-F238E27FC236}">
+              <a16:creationId xmlns:a16="http://schemas.microsoft.com/office/drawing/2014/main" id="{078D4F17-7B0F-3E4C-53E8-2131A934E4D4}"/>
+            </a:ext>
+          </a:extLst>
+        </p:cNvPr>
+        <p:cNvGrpSpPr/>
+        <p:nvPr/>
+      </p:nvGrpSpPr>
+      <p:grpSpPr>
+        <a:xfrm>
+          <a:off x="0" y="0"/>
+          <a:ext cx="0" cy="0"/>
+          <a:chOff x="0" y="0"/>
+          <a:chExt cx="0" cy="0"/>
+        </a:xfrm>
+      </p:grpSpPr>
+      <p:sp>
+        <p:nvSpPr>
+          <p:cNvPr id="2" name="Titre 1">
+            <a:extLst>
+              <a:ext uri="{FF2B5EF4-FFF2-40B4-BE49-F238E27FC236}">
+                <a16:creationId xmlns:a16="http://schemas.microsoft.com/office/drawing/2014/main" id="{FF7765DE-C10D-CF9E-543A-2AE3DD601506}"/>
+              </a:ext>
+            </a:extLst>
+          </p:cNvPr>
+          <p:cNvSpPr>
+            <a:spLocks noGrp="1"/>
+          </p:cNvSpPr>
+          <p:nvPr>
+            <p:ph type="title"/>
+          </p:nvPr>
+        </p:nvSpPr>
+        <p:spPr>
+          <a:xfrm>
+            <a:off x="509307" y="1425486"/>
+            <a:ext cx="3201366" cy="3387497"/>
+          </a:xfrm>
+        </p:spPr>
+        <p:txBody>
+          <a:bodyPr anchor="b">
+            <a:normAutofit/>
+          </a:bodyPr>
+          <a:lstStyle/>
+          <a:p>
+            <a:pPr algn="r"/>
+            <a:r>
+              <a:rPr lang="fr-FR" sz="4000" dirty="0">
+                <a:solidFill>
+                  <a:srgbClr val="FFFFFF"/>
+                </a:solidFill>
+              </a:rPr>
+              <a:t>Evaluation du modèle optimisé</a:t>
+            </a:r>
+          </a:p>
+        </p:txBody>
+      </p:sp>
+      <p:graphicFrame>
+        <p:nvGraphicFramePr>
+          <p:cNvPr id="8" name="Tableau 7">
+            <a:extLst>
+              <a:ext uri="{FF2B5EF4-FFF2-40B4-BE49-F238E27FC236}">
+                <a16:creationId xmlns:a16="http://schemas.microsoft.com/office/drawing/2014/main" id="{D2F37A8B-18CA-0B12-5C55-48AB8CE775AD}"/>
+              </a:ext>
+            </a:extLst>
+          </p:cNvPr>
+          <p:cNvGraphicFramePr>
+            <a:graphicFrameLocks noGrp="1"/>
+          </p:cNvGraphicFramePr>
+          <p:nvPr>
+            <p:extLst>
+              <p:ext uri="{D42A27DB-BD31-4B8C-83A1-F6EECF244321}">
+                <p14:modId xmlns:p14="http://schemas.microsoft.com/office/powerpoint/2010/main" val="466829373"/>
+              </p:ext>
+            </p:extLst>
+          </p:nvPr>
+        </p:nvGraphicFramePr>
+        <p:xfrm>
+          <a:off x="123816" y="2265825"/>
+          <a:ext cx="7482278" cy="1280963"/>
+        </p:xfrm>
+        <a:graphic>
+          <a:graphicData uri="http://schemas.openxmlformats.org/drawingml/2006/table">
+            <a:tbl>
+              <a:tblPr/>
+              <a:tblGrid>
+                <a:gridCol w="5417130">
+                  <a:extLst>
+                    <a:ext uri="{9D8B030D-6E8A-4147-A177-3AD203B41FA5}">
+                      <a16:colId xmlns:a16="http://schemas.microsoft.com/office/drawing/2014/main" val="4061980905"/>
+                    </a:ext>
+                  </a:extLst>
+                </a:gridCol>
+                <a:gridCol w="1009227">
+                  <a:extLst>
+                    <a:ext uri="{9D8B030D-6E8A-4147-A177-3AD203B41FA5}">
+                      <a16:colId xmlns:a16="http://schemas.microsoft.com/office/drawing/2014/main" val="3106528971"/>
+                    </a:ext>
+                  </a:extLst>
+                </a:gridCol>
+                <a:gridCol w="1055921">
+                  <a:extLst>
+                    <a:ext uri="{9D8B030D-6E8A-4147-A177-3AD203B41FA5}">
+                      <a16:colId xmlns:a16="http://schemas.microsoft.com/office/drawing/2014/main" val="1775203264"/>
+                    </a:ext>
+                  </a:extLst>
+                </a:gridCol>
+              </a:tblGrid>
+              <a:tr h="288473">
+                <a:tc>
+                  <a:txBody>
+                    <a:bodyPr/>
+                    <a:lstStyle/>
+                    <a:p>
+                      <a:pPr algn="ctr" fontAlgn="b">
+                        <a:buNone/>
+                      </a:pPr>
+                      <a:r>
+                        <a:rPr lang="fr-FR" sz="1100" b="1" i="0" u="none" strike="noStrike" dirty="0">
+                          <a:solidFill>
+                            <a:srgbClr val="FFFFFF"/>
+                          </a:solidFill>
+                          <a:effectLst/>
+                          <a:latin typeface="Aptos Narrow" panose="020B0004020202020204" pitchFamily="34" charset="0"/>
+                        </a:rPr>
+                        <a:t>question</a:t>
+                      </a:r>
+                    </a:p>
+                  </a:txBody>
+                  <a:tcPr marL="6350" marR="6350" marT="6350" marB="0" anchor="b">
+                    <a:lnL w="6350" cap="flat" cmpd="sng" algn="ctr">
+                      <a:solidFill>
+                        <a:srgbClr val="44B3E1"/>
+                      </a:solidFill>
+                      <a:prstDash val="solid"/>
+                      <a:round/>
+                      <a:headEnd type="none" w="med" len="med"/>
+                      <a:tailEnd type="none" w="med" len="med"/>
+                    </a:lnL>
+                    <a:lnR>
+                      <a:noFill/>
+                    </a:lnR>
+                    <a:lnT w="6350" cap="flat" cmpd="sng" algn="ctr">
+                      <a:solidFill>
+                        <a:srgbClr val="44B3E1"/>
+                      </a:solidFill>
+                      <a:prstDash val="solid"/>
+                      <a:round/>
+                      <a:headEnd type="none" w="med" len="med"/>
+                      <a:tailEnd type="none" w="med" len="med"/>
+                    </a:lnT>
+                    <a:lnB w="6350" cap="flat" cmpd="sng" algn="ctr">
+                      <a:solidFill>
+                        <a:srgbClr val="44B3E1"/>
+                      </a:solidFill>
+                      <a:prstDash val="solid"/>
+                      <a:round/>
+                      <a:headEnd type="none" w="med" len="med"/>
+                      <a:tailEnd type="none" w="med" len="med"/>
+                    </a:lnB>
+                    <a:solidFill>
+                      <a:srgbClr val="156082"/>
+                    </a:solidFill>
+                  </a:tcPr>
+                </a:tc>
+                <a:tc>
+                  <a:txBody>
+                    <a:bodyPr/>
+                    <a:lstStyle/>
+                    <a:p>
+                      <a:pPr algn="ctr" fontAlgn="b">
+                        <a:buNone/>
+                      </a:pPr>
+                      <a:r>
+                        <a:rPr lang="fr-FR" sz="1100" b="1" i="0" u="none" strike="noStrike">
+                          <a:solidFill>
+                            <a:srgbClr val="FFFFFF"/>
+                          </a:solidFill>
+                          <a:effectLst/>
+                          <a:latin typeface="Aptos Narrow" panose="020B0004020202020204" pitchFamily="34" charset="0"/>
+                        </a:rPr>
+                        <a:t>faithfulness</a:t>
+                      </a:r>
+                    </a:p>
+                  </a:txBody>
+                  <a:tcPr marL="6350" marR="6350" marT="6350" marB="0" anchor="b">
+                    <a:lnL>
+                      <a:noFill/>
+                    </a:lnL>
+                    <a:lnR>
+                      <a:noFill/>
+                    </a:lnR>
+                    <a:lnT w="6350" cap="flat" cmpd="sng" algn="ctr">
+                      <a:solidFill>
+                        <a:srgbClr val="44B3E1"/>
+                      </a:solidFill>
+                      <a:prstDash val="solid"/>
+                      <a:round/>
+                      <a:headEnd type="none" w="med" len="med"/>
+                      <a:tailEnd type="none" w="med" len="med"/>
+                    </a:lnT>
+                    <a:lnB w="6350" cap="flat" cmpd="sng" algn="ctr">
+                      <a:solidFill>
+                        <a:srgbClr val="44B3E1"/>
+                      </a:solidFill>
+                      <a:prstDash val="solid"/>
+                      <a:round/>
+                      <a:headEnd type="none" w="med" len="med"/>
+                      <a:tailEnd type="none" w="med" len="med"/>
+                    </a:lnB>
+                    <a:solidFill>
+                      <a:srgbClr val="156082"/>
+                    </a:solidFill>
+                  </a:tcPr>
+                </a:tc>
+                <a:tc>
+                  <a:txBody>
+                    <a:bodyPr/>
+                    <a:lstStyle/>
+                    <a:p>
+                      <a:pPr algn="ctr" fontAlgn="b">
+                        <a:buNone/>
+                      </a:pPr>
+                      <a:r>
+                        <a:rPr lang="fr-FR" sz="1100" b="1" i="0" u="none" strike="noStrike" dirty="0" err="1">
+                          <a:solidFill>
+                            <a:srgbClr val="FFFFFF"/>
+                          </a:solidFill>
+                          <a:effectLst/>
+                          <a:latin typeface="Aptos Narrow" panose="020B0004020202020204" pitchFamily="34" charset="0"/>
+                        </a:rPr>
+                        <a:t>answer_relevancy</a:t>
+                      </a:r>
+                      <a:endParaRPr lang="fr-FR" sz="1100" b="1" i="0" u="none" strike="noStrike" dirty="0">
+                        <a:solidFill>
+                          <a:srgbClr val="FFFFFF"/>
+                        </a:solidFill>
+                        <a:effectLst/>
+                        <a:latin typeface="Aptos Narrow" panose="020B0004020202020204" pitchFamily="34" charset="0"/>
+                      </a:endParaRPr>
+                    </a:p>
+                  </a:txBody>
+                  <a:tcPr marL="6350" marR="6350" marT="6350" marB="0" anchor="b">
+                    <a:lnL>
+                      <a:noFill/>
+                    </a:lnL>
+                    <a:lnR w="6350" cap="flat" cmpd="sng" algn="ctr">
+                      <a:solidFill>
+                        <a:srgbClr val="44B3E1"/>
+                      </a:solidFill>
+                      <a:prstDash val="solid"/>
+                      <a:round/>
+                      <a:headEnd type="none" w="med" len="med"/>
+                      <a:tailEnd type="none" w="med" len="med"/>
+                    </a:lnR>
+                    <a:lnT w="6350" cap="flat" cmpd="sng" algn="ctr">
+                      <a:solidFill>
+                        <a:srgbClr val="44B3E1"/>
+                      </a:solidFill>
+                      <a:prstDash val="solid"/>
+                      <a:round/>
+                      <a:headEnd type="none" w="med" len="med"/>
+                      <a:tailEnd type="none" w="med" len="med"/>
+                    </a:lnT>
+                    <a:lnB w="6350" cap="flat" cmpd="sng" algn="ctr">
+                      <a:solidFill>
+                        <a:srgbClr val="44B3E1"/>
+                      </a:solidFill>
+                      <a:prstDash val="solid"/>
+                      <a:round/>
+                      <a:headEnd type="none" w="med" len="med"/>
+                      <a:tailEnd type="none" w="med" len="med"/>
+                    </a:lnB>
+                    <a:solidFill>
+                      <a:srgbClr val="156082"/>
+                    </a:solidFill>
+                  </a:tcPr>
+                </a:tc>
+                <a:extLst>
+                  <a:ext uri="{0D108BD9-81ED-4DB2-BD59-A6C34878D82A}">
+                    <a16:rowId xmlns:a16="http://schemas.microsoft.com/office/drawing/2014/main" val="2523085065"/>
+                  </a:ext>
+                </a:extLst>
+              </a:tr>
+              <a:tr h="198498">
+                <a:tc>
+                  <a:txBody>
+                    <a:bodyPr/>
+                    <a:lstStyle/>
+                    <a:p>
+                      <a:pPr algn="ctr" fontAlgn="b">
+                        <a:buNone/>
+                      </a:pPr>
+                      <a:r>
+                        <a:rPr lang="fr-FR" sz="1100" b="0" i="0" u="none" strike="noStrike" dirty="0">
+                          <a:solidFill>
+                            <a:srgbClr val="000000"/>
+                          </a:solidFill>
+                          <a:effectLst/>
+                          <a:latin typeface="Aptos Narrow" panose="020B0004020202020204" pitchFamily="34" charset="0"/>
+                        </a:rPr>
+                        <a:t>Qui est le meilleur marqueur de la saison en nombre de points total et quel est son score ?</a:t>
+                      </a:r>
+                    </a:p>
+                  </a:txBody>
+                  <a:tcPr marL="6350" marR="6350" marT="6350" marB="0" anchor="b">
+                    <a:lnL w="6350" cap="flat" cmpd="sng" algn="ctr">
+                      <a:solidFill>
+                        <a:srgbClr val="44B3E1"/>
+                      </a:solidFill>
+                      <a:prstDash val="solid"/>
+                      <a:round/>
+                      <a:headEnd type="none" w="med" len="med"/>
+                      <a:tailEnd type="none" w="med" len="med"/>
+                    </a:lnL>
+                    <a:lnR>
+                      <a:noFill/>
+                    </a:lnR>
+                    <a:lnT w="6350" cap="flat" cmpd="sng" algn="ctr">
+                      <a:solidFill>
+                        <a:srgbClr val="44B3E1"/>
+                      </a:solidFill>
+                      <a:prstDash val="solid"/>
+                      <a:round/>
+                      <a:headEnd type="none" w="med" len="med"/>
+                      <a:tailEnd type="none" w="med" len="med"/>
+                    </a:lnT>
+                    <a:lnB w="6350" cap="flat" cmpd="sng" algn="ctr">
+                      <a:solidFill>
+                        <a:srgbClr val="44B3E1"/>
+                      </a:solidFill>
+                      <a:prstDash val="solid"/>
+                      <a:round/>
+                      <a:headEnd type="none" w="med" len="med"/>
+                      <a:tailEnd type="none" w="med" len="med"/>
+                    </a:lnB>
+                    <a:solidFill>
+                      <a:srgbClr val="C0E6F5"/>
+                    </a:solidFill>
+                  </a:tcPr>
+                </a:tc>
+                <a:tc>
+                  <a:txBody>
+                    <a:bodyPr/>
+                    <a:lstStyle/>
+                    <a:p>
+                      <a:pPr algn="ctr" fontAlgn="b">
+                        <a:buNone/>
+                      </a:pPr>
+                      <a:r>
+                        <a:rPr lang="fr-FR" sz="1100" b="0" i="0" u="none" strike="noStrike" dirty="0">
+                          <a:solidFill>
+                            <a:srgbClr val="000000"/>
+                          </a:solidFill>
+                          <a:effectLst/>
+                          <a:latin typeface="Aptos Narrow" panose="020B0004020202020204" pitchFamily="34" charset="0"/>
+                        </a:rPr>
+                        <a:t>0,71</a:t>
+                      </a:r>
+                    </a:p>
+                  </a:txBody>
+                  <a:tcPr marL="6350" marR="6350" marT="6350" marB="0" anchor="b">
+                    <a:lnL>
+                      <a:noFill/>
+                    </a:lnL>
+                    <a:lnR>
+                      <a:noFill/>
+                    </a:lnR>
+                    <a:lnT w="6350" cap="flat" cmpd="sng" algn="ctr">
+                      <a:solidFill>
+                        <a:srgbClr val="44B3E1"/>
+                      </a:solidFill>
+                      <a:prstDash val="solid"/>
+                      <a:round/>
+                      <a:headEnd type="none" w="med" len="med"/>
+                      <a:tailEnd type="none" w="med" len="med"/>
+                    </a:lnT>
+                    <a:lnB w="6350" cap="flat" cmpd="sng" algn="ctr">
+                      <a:solidFill>
+                        <a:srgbClr val="44B3E1"/>
+                      </a:solidFill>
+                      <a:prstDash val="solid"/>
+                      <a:round/>
+                      <a:headEnd type="none" w="med" len="med"/>
+                      <a:tailEnd type="none" w="med" len="med"/>
+                    </a:lnB>
+                    <a:solidFill>
+                      <a:srgbClr val="C0E6F5"/>
+                    </a:solidFill>
+                  </a:tcPr>
+                </a:tc>
+                <a:tc>
+                  <a:txBody>
+                    <a:bodyPr/>
+                    <a:lstStyle/>
+                    <a:p>
+                      <a:pPr algn="ctr" fontAlgn="b">
+                        <a:buNone/>
+                      </a:pPr>
+                      <a:r>
+                        <a:rPr lang="fr-FR" sz="1100" b="0" i="0" u="none" strike="noStrike">
+                          <a:solidFill>
+                            <a:srgbClr val="000000"/>
+                          </a:solidFill>
+                          <a:effectLst/>
+                          <a:latin typeface="Aptos Narrow" panose="020B0004020202020204" pitchFamily="34" charset="0"/>
+                        </a:rPr>
+                        <a:t>0,91</a:t>
+                      </a:r>
+                    </a:p>
+                  </a:txBody>
+                  <a:tcPr marL="6350" marR="6350" marT="6350" marB="0" anchor="b">
+                    <a:lnL>
+                      <a:noFill/>
+                    </a:lnL>
+                    <a:lnR w="6350" cap="flat" cmpd="sng" algn="ctr">
+                      <a:solidFill>
+                        <a:srgbClr val="44B3E1"/>
+                      </a:solidFill>
+                      <a:prstDash val="solid"/>
+                      <a:round/>
+                      <a:headEnd type="none" w="med" len="med"/>
+                      <a:tailEnd type="none" w="med" len="med"/>
+                    </a:lnR>
+                    <a:lnT w="6350" cap="flat" cmpd="sng" algn="ctr">
+                      <a:solidFill>
+                        <a:srgbClr val="44B3E1"/>
+                      </a:solidFill>
+                      <a:prstDash val="solid"/>
+                      <a:round/>
+                      <a:headEnd type="none" w="med" len="med"/>
+                      <a:tailEnd type="none" w="med" len="med"/>
+                    </a:lnT>
+                    <a:lnB w="6350" cap="flat" cmpd="sng" algn="ctr">
+                      <a:solidFill>
+                        <a:srgbClr val="44B3E1"/>
+                      </a:solidFill>
+                      <a:prstDash val="solid"/>
+                      <a:round/>
+                      <a:headEnd type="none" w="med" len="med"/>
+                      <a:tailEnd type="none" w="med" len="med"/>
+                    </a:lnB>
+                    <a:solidFill>
+                      <a:srgbClr val="C0E6F5"/>
+                    </a:solidFill>
+                  </a:tcPr>
+                </a:tc>
+                <a:extLst>
+                  <a:ext uri="{0D108BD9-81ED-4DB2-BD59-A6C34878D82A}">
+                    <a16:rowId xmlns:a16="http://schemas.microsoft.com/office/drawing/2014/main" val="2294782452"/>
+                  </a:ext>
+                </a:extLst>
+              </a:tr>
+              <a:tr h="198498">
+                <a:tc>
+                  <a:txBody>
+                    <a:bodyPr/>
+                    <a:lstStyle/>
+                    <a:p>
+                      <a:pPr algn="ctr" fontAlgn="b">
+                        <a:buNone/>
+                      </a:pPr>
+                      <a:r>
+                        <a:rPr lang="fr-FR" sz="1100" b="0" i="0" u="none" strike="noStrike" dirty="0">
+                          <a:solidFill>
+                            <a:srgbClr val="000000"/>
+                          </a:solidFill>
+                          <a:effectLst/>
+                          <a:latin typeface="Aptos Narrow" panose="020B0004020202020204" pitchFamily="34" charset="0"/>
+                        </a:rPr>
+                        <a:t>Quelle équipe possède le plus grand nombre total de points marqués sur la saison ?</a:t>
+                      </a:r>
+                    </a:p>
+                  </a:txBody>
+                  <a:tcPr marL="6350" marR="6350" marT="6350" marB="0" anchor="b">
+                    <a:lnL w="6350" cap="flat" cmpd="sng" algn="ctr">
+                      <a:solidFill>
+                        <a:srgbClr val="44B3E1"/>
+                      </a:solidFill>
+                      <a:prstDash val="solid"/>
+                      <a:round/>
+                      <a:headEnd type="none" w="med" len="med"/>
+                      <a:tailEnd type="none" w="med" len="med"/>
+                    </a:lnL>
+                    <a:lnR>
+                      <a:noFill/>
+                    </a:lnR>
+                    <a:lnT w="6350" cap="flat" cmpd="sng" algn="ctr">
+                      <a:solidFill>
+                        <a:srgbClr val="44B3E1"/>
+                      </a:solidFill>
+                      <a:prstDash val="solid"/>
+                      <a:round/>
+                      <a:headEnd type="none" w="med" len="med"/>
+                      <a:tailEnd type="none" w="med" len="med"/>
+                    </a:lnT>
+                    <a:lnB w="6350" cap="flat" cmpd="sng" algn="ctr">
+                      <a:solidFill>
+                        <a:srgbClr val="44B3E1"/>
+                      </a:solidFill>
+                      <a:prstDash val="solid"/>
+                      <a:round/>
+                      <a:headEnd type="none" w="med" len="med"/>
+                      <a:tailEnd type="none" w="med" len="med"/>
+                    </a:lnB>
+                    <a:noFill/>
+                  </a:tcPr>
+                </a:tc>
+                <a:tc>
+                  <a:txBody>
+                    <a:bodyPr/>
+                    <a:lstStyle/>
+                    <a:p>
+                      <a:pPr algn="ctr" fontAlgn="b">
+                        <a:buNone/>
+                      </a:pPr>
+                      <a:r>
+                        <a:rPr lang="fr-FR" sz="1100" b="0" i="0" u="none" strike="noStrike" dirty="0">
+                          <a:solidFill>
+                            <a:srgbClr val="000000"/>
+                          </a:solidFill>
+                          <a:effectLst/>
+                          <a:latin typeface="Aptos Narrow" panose="020B0004020202020204" pitchFamily="34" charset="0"/>
+                        </a:rPr>
+                        <a:t>1,00</a:t>
+                      </a:r>
+                    </a:p>
+                  </a:txBody>
+                  <a:tcPr marL="6350" marR="6350" marT="6350" marB="0" anchor="b">
+                    <a:lnL>
+                      <a:noFill/>
+                    </a:lnL>
+                    <a:lnR>
+                      <a:noFill/>
+                    </a:lnR>
+                    <a:lnT w="6350" cap="flat" cmpd="sng" algn="ctr">
+                      <a:solidFill>
+                        <a:srgbClr val="44B3E1"/>
+                      </a:solidFill>
+                      <a:prstDash val="solid"/>
+                      <a:round/>
+                      <a:headEnd type="none" w="med" len="med"/>
+                      <a:tailEnd type="none" w="med" len="med"/>
+                    </a:lnT>
+                    <a:lnB w="6350" cap="flat" cmpd="sng" algn="ctr">
+                      <a:solidFill>
+                        <a:srgbClr val="44B3E1"/>
+                      </a:solidFill>
+                      <a:prstDash val="solid"/>
+                      <a:round/>
+                      <a:headEnd type="none" w="med" len="med"/>
+                      <a:tailEnd type="none" w="med" len="med"/>
+                    </a:lnB>
+                    <a:noFill/>
+                  </a:tcPr>
+                </a:tc>
+                <a:tc>
+                  <a:txBody>
+                    <a:bodyPr/>
+                    <a:lstStyle/>
+                    <a:p>
+                      <a:pPr algn="ctr" fontAlgn="b">
+                        <a:buNone/>
+                      </a:pPr>
+                      <a:r>
+                        <a:rPr lang="fr-FR" sz="1100" b="0" i="0" u="none" strike="noStrike" dirty="0">
+                          <a:solidFill>
+                            <a:srgbClr val="000000"/>
+                          </a:solidFill>
+                          <a:effectLst/>
+                          <a:latin typeface="Aptos Narrow" panose="020B0004020202020204" pitchFamily="34" charset="0"/>
+                        </a:rPr>
+                        <a:t>0,00</a:t>
+                      </a:r>
+                    </a:p>
+                  </a:txBody>
+                  <a:tcPr marL="6350" marR="6350" marT="6350" marB="0" anchor="b">
+                    <a:lnL>
+                      <a:noFill/>
+                    </a:lnL>
+                    <a:lnR w="6350" cap="flat" cmpd="sng" algn="ctr">
+                      <a:solidFill>
+                        <a:srgbClr val="44B3E1"/>
+                      </a:solidFill>
+                      <a:prstDash val="solid"/>
+                      <a:round/>
+                      <a:headEnd type="none" w="med" len="med"/>
+                      <a:tailEnd type="none" w="med" len="med"/>
+                    </a:lnR>
+                    <a:lnT w="6350" cap="flat" cmpd="sng" algn="ctr">
+                      <a:solidFill>
+                        <a:srgbClr val="44B3E1"/>
+                      </a:solidFill>
+                      <a:prstDash val="solid"/>
+                      <a:round/>
+                      <a:headEnd type="none" w="med" len="med"/>
+                      <a:tailEnd type="none" w="med" len="med"/>
+                    </a:lnT>
+                    <a:lnB w="6350" cap="flat" cmpd="sng" algn="ctr">
+                      <a:solidFill>
+                        <a:srgbClr val="44B3E1"/>
+                      </a:solidFill>
+                      <a:prstDash val="solid"/>
+                      <a:round/>
+                      <a:headEnd type="none" w="med" len="med"/>
+                      <a:tailEnd type="none" w="med" len="med"/>
+                    </a:lnB>
+                    <a:noFill/>
+                  </a:tcPr>
+                </a:tc>
+                <a:extLst>
+                  <a:ext uri="{0D108BD9-81ED-4DB2-BD59-A6C34878D82A}">
+                    <a16:rowId xmlns:a16="http://schemas.microsoft.com/office/drawing/2014/main" val="4006304885"/>
+                  </a:ext>
+                </a:extLst>
+              </a:tr>
+              <a:tr h="198498">
+                <a:tc>
+                  <a:txBody>
+                    <a:bodyPr/>
+                    <a:lstStyle/>
+                    <a:p>
+                      <a:pPr algn="ctr" fontAlgn="b">
+                        <a:buNone/>
+                      </a:pPr>
+                      <a:r>
+                        <a:rPr lang="fr-FR" sz="1100" b="0" i="0" u="none" strike="noStrike" dirty="0">
+                          <a:solidFill>
+                            <a:srgbClr val="000000"/>
+                          </a:solidFill>
+                          <a:effectLst/>
+                          <a:latin typeface="Aptos Narrow" panose="020B0004020202020204" pitchFamily="34" charset="0"/>
+                        </a:rPr>
+                        <a:t>Quel est le pourcentage de réussite aux tirs et l'impacts de Nikola </a:t>
+                      </a:r>
+                      <a:r>
+                        <a:rPr lang="fr-FR" sz="1100" b="0" i="0" u="none" strike="noStrike" dirty="0" err="1">
+                          <a:solidFill>
+                            <a:srgbClr val="000000"/>
+                          </a:solidFill>
+                          <a:effectLst/>
+                          <a:latin typeface="Aptos Narrow" panose="020B0004020202020204" pitchFamily="34" charset="0"/>
+                        </a:rPr>
+                        <a:t>Jokic</a:t>
+                      </a:r>
+                      <a:r>
+                        <a:rPr lang="fr-FR" sz="1100" b="0" i="0" u="none" strike="noStrike" dirty="0">
+                          <a:solidFill>
+                            <a:srgbClr val="000000"/>
+                          </a:solidFill>
+                          <a:effectLst/>
+                          <a:latin typeface="Aptos Narrow" panose="020B0004020202020204" pitchFamily="34" charset="0"/>
+                        </a:rPr>
+                        <a:t> ?</a:t>
+                      </a:r>
+                    </a:p>
+                  </a:txBody>
+                  <a:tcPr marL="6350" marR="6350" marT="6350" marB="0" anchor="b">
+                    <a:lnL w="6350" cap="flat" cmpd="sng" algn="ctr">
+                      <a:solidFill>
+                        <a:srgbClr val="44B3E1"/>
+                      </a:solidFill>
+                      <a:prstDash val="solid"/>
+                      <a:round/>
+                      <a:headEnd type="none" w="med" len="med"/>
+                      <a:tailEnd type="none" w="med" len="med"/>
+                    </a:lnL>
+                    <a:lnR>
+                      <a:noFill/>
+                    </a:lnR>
+                    <a:lnT w="6350" cap="flat" cmpd="sng" algn="ctr">
+                      <a:solidFill>
+                        <a:srgbClr val="44B3E1"/>
+                      </a:solidFill>
+                      <a:prstDash val="solid"/>
+                      <a:round/>
+                      <a:headEnd type="none" w="med" len="med"/>
+                      <a:tailEnd type="none" w="med" len="med"/>
+                    </a:lnT>
+                    <a:lnB w="6350" cap="flat" cmpd="sng" algn="ctr">
+                      <a:solidFill>
+                        <a:srgbClr val="44B3E1"/>
+                      </a:solidFill>
+                      <a:prstDash val="solid"/>
+                      <a:round/>
+                      <a:headEnd type="none" w="med" len="med"/>
+                      <a:tailEnd type="none" w="med" len="med"/>
+                    </a:lnB>
+                    <a:solidFill>
+                      <a:srgbClr val="C0E6F5"/>
+                    </a:solidFill>
+                  </a:tcPr>
+                </a:tc>
+                <a:tc>
+                  <a:txBody>
+                    <a:bodyPr/>
+                    <a:lstStyle/>
+                    <a:p>
+                      <a:pPr algn="ctr" fontAlgn="b">
+                        <a:buNone/>
+                      </a:pPr>
+                      <a:r>
+                        <a:rPr lang="fr-FR" sz="1100" b="0" i="0" u="none" strike="noStrike">
+                          <a:solidFill>
+                            <a:srgbClr val="000000"/>
+                          </a:solidFill>
+                          <a:effectLst/>
+                          <a:latin typeface="Aptos Narrow" panose="020B0004020202020204" pitchFamily="34" charset="0"/>
+                        </a:rPr>
+                        <a:t>0,29</a:t>
+                      </a:r>
+                    </a:p>
+                  </a:txBody>
+                  <a:tcPr marL="6350" marR="6350" marT="6350" marB="0" anchor="b">
+                    <a:lnL>
+                      <a:noFill/>
+                    </a:lnL>
+                    <a:lnR>
+                      <a:noFill/>
+                    </a:lnR>
+                    <a:lnT w="6350" cap="flat" cmpd="sng" algn="ctr">
+                      <a:solidFill>
+                        <a:srgbClr val="44B3E1"/>
+                      </a:solidFill>
+                      <a:prstDash val="solid"/>
+                      <a:round/>
+                      <a:headEnd type="none" w="med" len="med"/>
+                      <a:tailEnd type="none" w="med" len="med"/>
+                    </a:lnT>
+                    <a:lnB w="6350" cap="flat" cmpd="sng" algn="ctr">
+                      <a:solidFill>
+                        <a:srgbClr val="44B3E1"/>
+                      </a:solidFill>
+                      <a:prstDash val="solid"/>
+                      <a:round/>
+                      <a:headEnd type="none" w="med" len="med"/>
+                      <a:tailEnd type="none" w="med" len="med"/>
+                    </a:lnB>
+                    <a:solidFill>
+                      <a:srgbClr val="C0E6F5"/>
+                    </a:solidFill>
+                  </a:tcPr>
+                </a:tc>
+                <a:tc>
+                  <a:txBody>
+                    <a:bodyPr/>
+                    <a:lstStyle/>
+                    <a:p>
+                      <a:pPr algn="ctr" fontAlgn="b">
+                        <a:buNone/>
+                      </a:pPr>
+                      <a:r>
+                        <a:rPr lang="fr-FR" sz="1100" b="0" i="0" u="none" strike="noStrike" dirty="0">
+                          <a:solidFill>
+                            <a:srgbClr val="000000"/>
+                          </a:solidFill>
+                          <a:effectLst/>
+                          <a:latin typeface="Aptos Narrow" panose="020B0004020202020204" pitchFamily="34" charset="0"/>
+                        </a:rPr>
+                        <a:t>0,90</a:t>
+                      </a:r>
+                    </a:p>
+                  </a:txBody>
+                  <a:tcPr marL="6350" marR="6350" marT="6350" marB="0" anchor="b">
+                    <a:lnL>
+                      <a:noFill/>
+                    </a:lnL>
+                    <a:lnR w="6350" cap="flat" cmpd="sng" algn="ctr">
+                      <a:solidFill>
+                        <a:srgbClr val="44B3E1"/>
+                      </a:solidFill>
+                      <a:prstDash val="solid"/>
+                      <a:round/>
+                      <a:headEnd type="none" w="med" len="med"/>
+                      <a:tailEnd type="none" w="med" len="med"/>
+                    </a:lnR>
+                    <a:lnT w="6350" cap="flat" cmpd="sng" algn="ctr">
+                      <a:solidFill>
+                        <a:srgbClr val="44B3E1"/>
+                      </a:solidFill>
+                      <a:prstDash val="solid"/>
+                      <a:round/>
+                      <a:headEnd type="none" w="med" len="med"/>
+                      <a:tailEnd type="none" w="med" len="med"/>
+                    </a:lnT>
+                    <a:lnB w="6350" cap="flat" cmpd="sng" algn="ctr">
+                      <a:solidFill>
+                        <a:srgbClr val="44B3E1"/>
+                      </a:solidFill>
+                      <a:prstDash val="solid"/>
+                      <a:round/>
+                      <a:headEnd type="none" w="med" len="med"/>
+                      <a:tailEnd type="none" w="med" len="med"/>
+                    </a:lnB>
+                    <a:solidFill>
+                      <a:srgbClr val="C0E6F5"/>
+                    </a:solidFill>
+                  </a:tcPr>
+                </a:tc>
+                <a:extLst>
+                  <a:ext uri="{0D108BD9-81ED-4DB2-BD59-A6C34878D82A}">
+                    <a16:rowId xmlns:a16="http://schemas.microsoft.com/office/drawing/2014/main" val="4161645932"/>
+                  </a:ext>
+                </a:extLst>
+              </a:tr>
+              <a:tr h="198498">
+                <a:tc>
+                  <a:txBody>
+                    <a:bodyPr/>
+                    <a:lstStyle/>
+                    <a:p>
+                      <a:pPr algn="ctr" fontAlgn="b">
+                        <a:buNone/>
+                      </a:pPr>
+                      <a:r>
+                        <a:rPr lang="fr-FR" sz="1100" b="0" i="0" u="none" strike="noStrike" dirty="0">
+                          <a:solidFill>
+                            <a:srgbClr val="000000"/>
+                          </a:solidFill>
+                          <a:effectLst/>
+                          <a:latin typeface="Aptos Narrow" panose="020B0004020202020204" pitchFamily="34" charset="0"/>
+                        </a:rPr>
+                        <a:t>Quelle est la température moyenne à  Paris en plein mois de juillet ?</a:t>
+                      </a:r>
+                    </a:p>
+                  </a:txBody>
+                  <a:tcPr marL="6350" marR="6350" marT="6350" marB="0" anchor="b">
+                    <a:lnL w="6350" cap="flat" cmpd="sng" algn="ctr">
+                      <a:solidFill>
+                        <a:srgbClr val="44B3E1"/>
+                      </a:solidFill>
+                      <a:prstDash val="solid"/>
+                      <a:round/>
+                      <a:headEnd type="none" w="med" len="med"/>
+                      <a:tailEnd type="none" w="med" len="med"/>
+                    </a:lnL>
+                    <a:lnR>
+                      <a:noFill/>
+                    </a:lnR>
+                    <a:lnT w="6350" cap="flat" cmpd="sng" algn="ctr">
+                      <a:solidFill>
+                        <a:srgbClr val="44B3E1"/>
+                      </a:solidFill>
+                      <a:prstDash val="solid"/>
+                      <a:round/>
+                      <a:headEnd type="none" w="med" len="med"/>
+                      <a:tailEnd type="none" w="med" len="med"/>
+                    </a:lnT>
+                    <a:lnB w="6350" cap="flat" cmpd="sng" algn="ctr">
+                      <a:solidFill>
+                        <a:srgbClr val="44B3E1"/>
+                      </a:solidFill>
+                      <a:prstDash val="solid"/>
+                      <a:round/>
+                      <a:headEnd type="none" w="med" len="med"/>
+                      <a:tailEnd type="none" w="med" len="med"/>
+                    </a:lnB>
+                    <a:noFill/>
+                  </a:tcPr>
+                </a:tc>
+                <a:tc>
+                  <a:txBody>
+                    <a:bodyPr/>
+                    <a:lstStyle/>
+                    <a:p>
+                      <a:pPr algn="ctr" fontAlgn="b">
+                        <a:buNone/>
+                      </a:pPr>
+                      <a:r>
+                        <a:rPr lang="fr-FR" sz="1100" b="0" i="0" u="none" strike="noStrike">
+                          <a:solidFill>
+                            <a:srgbClr val="000000"/>
+                          </a:solidFill>
+                          <a:effectLst/>
+                          <a:latin typeface="Aptos Narrow" panose="020B0004020202020204" pitchFamily="34" charset="0"/>
+                        </a:rPr>
+                        <a:t>0,25</a:t>
+                      </a:r>
+                    </a:p>
+                  </a:txBody>
+                  <a:tcPr marL="6350" marR="6350" marT="6350" marB="0" anchor="b">
+                    <a:lnL>
+                      <a:noFill/>
+                    </a:lnL>
+                    <a:lnR>
+                      <a:noFill/>
+                    </a:lnR>
+                    <a:lnT w="6350" cap="flat" cmpd="sng" algn="ctr">
+                      <a:solidFill>
+                        <a:srgbClr val="44B3E1"/>
+                      </a:solidFill>
+                      <a:prstDash val="solid"/>
+                      <a:round/>
+                      <a:headEnd type="none" w="med" len="med"/>
+                      <a:tailEnd type="none" w="med" len="med"/>
+                    </a:lnT>
+                    <a:lnB w="6350" cap="flat" cmpd="sng" algn="ctr">
+                      <a:solidFill>
+                        <a:srgbClr val="44B3E1"/>
+                      </a:solidFill>
+                      <a:prstDash val="solid"/>
+                      <a:round/>
+                      <a:headEnd type="none" w="med" len="med"/>
+                      <a:tailEnd type="none" w="med" len="med"/>
+                    </a:lnB>
+                    <a:noFill/>
+                  </a:tcPr>
+                </a:tc>
+                <a:tc>
+                  <a:txBody>
+                    <a:bodyPr/>
+                    <a:lstStyle/>
+                    <a:p>
+                      <a:pPr algn="ctr" fontAlgn="b">
+                        <a:buNone/>
+                      </a:pPr>
+                      <a:r>
+                        <a:rPr lang="fr-FR" sz="1100" b="0" i="0" u="none" strike="noStrike" dirty="0">
+                          <a:solidFill>
+                            <a:srgbClr val="000000"/>
+                          </a:solidFill>
+                          <a:effectLst/>
+                          <a:latin typeface="Aptos Narrow" panose="020B0004020202020204" pitchFamily="34" charset="0"/>
+                        </a:rPr>
+                        <a:t>0,96</a:t>
+                      </a:r>
+                    </a:p>
+                  </a:txBody>
+                  <a:tcPr marL="6350" marR="6350" marT="6350" marB="0" anchor="b">
+                    <a:lnL>
+                      <a:noFill/>
+                    </a:lnL>
+                    <a:lnR w="6350" cap="flat" cmpd="sng" algn="ctr">
+                      <a:solidFill>
+                        <a:srgbClr val="44B3E1"/>
+                      </a:solidFill>
+                      <a:prstDash val="solid"/>
+                      <a:round/>
+                      <a:headEnd type="none" w="med" len="med"/>
+                      <a:tailEnd type="none" w="med" len="med"/>
+                    </a:lnR>
+                    <a:lnT w="6350" cap="flat" cmpd="sng" algn="ctr">
+                      <a:solidFill>
+                        <a:srgbClr val="44B3E1"/>
+                      </a:solidFill>
+                      <a:prstDash val="solid"/>
+                      <a:round/>
+                      <a:headEnd type="none" w="med" len="med"/>
+                      <a:tailEnd type="none" w="med" len="med"/>
+                    </a:lnT>
+                    <a:lnB w="6350" cap="flat" cmpd="sng" algn="ctr">
+                      <a:solidFill>
+                        <a:srgbClr val="44B3E1"/>
+                      </a:solidFill>
+                      <a:prstDash val="solid"/>
+                      <a:round/>
+                      <a:headEnd type="none" w="med" len="med"/>
+                      <a:tailEnd type="none" w="med" len="med"/>
+                    </a:lnB>
+                    <a:noFill/>
+                  </a:tcPr>
+                </a:tc>
+                <a:extLst>
+                  <a:ext uri="{0D108BD9-81ED-4DB2-BD59-A6C34878D82A}">
+                    <a16:rowId xmlns:a16="http://schemas.microsoft.com/office/drawing/2014/main" val="2074276447"/>
+                  </a:ext>
+                </a:extLst>
+              </a:tr>
+              <a:tr h="198498">
+                <a:tc>
+                  <a:txBody>
+                    <a:bodyPr/>
+                    <a:lstStyle/>
+                    <a:p>
+                      <a:pPr algn="ctr" fontAlgn="b">
+                        <a:buNone/>
+                      </a:pPr>
+                      <a:r>
+                        <a:rPr lang="fr-FR" sz="1100" b="0" i="0" u="none" strike="noStrike" dirty="0">
+                          <a:solidFill>
+                            <a:srgbClr val="000000"/>
+                          </a:solidFill>
+                          <a:effectLst/>
+                          <a:latin typeface="Aptos Narrow" panose="020B0004020202020204" pitchFamily="34" charset="0"/>
+                        </a:rPr>
+                        <a:t>MOYENNE GENERALE</a:t>
+                      </a:r>
+                    </a:p>
+                  </a:txBody>
+                  <a:tcPr marL="6350" marR="6350" marT="6350" marB="0" anchor="b">
+                    <a:lnL w="6350" cap="flat" cmpd="sng" algn="ctr">
+                      <a:solidFill>
+                        <a:srgbClr val="44B3E1"/>
+                      </a:solidFill>
+                      <a:prstDash val="solid"/>
+                      <a:round/>
+                      <a:headEnd type="none" w="med" len="med"/>
+                      <a:tailEnd type="none" w="med" len="med"/>
+                    </a:lnL>
+                    <a:lnR>
+                      <a:noFill/>
+                    </a:lnR>
+                    <a:lnT w="6350" cap="flat" cmpd="sng" algn="ctr">
+                      <a:solidFill>
+                        <a:srgbClr val="44B3E1"/>
+                      </a:solidFill>
+                      <a:prstDash val="solid"/>
+                      <a:round/>
+                      <a:headEnd type="none" w="med" len="med"/>
+                      <a:tailEnd type="none" w="med" len="med"/>
+                    </a:lnT>
+                    <a:lnB w="6350" cap="flat" cmpd="sng" algn="ctr">
+                      <a:solidFill>
+                        <a:srgbClr val="44B3E1"/>
+                      </a:solidFill>
+                      <a:prstDash val="solid"/>
+                      <a:round/>
+                      <a:headEnd type="none" w="med" len="med"/>
+                      <a:tailEnd type="none" w="med" len="med"/>
+                    </a:lnB>
+                    <a:solidFill>
+                      <a:srgbClr val="C0E6F5"/>
+                    </a:solidFill>
+                  </a:tcPr>
+                </a:tc>
+                <a:tc>
+                  <a:txBody>
+                    <a:bodyPr/>
+                    <a:lstStyle/>
+                    <a:p>
+                      <a:pPr algn="ctr" fontAlgn="b">
+                        <a:buNone/>
+                      </a:pPr>
+                      <a:r>
+                        <a:rPr lang="fr-FR" sz="1100" b="0" i="0" u="none" strike="noStrike" dirty="0">
+                          <a:solidFill>
+                            <a:srgbClr val="000000"/>
+                          </a:solidFill>
+                          <a:effectLst/>
+                          <a:latin typeface="Aptos Narrow" panose="020B0004020202020204" pitchFamily="34" charset="0"/>
+                        </a:rPr>
+                        <a:t>0,56</a:t>
+                      </a:r>
+                    </a:p>
+                  </a:txBody>
+                  <a:tcPr marL="6350" marR="6350" marT="6350" marB="0" anchor="b">
+                    <a:lnL>
+                      <a:noFill/>
+                    </a:lnL>
+                    <a:lnR>
+                      <a:noFill/>
+                    </a:lnR>
+                    <a:lnT w="6350" cap="flat" cmpd="sng" algn="ctr">
+                      <a:solidFill>
+                        <a:srgbClr val="44B3E1"/>
+                      </a:solidFill>
+                      <a:prstDash val="solid"/>
+                      <a:round/>
+                      <a:headEnd type="none" w="med" len="med"/>
+                      <a:tailEnd type="none" w="med" len="med"/>
+                    </a:lnT>
+                    <a:lnB w="6350" cap="flat" cmpd="sng" algn="ctr">
+                      <a:solidFill>
+                        <a:srgbClr val="44B3E1"/>
+                      </a:solidFill>
+                      <a:prstDash val="solid"/>
+                      <a:round/>
+                      <a:headEnd type="none" w="med" len="med"/>
+                      <a:tailEnd type="none" w="med" len="med"/>
+                    </a:lnB>
+                    <a:solidFill>
+                      <a:srgbClr val="C0E6F5"/>
+                    </a:solidFill>
+                  </a:tcPr>
+                </a:tc>
+                <a:tc>
+                  <a:txBody>
+                    <a:bodyPr/>
+                    <a:lstStyle/>
+                    <a:p>
+                      <a:pPr algn="ctr" fontAlgn="b">
+                        <a:buNone/>
+                      </a:pPr>
+                      <a:r>
+                        <a:rPr lang="fr-FR" sz="1100" b="0" i="0" u="none" strike="noStrike" dirty="0">
+                          <a:solidFill>
+                            <a:srgbClr val="000000"/>
+                          </a:solidFill>
+                          <a:effectLst/>
+                          <a:latin typeface="Aptos Narrow" panose="020B0004020202020204" pitchFamily="34" charset="0"/>
+                        </a:rPr>
+                        <a:t>0,69</a:t>
+                      </a:r>
+                    </a:p>
+                  </a:txBody>
+                  <a:tcPr marL="6350" marR="6350" marT="6350" marB="0" anchor="b">
+                    <a:lnL>
+                      <a:noFill/>
+                    </a:lnL>
+                    <a:lnR w="6350" cap="flat" cmpd="sng" algn="ctr">
+                      <a:solidFill>
+                        <a:srgbClr val="44B3E1"/>
+                      </a:solidFill>
+                      <a:prstDash val="solid"/>
+                      <a:round/>
+                      <a:headEnd type="none" w="med" len="med"/>
+                      <a:tailEnd type="none" w="med" len="med"/>
+                    </a:lnR>
+                    <a:lnT w="6350" cap="flat" cmpd="sng" algn="ctr">
+                      <a:solidFill>
+                        <a:srgbClr val="44B3E1"/>
+                      </a:solidFill>
+                      <a:prstDash val="solid"/>
+                      <a:round/>
+                      <a:headEnd type="none" w="med" len="med"/>
+                      <a:tailEnd type="none" w="med" len="med"/>
+                    </a:lnT>
+                    <a:lnB w="6350" cap="flat" cmpd="sng" algn="ctr">
+                      <a:solidFill>
+                        <a:srgbClr val="44B3E1"/>
+                      </a:solidFill>
+                      <a:prstDash val="solid"/>
+                      <a:round/>
+                      <a:headEnd type="none" w="med" len="med"/>
+                      <a:tailEnd type="none" w="med" len="med"/>
+                    </a:lnB>
+                    <a:solidFill>
+                      <a:srgbClr val="C0E6F5"/>
+                    </a:solidFill>
+                  </a:tcPr>
+                </a:tc>
+                <a:extLst>
+                  <a:ext uri="{0D108BD9-81ED-4DB2-BD59-A6C34878D82A}">
+                    <a16:rowId xmlns:a16="http://schemas.microsoft.com/office/drawing/2014/main" val="850717040"/>
+                  </a:ext>
+                </a:extLst>
+              </a:tr>
+            </a:tbl>
+          </a:graphicData>
+        </a:graphic>
+      </p:graphicFrame>
+      <p:pic>
+        <p:nvPicPr>
+          <p:cNvPr id="9" name="Image 8">
+            <a:extLst>
+              <a:ext uri="{FF2B5EF4-FFF2-40B4-BE49-F238E27FC236}">
+                <a16:creationId xmlns:a16="http://schemas.microsoft.com/office/drawing/2014/main" id="{B995ED12-A828-62C6-51FB-36C8E2139AA4}"/>
+              </a:ext>
+            </a:extLst>
+          </p:cNvPr>
+          <p:cNvPicPr>
+            <a:picLocks noChangeAspect="1"/>
+          </p:cNvPicPr>
+          <p:nvPr/>
+        </p:nvPicPr>
+        <p:blipFill>
+          <a:blip r:embed="rId3"/>
+          <a:stretch>
+            <a:fillRect/>
+          </a:stretch>
+        </p:blipFill>
+        <p:spPr>
+          <a:xfrm>
+            <a:off x="89590" y="4600155"/>
+            <a:ext cx="7550730" cy="1084840"/>
+          </a:xfrm>
+          <a:prstGeom prst="rect">
+            <a:avLst/>
+          </a:prstGeom>
+        </p:spPr>
+      </p:pic>
+      <p:sp>
+        <p:nvSpPr>
+          <p:cNvPr id="3" name="ZoneTexte 2">
+            <a:extLst>
+              <a:ext uri="{FF2B5EF4-FFF2-40B4-BE49-F238E27FC236}">
+                <a16:creationId xmlns:a16="http://schemas.microsoft.com/office/drawing/2014/main" id="{F7874CC7-1F99-52E3-FA82-8B0C6D4DA2DA}"/>
+              </a:ext>
+            </a:extLst>
+          </p:cNvPr>
+          <p:cNvSpPr txBox="1"/>
+          <p:nvPr/>
+        </p:nvSpPr>
+        <p:spPr>
+          <a:xfrm>
+            <a:off x="8084496" y="3142279"/>
+            <a:ext cx="2926080" cy="276999"/>
+          </a:xfrm>
+          <a:prstGeom prst="rect">
+            <a:avLst/>
+          </a:prstGeom>
+          <a:noFill/>
+        </p:spPr>
+        <p:txBody>
+          <a:bodyPr wrap="square" rtlCol="0">
+            <a:spAutoFit/>
+          </a:bodyPr>
+          <a:lstStyle/>
+          <a:p>
+            <a:r>
+              <a:rPr lang="fr-FR" sz="1200" dirty="0"/>
+              <a:t>Hors domaine, invente</a:t>
+            </a:r>
+          </a:p>
+        </p:txBody>
+      </p:sp>
+      <p:sp>
+        <p:nvSpPr>
+          <p:cNvPr id="4" name="ZoneTexte 3">
+            <a:extLst>
+              <a:ext uri="{FF2B5EF4-FFF2-40B4-BE49-F238E27FC236}">
+                <a16:creationId xmlns:a16="http://schemas.microsoft.com/office/drawing/2014/main" id="{02CAD133-6817-984B-BEF0-B1D9BFC19FA0}"/>
+              </a:ext>
+            </a:extLst>
+          </p:cNvPr>
+          <p:cNvSpPr txBox="1"/>
+          <p:nvPr/>
+        </p:nvSpPr>
+        <p:spPr>
+          <a:xfrm>
+            <a:off x="8084496" y="2935985"/>
+            <a:ext cx="3906920" cy="276999"/>
+          </a:xfrm>
+          <a:prstGeom prst="rect">
+            <a:avLst/>
+          </a:prstGeom>
+          <a:noFill/>
+        </p:spPr>
+        <p:txBody>
+          <a:bodyPr wrap="square" rtlCol="0">
+            <a:spAutoFit/>
+          </a:bodyPr>
+          <a:lstStyle/>
+          <a:p>
+            <a:r>
+              <a:rPr lang="fr-FR" sz="1200" dirty="0"/>
+              <a:t>Répond à la question, mais invente des chiffres</a:t>
+            </a:r>
+          </a:p>
+        </p:txBody>
+      </p:sp>
+      <p:sp>
+        <p:nvSpPr>
+          <p:cNvPr id="6" name="ZoneTexte 5">
+            <a:extLst>
+              <a:ext uri="{FF2B5EF4-FFF2-40B4-BE49-F238E27FC236}">
+                <a16:creationId xmlns:a16="http://schemas.microsoft.com/office/drawing/2014/main" id="{37206AD4-CABA-29DF-3456-FA99F088DD81}"/>
+              </a:ext>
+            </a:extLst>
+          </p:cNvPr>
+          <p:cNvSpPr txBox="1"/>
+          <p:nvPr/>
+        </p:nvSpPr>
+        <p:spPr>
+          <a:xfrm>
+            <a:off x="8084496" y="2717513"/>
+            <a:ext cx="3906920" cy="276999"/>
+          </a:xfrm>
+          <a:prstGeom prst="rect">
+            <a:avLst/>
+          </a:prstGeom>
+          <a:noFill/>
+        </p:spPr>
+        <p:txBody>
+          <a:bodyPr wrap="square" rtlCol="0">
+            <a:spAutoFit/>
+          </a:bodyPr>
+          <a:lstStyle/>
+          <a:p>
+            <a:r>
+              <a:rPr lang="fr-FR" sz="1200" dirty="0"/>
+              <a:t>Honnête, mais n’a pas compris la question</a:t>
+            </a:r>
+          </a:p>
+        </p:txBody>
+      </p:sp>
+      <p:sp>
+        <p:nvSpPr>
+          <p:cNvPr id="7" name="ZoneTexte 6">
+            <a:extLst>
+              <a:ext uri="{FF2B5EF4-FFF2-40B4-BE49-F238E27FC236}">
+                <a16:creationId xmlns:a16="http://schemas.microsoft.com/office/drawing/2014/main" id="{13FFCEBD-4C23-816D-7B0C-A08E955A3E39}"/>
+              </a:ext>
+            </a:extLst>
+          </p:cNvPr>
+          <p:cNvSpPr txBox="1"/>
+          <p:nvPr/>
+        </p:nvSpPr>
+        <p:spPr>
+          <a:xfrm>
+            <a:off x="8084496" y="5295775"/>
+            <a:ext cx="2382839" cy="276999"/>
+          </a:xfrm>
+          <a:prstGeom prst="rect">
+            <a:avLst/>
+          </a:prstGeom>
+          <a:noFill/>
+        </p:spPr>
+        <p:txBody>
+          <a:bodyPr wrap="square" rtlCol="0">
+            <a:spAutoFit/>
+          </a:bodyPr>
+          <a:lstStyle/>
+          <a:p>
+            <a:pPr algn="ctr"/>
+            <a:r>
+              <a:rPr lang="fr-FR" sz="1200" dirty="0"/>
+              <a:t>Hors domaine, n’invente pas</a:t>
+            </a:r>
+          </a:p>
+        </p:txBody>
+      </p:sp>
+      <p:sp>
+        <p:nvSpPr>
+          <p:cNvPr id="13" name="Flèche : droite 12">
+            <a:extLst>
+              <a:ext uri="{FF2B5EF4-FFF2-40B4-BE49-F238E27FC236}">
+                <a16:creationId xmlns:a16="http://schemas.microsoft.com/office/drawing/2014/main" id="{527ACE93-7B96-FE3D-207F-34DD428130B5}"/>
+              </a:ext>
+            </a:extLst>
+          </p:cNvPr>
+          <p:cNvSpPr/>
+          <p:nvPr/>
+        </p:nvSpPr>
+        <p:spPr>
+          <a:xfrm>
+            <a:off x="7775785" y="2805651"/>
+            <a:ext cx="241665" cy="106464"/>
+          </a:xfrm>
+          <a:prstGeom prst="rightArrow">
+            <a:avLst/>
+          </a:prstGeom>
+        </p:spPr>
+        <p:style>
+          <a:lnRef idx="2">
+            <a:schemeClr val="accent1">
+              <a:shade val="15000"/>
+            </a:schemeClr>
+          </a:lnRef>
+          <a:fillRef idx="1">
+            <a:schemeClr val="accent1"/>
+          </a:fillRef>
+          <a:effectRef idx="0">
+            <a:schemeClr val="accent1"/>
+          </a:effectRef>
+          <a:fontRef idx="minor">
+            <a:schemeClr val="lt1"/>
+          </a:fontRef>
+        </p:style>
+        <p:txBody>
+          <a:bodyPr rtlCol="0" anchor="ctr"/>
+          <a:lstStyle/>
+          <a:p>
+            <a:endParaRPr lang="fr-FR"/>
+          </a:p>
+        </p:txBody>
+      </p:sp>
+      <p:sp>
+        <p:nvSpPr>
+          <p:cNvPr id="14" name="Flèche : droite 13">
+            <a:extLst>
+              <a:ext uri="{FF2B5EF4-FFF2-40B4-BE49-F238E27FC236}">
+                <a16:creationId xmlns:a16="http://schemas.microsoft.com/office/drawing/2014/main" id="{8DD00E22-2BCB-6FF0-2BC6-5770A033B335}"/>
+              </a:ext>
+            </a:extLst>
+          </p:cNvPr>
+          <p:cNvSpPr/>
+          <p:nvPr/>
+        </p:nvSpPr>
+        <p:spPr>
+          <a:xfrm>
+            <a:off x="7788769" y="3208600"/>
+            <a:ext cx="241665" cy="106464"/>
+          </a:xfrm>
+          <a:prstGeom prst="rightArrow">
+            <a:avLst/>
+          </a:prstGeom>
+        </p:spPr>
+        <p:style>
+          <a:lnRef idx="2">
+            <a:schemeClr val="accent1">
+              <a:shade val="15000"/>
+            </a:schemeClr>
+          </a:lnRef>
+          <a:fillRef idx="1">
+            <a:schemeClr val="accent1"/>
+          </a:fillRef>
+          <a:effectRef idx="0">
+            <a:schemeClr val="accent1"/>
+          </a:effectRef>
+          <a:fontRef idx="minor">
+            <a:schemeClr val="lt1"/>
+          </a:fontRef>
+        </p:style>
+        <p:txBody>
+          <a:bodyPr rtlCol="0" anchor="ctr"/>
+          <a:lstStyle/>
+          <a:p>
+            <a:endParaRPr lang="fr-FR"/>
+          </a:p>
+        </p:txBody>
+      </p:sp>
+      <p:sp>
+        <p:nvSpPr>
+          <p:cNvPr id="15" name="Flèche : droite 14">
+            <a:extLst>
+              <a:ext uri="{FF2B5EF4-FFF2-40B4-BE49-F238E27FC236}">
+                <a16:creationId xmlns:a16="http://schemas.microsoft.com/office/drawing/2014/main" id="{E2896851-77E0-F422-0A4C-52398BD216CB}"/>
+              </a:ext>
+            </a:extLst>
+          </p:cNvPr>
+          <p:cNvSpPr/>
+          <p:nvPr/>
+        </p:nvSpPr>
+        <p:spPr>
+          <a:xfrm>
+            <a:off x="7788768" y="3012771"/>
+            <a:ext cx="241665" cy="106464"/>
+          </a:xfrm>
+          <a:prstGeom prst="rightArrow">
+            <a:avLst/>
+          </a:prstGeom>
+        </p:spPr>
+        <p:style>
+          <a:lnRef idx="2">
+            <a:schemeClr val="accent1">
+              <a:shade val="15000"/>
+            </a:schemeClr>
+          </a:lnRef>
+          <a:fillRef idx="1">
+            <a:schemeClr val="accent1"/>
+          </a:fillRef>
+          <a:effectRef idx="0">
+            <a:schemeClr val="accent1"/>
+          </a:effectRef>
+          <a:fontRef idx="minor">
+            <a:schemeClr val="lt1"/>
+          </a:fontRef>
+        </p:style>
+        <p:txBody>
+          <a:bodyPr rtlCol="0" anchor="ctr"/>
+          <a:lstStyle/>
+          <a:p>
+            <a:endParaRPr lang="fr-FR"/>
+          </a:p>
+        </p:txBody>
+      </p:sp>
+      <p:sp>
+        <p:nvSpPr>
+          <p:cNvPr id="16" name="Flèche : droite 15">
+            <a:extLst>
+              <a:ext uri="{FF2B5EF4-FFF2-40B4-BE49-F238E27FC236}">
+                <a16:creationId xmlns:a16="http://schemas.microsoft.com/office/drawing/2014/main" id="{00BA1B21-BDBE-F82E-ED71-FF5663BE650A}"/>
+              </a:ext>
+            </a:extLst>
+          </p:cNvPr>
+          <p:cNvSpPr/>
+          <p:nvPr/>
+        </p:nvSpPr>
+        <p:spPr>
+          <a:xfrm>
+            <a:off x="7842831" y="5381043"/>
+            <a:ext cx="241665" cy="106464"/>
+          </a:xfrm>
+          <a:prstGeom prst="rightArrow">
+            <a:avLst/>
+          </a:prstGeom>
+        </p:spPr>
+        <p:style>
+          <a:lnRef idx="2">
+            <a:schemeClr val="accent1">
+              <a:shade val="15000"/>
+            </a:schemeClr>
+          </a:lnRef>
+          <a:fillRef idx="1">
+            <a:schemeClr val="accent1"/>
+          </a:fillRef>
+          <a:effectRef idx="0">
+            <a:schemeClr val="accent1"/>
+          </a:effectRef>
+          <a:fontRef idx="minor">
+            <a:schemeClr val="lt1"/>
+          </a:fontRef>
+        </p:style>
+        <p:txBody>
+          <a:bodyPr rtlCol="0" anchor="ctr"/>
+          <a:lstStyle/>
+          <a:p>
+            <a:pPr algn="ctr"/>
+            <a:endParaRPr lang="fr-FR"/>
+          </a:p>
+        </p:txBody>
+      </p:sp>
+      <p:sp>
+        <p:nvSpPr>
+          <p:cNvPr id="17" name="ZoneTexte 16">
+            <a:extLst>
+              <a:ext uri="{FF2B5EF4-FFF2-40B4-BE49-F238E27FC236}">
+                <a16:creationId xmlns:a16="http://schemas.microsoft.com/office/drawing/2014/main" id="{369C5E0C-4A91-49AB-DF97-FBFD3BE7F023}"/>
+              </a:ext>
+            </a:extLst>
+          </p:cNvPr>
+          <p:cNvSpPr txBox="1"/>
+          <p:nvPr/>
+        </p:nvSpPr>
+        <p:spPr>
+          <a:xfrm>
+            <a:off x="2201328" y="4230823"/>
+            <a:ext cx="3619333" cy="369332"/>
+          </a:xfrm>
+          <a:prstGeom prst="rect">
+            <a:avLst/>
+          </a:prstGeom>
+          <a:noFill/>
+        </p:spPr>
+        <p:txBody>
+          <a:bodyPr wrap="square" rtlCol="0">
+            <a:spAutoFit/>
+          </a:bodyPr>
+          <a:lstStyle/>
+          <a:p>
+            <a:pPr algn="ctr"/>
+            <a:r>
+              <a:rPr lang="fr-FR" b="1" dirty="0">
+                <a:solidFill>
+                  <a:srgbClr val="66DB25"/>
+                </a:solidFill>
+              </a:rPr>
+              <a:t>Modèle OPTIMISÉ</a:t>
+            </a:r>
+          </a:p>
+        </p:txBody>
+      </p:sp>
+      <p:sp>
+        <p:nvSpPr>
+          <p:cNvPr id="19" name="ZoneTexte 18">
+            <a:extLst>
+              <a:ext uri="{FF2B5EF4-FFF2-40B4-BE49-F238E27FC236}">
+                <a16:creationId xmlns:a16="http://schemas.microsoft.com/office/drawing/2014/main" id="{82D87BE8-DA1C-3B47-BBCD-14D018B38158}"/>
+              </a:ext>
+            </a:extLst>
+          </p:cNvPr>
+          <p:cNvSpPr txBox="1"/>
+          <p:nvPr/>
+        </p:nvSpPr>
+        <p:spPr>
+          <a:xfrm>
+            <a:off x="2201327" y="1701590"/>
+            <a:ext cx="3619333" cy="369332"/>
+          </a:xfrm>
+          <a:prstGeom prst="rect">
+            <a:avLst/>
+          </a:prstGeom>
+          <a:noFill/>
+        </p:spPr>
+        <p:txBody>
+          <a:bodyPr wrap="square" rtlCol="0">
+            <a:spAutoFit/>
+          </a:bodyPr>
+          <a:lstStyle/>
+          <a:p>
+            <a:pPr algn="ctr"/>
+            <a:r>
+              <a:rPr lang="fr-FR" b="1" dirty="0">
+                <a:solidFill>
+                  <a:schemeClr val="tx2"/>
+                </a:solidFill>
+              </a:rPr>
+              <a:t>Modèle NON OPTIMISÉ</a:t>
+            </a:r>
+          </a:p>
+        </p:txBody>
+      </p:sp>
+      <p:sp>
+        <p:nvSpPr>
+          <p:cNvPr id="5" name="Titre 5">
+            <a:extLst>
+              <a:ext uri="{FF2B5EF4-FFF2-40B4-BE49-F238E27FC236}">
+                <a16:creationId xmlns:a16="http://schemas.microsoft.com/office/drawing/2014/main" id="{787EFAA8-2811-B996-2EB7-BBA22931121A}"/>
+              </a:ext>
+            </a:extLst>
+          </p:cNvPr>
+          <p:cNvSpPr txBox="1">
+            <a:spLocks/>
+          </p:cNvSpPr>
+          <p:nvPr/>
+        </p:nvSpPr>
+        <p:spPr>
+          <a:xfrm>
+            <a:off x="1356729" y="349112"/>
+            <a:ext cx="10044023" cy="877729"/>
+          </a:xfrm>
+          <a:prstGeom prst="rect">
+            <a:avLst/>
+          </a:prstGeom>
+        </p:spPr>
+        <p:txBody>
+          <a:bodyPr vert="horz" lIns="91440" tIns="45720" rIns="91440" bIns="45720" rtlCol="0" anchor="ctr">
+            <a:normAutofit/>
+          </a:bodyPr>
+          <a:lstStyle>
+            <a:lvl1pPr algn="l" defTabSz="914400" rtl="0" eaLnBrk="1" latinLnBrk="0" hangingPunct="1">
+              <a:lnSpc>
+                <a:spcPct val="90000"/>
+              </a:lnSpc>
+              <a:spcBef>
+                <a:spcPct val="0"/>
+              </a:spcBef>
+              <a:buNone/>
+              <a:defRPr sz="4400" kern="1200">
+                <a:solidFill>
+                  <a:schemeClr val="tx1"/>
+                </a:solidFill>
+                <a:latin typeface="+mj-lt"/>
+                <a:ea typeface="+mj-ea"/>
+                <a:cs typeface="+mj-cs"/>
+              </a:defRPr>
+            </a:lvl1pPr>
+          </a:lstStyle>
+          <a:p>
+            <a:r>
+              <a:rPr lang="fr-FR" sz="4000" dirty="0"/>
+              <a:t>Résultats Modèle </a:t>
+            </a:r>
+            <a:r>
+              <a:rPr lang="fr-FR" sz="4000" b="1" dirty="0"/>
+              <a:t>Optimisé</a:t>
+            </a:r>
+            <a:r>
+              <a:rPr lang="fr-FR" sz="4000" dirty="0"/>
+              <a:t> VS </a:t>
+            </a:r>
+            <a:r>
+              <a:rPr lang="fr-FR" sz="4000" b="1" dirty="0"/>
+              <a:t>Non Optimisé</a:t>
+            </a:r>
+          </a:p>
+        </p:txBody>
+      </p:sp>
+    </p:spTree>
+    <p:extLst>
+      <p:ext uri="{BB962C8B-B14F-4D97-AF65-F5344CB8AC3E}">
+        <p14:creationId xmlns:p14="http://schemas.microsoft.com/office/powerpoint/2010/main" val="4074786166"/>
+      </p:ext>
+    </p:extLst>
+  </p:cSld>
+  <p:clrMapOvr>
+    <a:masterClrMapping/>
+  </p:clrMapOvr>
+</p:sld>
+</file>
+
+<file path=ppt/slides/slide11.xml><?xml version="1.0" encoding="utf-8"?>
+<p:sld xmlns:a="http://schemas.openxmlformats.org/drawingml/2006/main" xmlns:r="http://schemas.openxmlformats.org/officeDocument/2006/relationships" xmlns:p="http://schemas.openxmlformats.org/presentationml/2006/main">
+  <p:cSld>
+    <p:bg>
+      <p:bgPr>
+        <a:solidFill>
+          <a:schemeClr val="bg1"/>
+        </a:solidFill>
+        <a:effectLst/>
+      </p:bgPr>
+    </p:bg>
+    <p:spTree>
+      <p:nvGrpSpPr>
+        <p:cNvPr id="1" name="">
+          <a:extLst>
+            <a:ext uri="{FF2B5EF4-FFF2-40B4-BE49-F238E27FC236}">
+              <a16:creationId xmlns:a16="http://schemas.microsoft.com/office/drawing/2014/main" id="{B6BEE952-5553-8D77-2115-0FBAA2C9EB2A}"/>
+            </a:ext>
+          </a:extLst>
+        </p:cNvPr>
+        <p:cNvGrpSpPr/>
+        <p:nvPr/>
+      </p:nvGrpSpPr>
+      <p:grpSpPr>
+        <a:xfrm>
+          <a:off x="0" y="0"/>
+          <a:ext cx="0" cy="0"/>
+          <a:chOff x="0" y="0"/>
+          <a:chExt cx="0" cy="0"/>
+        </a:xfrm>
+      </p:grpSpPr>
+      <p:sp useBgFill="1">
+        <p:nvSpPr>
+          <p:cNvPr id="23" name="Rectangle 22">
+            <a:extLst>
+              <a:ext uri="{FF2B5EF4-FFF2-40B4-BE49-F238E27FC236}">
+                <a16:creationId xmlns:a16="http://schemas.microsoft.com/office/drawing/2014/main" id="{A8384FB5-9ADC-4DDC-881B-597D56F5B15D}"/>
+              </a:ext>
+              <a:ext uri="{C183D7F6-B498-43B3-948B-1728B52AA6E4}">
+                <adec:decorative xmlns:adec="http://schemas.microsoft.com/office/drawing/2017/decorative" val="1"/>
+              </a:ext>
+            </a:extLst>
+          </p:cNvPr>
+          <p:cNvSpPr>
+            <a:spLocks noGrp="1" noRot="1" noChangeAspect="1" noMove="1" noResize="1" noEditPoints="1" noAdjustHandles="1" noChangeArrowheads="1" noChangeShapeType="1" noTextEdit="1"/>
+          </p:cNvSpPr>
+          <p:nvPr>
+            <p:extLst>
+              <p:ext uri="{386F3935-93C4-4BCD-93E2-E3B085C9AB24}">
+                <p16:designElem xmlns:p16="http://schemas.microsoft.com/office/powerpoint/2015/main" val="1"/>
+              </p:ext>
+            </p:extLst>
+          </p:nvPr>
+        </p:nvSpPr>
+        <p:spPr>
+          <a:xfrm>
+            <a:off x="0" y="0"/>
+            <a:ext cx="12192000" cy="6858000"/>
+          </a:xfrm>
+          <a:prstGeom prst="rect">
+            <a:avLst/>
+          </a:prstGeom>
+          <a:ln w="12700" cap="flat" cmpd="sng" algn="ctr">
+            <a:noFill/>
+            <a:prstDash val="solid"/>
+            <a:miter lim="800000"/>
+          </a:ln>
+          <a:effectLst/>
+          <a:extLst>
+            <a:ext uri="{91240B29-F687-4F45-9708-019B960494DF}">
+              <a14:hiddenLine xmlns:a14="http://schemas.microsoft.com/office/drawing/2010/main" w="12700" cap="flat" cmpd="sng" algn="ctr">
+                <a:solidFill>
+                  <a:schemeClr val="accent1">
+                    <a:shade val="50000"/>
+                  </a:schemeClr>
+                </a:solidFill>
+                <a:prstDash val="solid"/>
+                <a:miter lim="800000"/>
+              </a14:hiddenLine>
+            </a:ext>
+          </a:extLst>
+        </p:spPr>
+        <p:style>
+          <a:lnRef idx="2">
+            <a:schemeClr val="accent1">
+              <a:shade val="50000"/>
+            </a:schemeClr>
+          </a:lnRef>
+          <a:fillRef idx="1">
+            <a:schemeClr val="accent1"/>
+          </a:fillRef>
+          <a:effectRef idx="0">
+            <a:schemeClr val="accent1"/>
+          </a:effectRef>
+          <a:fontRef idx="minor">
+            <a:schemeClr val="lt1"/>
+          </a:fontRef>
+        </p:style>
+        <p:txBody>
+          <a:bodyPr rtlCol="0" anchor="ctr"/>
+          <a:lstStyle/>
+          <a:p>
+            <a:pPr algn="ctr"/>
+            <a:endParaRPr lang="en-US"/>
+          </a:p>
+        </p:txBody>
+      </p:sp>
+      <p:sp>
+        <p:nvSpPr>
+          <p:cNvPr id="25" name="Rectangle 24">
+            <a:extLst>
+              <a:ext uri="{FF2B5EF4-FFF2-40B4-BE49-F238E27FC236}">
+                <a16:creationId xmlns:a16="http://schemas.microsoft.com/office/drawing/2014/main" id="{91E5A9A7-95C6-4F4F-B00E-C82E07FE62EF}"/>
+              </a:ext>
+              <a:ext uri="{C183D7F6-B498-43B3-948B-1728B52AA6E4}">
+                <adec:decorative xmlns:adec="http://schemas.microsoft.com/office/drawing/2017/decorative" val="1"/>
+              </a:ext>
+            </a:extLst>
+          </p:cNvPr>
+          <p:cNvSpPr>
+            <a:spLocks noGrp="1" noRot="1" noChangeAspect="1" noMove="1" noResize="1" noEditPoints="1" noAdjustHandles="1" noChangeArrowheads="1" noChangeShapeType="1" noTextEdit="1"/>
+          </p:cNvSpPr>
+          <p:nvPr>
+            <p:extLst>
+              <p:ext uri="{386F3935-93C4-4BCD-93E2-E3B085C9AB24}">
+                <p16:designElem xmlns:p16="http://schemas.microsoft.com/office/powerpoint/2015/main" val="1"/>
+              </p:ext>
+            </p:extLst>
+          </p:nvPr>
+        </p:nvSpPr>
+        <p:spPr>
+          <a:xfrm rot="5400000" flipH="1">
+            <a:off x="-1417539" y="1417538"/>
+            <a:ext cx="6875818" cy="4040744"/>
+          </a:xfrm>
+          <a:prstGeom prst="rect">
+            <a:avLst/>
+          </a:prstGeom>
+          <a:gradFill>
+            <a:gsLst>
+              <a:gs pos="0">
+                <a:srgbClr val="000000"/>
+              </a:gs>
+              <a:gs pos="100000">
+                <a:schemeClr val="accent1">
+                  <a:lumMod val="75000"/>
+                </a:schemeClr>
+              </a:gs>
+            </a:gsLst>
+            <a:lin ang="18600000" scaled="0"/>
+          </a:gradFill>
+          <a:ln>
+            <a:noFill/>
+          </a:ln>
+        </p:spPr>
+        <p:style>
+          <a:lnRef idx="2">
+            <a:schemeClr val="accent1">
+              <a:shade val="50000"/>
+            </a:schemeClr>
+          </a:lnRef>
+          <a:fillRef idx="1">
+            <a:schemeClr val="accent1"/>
+          </a:fillRef>
+          <a:effectRef idx="0">
+            <a:schemeClr val="accent1"/>
+          </a:effectRef>
+          <a:fontRef idx="minor">
+            <a:schemeClr val="lt1"/>
+          </a:fontRef>
+        </p:style>
+        <p:txBody>
+          <a:bodyPr rtlCol="0" anchor="ctr"/>
+          <a:lstStyle/>
+          <a:p>
+            <a:pPr algn="ctr"/>
+            <a:endParaRPr lang="en-US" dirty="0"/>
+          </a:p>
+        </p:txBody>
+      </p:sp>
+      <p:sp>
+        <p:nvSpPr>
+          <p:cNvPr id="27" name="Rectangle 26">
+            <a:extLst>
+              <a:ext uri="{FF2B5EF4-FFF2-40B4-BE49-F238E27FC236}">
+                <a16:creationId xmlns:a16="http://schemas.microsoft.com/office/drawing/2014/main" id="{D07DD2DE-F619-49DD-B5E7-03A290FF4ED1}"/>
+              </a:ext>
+              <a:ext uri="{C183D7F6-B498-43B3-948B-1728B52AA6E4}">
+                <adec:decorative xmlns:adec="http://schemas.microsoft.com/office/drawing/2017/decorative" val="1"/>
+              </a:ext>
+            </a:extLst>
+          </p:cNvPr>
+          <p:cNvSpPr>
+            <a:spLocks noGrp="1" noRot="1" noChangeAspect="1" noMove="1" noResize="1" noEditPoints="1" noAdjustHandles="1" noChangeArrowheads="1" noChangeShapeType="1" noTextEdit="1"/>
+          </p:cNvSpPr>
+          <p:nvPr>
+            <p:extLst>
+              <p:ext uri="{386F3935-93C4-4BCD-93E2-E3B085C9AB24}">
+                <p16:designElem xmlns:p16="http://schemas.microsoft.com/office/powerpoint/2015/main" val="1"/>
+              </p:ext>
+            </p:extLst>
+          </p:nvPr>
+        </p:nvSpPr>
+        <p:spPr>
+          <a:xfrm rot="16200000">
+            <a:off x="-158495" y="2660473"/>
+            <a:ext cx="4355594" cy="4038603"/>
+          </a:xfrm>
+          <a:prstGeom prst="rect">
+            <a:avLst/>
+          </a:prstGeom>
+          <a:gradFill>
+            <a:gsLst>
+              <a:gs pos="0">
+                <a:schemeClr val="accent1">
+                  <a:alpha val="50000"/>
+                </a:schemeClr>
+              </a:gs>
+              <a:gs pos="100000">
+                <a:schemeClr val="accent1">
+                  <a:lumMod val="50000"/>
+                  <a:alpha val="0"/>
+                </a:schemeClr>
+              </a:gs>
+            </a:gsLst>
+            <a:lin ang="11400000" scaled="0"/>
+          </a:gradFill>
+          <a:ln>
+            <a:noFill/>
+          </a:ln>
+        </p:spPr>
+        <p:style>
+          <a:lnRef idx="2">
+            <a:schemeClr val="accent1">
+              <a:shade val="50000"/>
+            </a:schemeClr>
+          </a:lnRef>
+          <a:fillRef idx="1">
+            <a:schemeClr val="accent1"/>
+          </a:fillRef>
+          <a:effectRef idx="0">
+            <a:schemeClr val="accent1"/>
+          </a:effectRef>
+          <a:fontRef idx="minor">
+            <a:schemeClr val="lt1"/>
+          </a:fontRef>
+        </p:style>
+        <p:txBody>
+          <a:bodyPr rtlCol="0" anchor="ctr"/>
+          <a:lstStyle/>
+          <a:p>
+            <a:pPr algn="ctr"/>
+            <a:endParaRPr lang="en-US"/>
+          </a:p>
+        </p:txBody>
+      </p:sp>
+      <p:sp>
+        <p:nvSpPr>
+          <p:cNvPr id="29" name="Rectangle 28">
+            <a:extLst>
+              <a:ext uri="{FF2B5EF4-FFF2-40B4-BE49-F238E27FC236}">
+                <a16:creationId xmlns:a16="http://schemas.microsoft.com/office/drawing/2014/main" id="{85149191-5F60-4A28-AAFF-039F96B0F3EC}"/>
+              </a:ext>
+              <a:ext uri="{C183D7F6-B498-43B3-948B-1728B52AA6E4}">
+                <adec:decorative xmlns:adec="http://schemas.microsoft.com/office/drawing/2017/decorative" val="1"/>
+              </a:ext>
+            </a:extLst>
+          </p:cNvPr>
+          <p:cNvSpPr>
+            <a:spLocks noGrp="1" noRot="1" noChangeAspect="1" noMove="1" noResize="1" noEditPoints="1" noAdjustHandles="1" noChangeArrowheads="1" noChangeShapeType="1" noTextEdit="1"/>
+          </p:cNvSpPr>
+          <p:nvPr>
+            <p:extLst>
+              <p:ext uri="{386F3935-93C4-4BCD-93E2-E3B085C9AB24}">
+                <p16:designElem xmlns:p16="http://schemas.microsoft.com/office/powerpoint/2015/main" val="1"/>
+              </p:ext>
+            </p:extLst>
+          </p:nvPr>
+        </p:nvSpPr>
+        <p:spPr>
+          <a:xfrm rot="16200000" flipH="1">
+            <a:off x="-1180882" y="1638085"/>
+            <a:ext cx="6857572" cy="3581401"/>
+          </a:xfrm>
+          <a:prstGeom prst="rect">
+            <a:avLst/>
+          </a:prstGeom>
+          <a:gradFill>
+            <a:gsLst>
+              <a:gs pos="0">
+                <a:srgbClr val="000000">
+                  <a:alpha val="59000"/>
+                </a:srgbClr>
+              </a:gs>
+              <a:gs pos="69000">
+                <a:schemeClr val="accent1">
+                  <a:alpha val="0"/>
+                </a:schemeClr>
+              </a:gs>
+            </a:gsLst>
+            <a:lin ang="13200000" scaled="0"/>
+          </a:gradFill>
+          <a:ln>
+            <a:noFill/>
+          </a:ln>
+        </p:spPr>
+        <p:style>
+          <a:lnRef idx="2">
+            <a:schemeClr val="accent1">
+              <a:shade val="50000"/>
+            </a:schemeClr>
+          </a:lnRef>
+          <a:fillRef idx="1">
+            <a:schemeClr val="accent1"/>
+          </a:fillRef>
+          <a:effectRef idx="0">
+            <a:schemeClr val="accent1"/>
+          </a:effectRef>
+          <a:fontRef idx="minor">
+            <a:schemeClr val="lt1"/>
+          </a:fontRef>
+        </p:style>
+        <p:txBody>
+          <a:bodyPr rtlCol="0" anchor="ctr"/>
+          <a:lstStyle/>
+          <a:p>
+            <a:pPr algn="ctr"/>
+            <a:endParaRPr lang="en-US" dirty="0"/>
+          </a:p>
+        </p:txBody>
+      </p:sp>
+      <p:sp>
+        <p:nvSpPr>
+          <p:cNvPr id="31" name="Freeform: Shape 30">
+            <a:extLst>
+              <a:ext uri="{FF2B5EF4-FFF2-40B4-BE49-F238E27FC236}">
+                <a16:creationId xmlns:a16="http://schemas.microsoft.com/office/drawing/2014/main" id="{F8260ED5-17F7-4158-B241-D51DD4CF1B7E}"/>
+              </a:ext>
+              <a:ext uri="{C183D7F6-B498-43B3-948B-1728B52AA6E4}">
+                <adec:decorative xmlns:adec="http://schemas.microsoft.com/office/drawing/2017/decorative" val="1"/>
+              </a:ext>
+            </a:extLst>
+          </p:cNvPr>
+          <p:cNvSpPr>
+            <a:spLocks noGrp="1" noRot="1" noChangeAspect="1" noMove="1" noResize="1" noEditPoints="1" noAdjustHandles="1" noChangeArrowheads="1" noChangeShapeType="1" noTextEdit="1"/>
+          </p:cNvSpPr>
+          <p:nvPr>
+            <p:extLst>
+              <p:ext uri="{386F3935-93C4-4BCD-93E2-E3B085C9AB24}">
+                <p16:designElem xmlns:p16="http://schemas.microsoft.com/office/powerpoint/2015/main" val="1"/>
+              </p:ext>
+            </p:extLst>
+          </p:nvPr>
+        </p:nvSpPr>
+        <p:spPr>
+          <a:xfrm rot="6097846">
+            <a:off x="-747355" y="1201312"/>
+            <a:ext cx="4808302" cy="4088666"/>
+          </a:xfrm>
+          <a:custGeom>
+            <a:avLst/>
+            <a:gdLst>
+              <a:gd name="connsiteX0" fmla="*/ 48844 w 4808302"/>
+              <a:gd name="connsiteY0" fmla="*/ 2888671 h 4088666"/>
+              <a:gd name="connsiteX1" fmla="*/ 0 w 4808302"/>
+              <a:gd name="connsiteY1" fmla="*/ 2404151 h 4088666"/>
+              <a:gd name="connsiteX2" fmla="*/ 2404151 w 4808302"/>
+              <a:gd name="connsiteY2" fmla="*/ 0 h 4088666"/>
+              <a:gd name="connsiteX3" fmla="*/ 4808302 w 4808302"/>
+              <a:gd name="connsiteY3" fmla="*/ 2404151 h 4088666"/>
+              <a:gd name="connsiteX4" fmla="*/ 4700216 w 4808302"/>
+              <a:gd name="connsiteY4" fmla="*/ 3119072 h 4088666"/>
+              <a:gd name="connsiteX5" fmla="*/ 4643143 w 4808302"/>
+              <a:gd name="connsiteY5" fmla="*/ 3275009 h 4088666"/>
+              <a:gd name="connsiteX6" fmla="*/ 690093 w 4808302"/>
+              <a:gd name="connsiteY6" fmla="*/ 4088666 h 4088666"/>
+              <a:gd name="connsiteX7" fmla="*/ 548991 w 4808302"/>
+              <a:gd name="connsiteY7" fmla="*/ 3933414 h 4088666"/>
+              <a:gd name="connsiteX8" fmla="*/ 48844 w 4808302"/>
+              <a:gd name="connsiteY8" fmla="*/ 2888671 h 4088666"/>
+            </a:gdLst>
+            <a:ahLst/>
+            <a:cxnLst>
+              <a:cxn ang="0">
+                <a:pos x="connsiteX0" y="connsiteY0"/>
+              </a:cxn>
+              <a:cxn ang="0">
+                <a:pos x="connsiteX1" y="connsiteY1"/>
+              </a:cxn>
+              <a:cxn ang="0">
+                <a:pos x="connsiteX2" y="connsiteY2"/>
+              </a:cxn>
+              <a:cxn ang="0">
+                <a:pos x="connsiteX3" y="connsiteY3"/>
+              </a:cxn>
+              <a:cxn ang="0">
+                <a:pos x="connsiteX4" y="connsiteY4"/>
+              </a:cxn>
+              <a:cxn ang="0">
+                <a:pos x="connsiteX5" y="connsiteY5"/>
+              </a:cxn>
+              <a:cxn ang="0">
+                <a:pos x="connsiteX6" y="connsiteY6"/>
+              </a:cxn>
+              <a:cxn ang="0">
+                <a:pos x="connsiteX7" y="connsiteY7"/>
+              </a:cxn>
+              <a:cxn ang="0">
+                <a:pos x="connsiteX8" y="connsiteY8"/>
+              </a:cxn>
+            </a:cxnLst>
+            <a:rect l="l" t="t" r="r" b="b"/>
+            <a:pathLst>
+              <a:path w="4808302" h="4088666">
+                <a:moveTo>
+                  <a:pt x="48844" y="2888671"/>
+                </a:moveTo>
+                <a:cubicBezTo>
+                  <a:pt x="16818" y="2732167"/>
+                  <a:pt x="0" y="2570123"/>
+                  <a:pt x="0" y="2404151"/>
+                </a:cubicBezTo>
+                <a:cubicBezTo>
+                  <a:pt x="0" y="1076375"/>
+                  <a:pt x="1076375" y="0"/>
+                  <a:pt x="2404151" y="0"/>
+                </a:cubicBezTo>
+                <a:cubicBezTo>
+                  <a:pt x="3731927" y="0"/>
+                  <a:pt x="4808302" y="1076375"/>
+                  <a:pt x="4808302" y="2404151"/>
+                </a:cubicBezTo>
+                <a:cubicBezTo>
+                  <a:pt x="4808302" y="2653109"/>
+                  <a:pt x="4770461" y="2893229"/>
+                  <a:pt x="4700216" y="3119072"/>
+                </a:cubicBezTo>
+                <a:lnTo>
+                  <a:pt x="4643143" y="3275009"/>
+                </a:lnTo>
+                <a:lnTo>
+                  <a:pt x="690093" y="4088666"/>
+                </a:lnTo>
+                <a:lnTo>
+                  <a:pt x="548991" y="3933414"/>
+                </a:lnTo>
+                <a:cubicBezTo>
+                  <a:pt x="304015" y="3636572"/>
+                  <a:pt x="128908" y="3279932"/>
+                  <a:pt x="48844" y="2888671"/>
+                </a:cubicBezTo>
+                <a:close/>
+              </a:path>
+            </a:pathLst>
+          </a:custGeom>
+          <a:gradFill>
+            <a:gsLst>
+              <a:gs pos="39000">
+                <a:schemeClr val="accent1">
+                  <a:lumMod val="60000"/>
+                  <a:lumOff val="40000"/>
+                  <a:alpha val="0"/>
+                </a:schemeClr>
+              </a:gs>
+              <a:gs pos="100000">
+                <a:schemeClr val="accent1">
+                  <a:lumMod val="75000"/>
+                  <a:alpha val="26000"/>
+                </a:schemeClr>
+              </a:gs>
+            </a:gsLst>
+            <a:lin ang="18600000" scaled="0"/>
+          </a:gradFill>
+          <a:ln>
+            <a:noFill/>
+          </a:ln>
+        </p:spPr>
+        <p:style>
+          <a:lnRef idx="2">
+            <a:schemeClr val="accent1">
+              <a:shade val="50000"/>
+            </a:schemeClr>
+          </a:lnRef>
+          <a:fillRef idx="1">
+            <a:schemeClr val="accent1"/>
+          </a:fillRef>
+          <a:effectRef idx="0">
+            <a:schemeClr val="accent1"/>
+          </a:effectRef>
+          <a:fontRef idx="minor">
+            <a:schemeClr val="lt1"/>
+          </a:fontRef>
+        </p:style>
+        <p:txBody>
+          <a:bodyPr wrap="square" rtlCol="0" anchor="ctr">
+            <a:noAutofit/>
+          </a:bodyPr>
+          <a:lstStyle/>
+          <a:p>
+            <a:pPr algn="ctr"/>
+            <a:endParaRPr lang="en-US" dirty="0"/>
+          </a:p>
+        </p:txBody>
+      </p:sp>
+      <p:sp>
+        <p:nvSpPr>
+          <p:cNvPr id="5" name="Titre 5">
+            <a:extLst>
+              <a:ext uri="{FF2B5EF4-FFF2-40B4-BE49-F238E27FC236}">
+                <a16:creationId xmlns:a16="http://schemas.microsoft.com/office/drawing/2014/main" id="{45871C52-59D2-3AB3-D551-AC5BD6613FA4}"/>
+              </a:ext>
+            </a:extLst>
+          </p:cNvPr>
+          <p:cNvSpPr txBox="1">
+            <a:spLocks/>
+          </p:cNvSpPr>
+          <p:nvPr/>
+        </p:nvSpPr>
+        <p:spPr>
+          <a:xfrm>
+            <a:off x="282321" y="2804276"/>
+            <a:ext cx="3473962" cy="3071906"/>
+          </a:xfrm>
+          <a:prstGeom prst="rect">
+            <a:avLst/>
+          </a:prstGeom>
+        </p:spPr>
+        <p:txBody>
+          <a:bodyPr vert="horz" lIns="91440" tIns="45720" rIns="91440" bIns="45720" rtlCol="0" anchor="t">
+            <a:normAutofit/>
+          </a:bodyPr>
+          <a:lstStyle>
+            <a:lvl1pPr algn="l" defTabSz="914400" rtl="0" eaLnBrk="1" latinLnBrk="0" hangingPunct="1">
+              <a:lnSpc>
+                <a:spcPct val="90000"/>
+              </a:lnSpc>
+              <a:spcBef>
+                <a:spcPct val="0"/>
+              </a:spcBef>
+              <a:buNone/>
+              <a:defRPr sz="4400" kern="1200">
+                <a:solidFill>
+                  <a:schemeClr val="tx1"/>
+                </a:solidFill>
+                <a:latin typeface="+mj-lt"/>
+                <a:ea typeface="+mj-ea"/>
+                <a:cs typeface="+mj-cs"/>
+              </a:defRPr>
+            </a:lvl1pPr>
+          </a:lstStyle>
+          <a:p>
+            <a:pPr>
+              <a:spcAft>
+                <a:spcPts val="600"/>
+              </a:spcAft>
+            </a:pPr>
+            <a:r>
+              <a:rPr lang="en-US" sz="4000" kern="1200" dirty="0" err="1">
+                <a:solidFill>
+                  <a:srgbClr val="FFFFFF"/>
+                </a:solidFill>
+                <a:latin typeface="+mj-lt"/>
+                <a:ea typeface="+mj-ea"/>
+                <a:cs typeface="+mj-cs"/>
+              </a:rPr>
+              <a:t>Démonstration</a:t>
+            </a:r>
+            <a:r>
+              <a:rPr lang="en-US" sz="4000" kern="1200" dirty="0">
+                <a:solidFill>
+                  <a:srgbClr val="FFFFFF"/>
+                </a:solidFill>
+                <a:latin typeface="+mj-lt"/>
+                <a:ea typeface="+mj-ea"/>
+                <a:cs typeface="+mj-cs"/>
+              </a:rPr>
+              <a:t> de </a:t>
+            </a:r>
+            <a:r>
+              <a:rPr lang="en-US" sz="4000" kern="1200" dirty="0" err="1">
+                <a:solidFill>
+                  <a:srgbClr val="FFFFFF"/>
+                </a:solidFill>
+                <a:latin typeface="+mj-lt"/>
+                <a:ea typeface="+mj-ea"/>
+                <a:cs typeface="+mj-cs"/>
+              </a:rPr>
+              <a:t>l’application</a:t>
+            </a:r>
+            <a:endParaRPr lang="en-US" sz="4000" kern="1200" dirty="0">
+              <a:solidFill>
+                <a:srgbClr val="FFFFFF"/>
+              </a:solidFill>
+              <a:latin typeface="+mj-lt"/>
+              <a:ea typeface="+mj-ea"/>
+              <a:cs typeface="+mj-cs"/>
+            </a:endParaRPr>
+          </a:p>
+        </p:txBody>
+      </p:sp>
+      <p:pic>
+        <p:nvPicPr>
+          <p:cNvPr id="18" name="Image 17">
+            <a:extLst>
+              <a:ext uri="{FF2B5EF4-FFF2-40B4-BE49-F238E27FC236}">
+                <a16:creationId xmlns:a16="http://schemas.microsoft.com/office/drawing/2014/main" id="{33B28B0C-38C8-C848-0FF0-C40A170FD3B3}"/>
+              </a:ext>
+            </a:extLst>
+          </p:cNvPr>
+          <p:cNvPicPr>
+            <a:picLocks noChangeAspect="1"/>
+          </p:cNvPicPr>
+          <p:nvPr/>
+        </p:nvPicPr>
+        <p:blipFill>
+          <a:blip r:embed="rId3"/>
+          <a:stretch>
+            <a:fillRect/>
+          </a:stretch>
+        </p:blipFill>
+        <p:spPr>
+          <a:xfrm>
+            <a:off x="5153485" y="301244"/>
+            <a:ext cx="6161679" cy="6255512"/>
+          </a:xfrm>
+          <a:prstGeom prst="rect">
+            <a:avLst/>
+          </a:prstGeom>
+        </p:spPr>
+      </p:pic>
+    </p:spTree>
+    <p:extLst>
+      <p:ext uri="{BB962C8B-B14F-4D97-AF65-F5344CB8AC3E}">
+        <p14:creationId xmlns:p14="http://schemas.microsoft.com/office/powerpoint/2010/main" val="4294698634"/>
+      </p:ext>
+    </p:extLst>
+  </p:cSld>
+  <p:clrMapOvr>
+    <a:masterClrMapping/>
+  </p:clrMapOvr>
+</p:sld>
+</file>
+
 <file path=ppt/slides/slide2.xml><?xml version="1.0" encoding="utf-8"?>
 <p:sld xmlns:a="http://schemas.openxmlformats.org/drawingml/2006/main" xmlns:r="http://schemas.openxmlformats.org/officeDocument/2006/relationships" xmlns:p="http://schemas.openxmlformats.org/presentationml/2006/main">
   <p:cSld>
@@ -15110,36 +17732,6 @@
           </a:p>
         </p:txBody>
       </p:sp>
-      <p:pic>
-        <p:nvPicPr>
-          <p:cNvPr id="4" name="Image 3">
-            <a:extLst>
-              <a:ext uri="{FF2B5EF4-FFF2-40B4-BE49-F238E27FC236}">
-                <a16:creationId xmlns:a16="http://schemas.microsoft.com/office/drawing/2014/main" id="{DDE97CAB-551A-0CDA-D040-8B427D3B0A14}"/>
-              </a:ext>
-            </a:extLst>
-          </p:cNvPr>
-          <p:cNvPicPr>
-            <a:picLocks noChangeAspect="1"/>
-          </p:cNvPicPr>
-          <p:nvPr/>
-        </p:nvPicPr>
-        <p:blipFill>
-          <a:blip r:embed="rId3"/>
-          <a:stretch>
-            <a:fillRect/>
-          </a:stretch>
-        </p:blipFill>
-        <p:spPr>
-          <a:xfrm>
-            <a:off x="225814" y="1209230"/>
-            <a:ext cx="7849699" cy="5497085"/>
-          </a:xfrm>
-          <a:prstGeom prst="rect">
-            <a:avLst/>
-          </a:prstGeom>
-        </p:spPr>
-      </p:pic>
       <p:sp>
         <p:nvSpPr>
           <p:cNvPr id="22" name="Flèche : droite 21">
@@ -15154,7 +17746,7 @@
         </p:nvSpPr>
         <p:spPr>
           <a:xfrm>
-            <a:off x="8143702" y="4617674"/>
+            <a:off x="7470223" y="5227274"/>
             <a:ext cx="300715" cy="166977"/>
           </a:xfrm>
           <a:prstGeom prst="rightArrow">
@@ -15274,7 +17866,7 @@
           </a:lstStyle>
           <a:p>
             <a:pPr algn="ctr"/>
-            <a:endParaRPr lang="fr-FR"/>
+            <a:endParaRPr lang="fr-FR" sz="1400"/>
           </a:p>
         </p:txBody>
       </p:sp>
@@ -15292,8 +17884,8 @@
         </p:nvSpPr>
         <p:spPr>
           <a:xfrm>
-            <a:off x="8428715" y="4531886"/>
-            <a:ext cx="3404298" cy="338554"/>
+            <a:off x="7755236" y="5141486"/>
+            <a:ext cx="3404298" cy="276999"/>
           </a:xfrm>
           <a:prstGeom prst="rect">
             <a:avLst/>
@@ -15401,7 +17993,7 @@
           </a:lstStyle>
           <a:p>
             <a:r>
-              <a:rPr lang="fr-FR" sz="1600" i="1" dirty="0"/>
+              <a:rPr lang="fr-FR" sz="1200" i="1" dirty="0"/>
               <a:t>Evaluation RAGAS, RAG optimisé </a:t>
             </a:r>
           </a:p>
@@ -15421,7 +18013,7 @@
         </p:nvSpPr>
         <p:spPr>
           <a:xfrm>
-            <a:off x="8159404" y="4954086"/>
+            <a:off x="7485925" y="5563686"/>
             <a:ext cx="300715" cy="166977"/>
           </a:xfrm>
           <a:prstGeom prst="rightArrow">
@@ -15541,7 +18133,7 @@
           </a:lstStyle>
           <a:p>
             <a:pPr algn="ctr"/>
-            <a:endParaRPr lang="fr-FR"/>
+            <a:endParaRPr lang="fr-FR" sz="1400"/>
           </a:p>
         </p:txBody>
       </p:sp>
@@ -15559,8 +18151,8 @@
         </p:nvSpPr>
         <p:spPr>
           <a:xfrm>
-            <a:off x="8444417" y="4868298"/>
-            <a:ext cx="3404298" cy="338554"/>
+            <a:off x="7770938" y="5477898"/>
+            <a:ext cx="3404298" cy="276999"/>
           </a:xfrm>
           <a:prstGeom prst="rect">
             <a:avLst/>
@@ -15668,7 +18260,7 @@
           </a:lstStyle>
           <a:p>
             <a:r>
-              <a:rPr lang="fr-FR" sz="1600" i="1" dirty="0"/>
+              <a:rPr lang="fr-FR" sz="1200" i="1" dirty="0"/>
               <a:t>Evaluation RAGAS, RAG basal </a:t>
             </a:r>
           </a:p>
@@ -15688,7 +18280,7 @@
         </p:nvSpPr>
         <p:spPr>
           <a:xfrm>
-            <a:off x="8075513" y="3527516"/>
+            <a:off x="7485925" y="3407527"/>
             <a:ext cx="300715" cy="166977"/>
           </a:xfrm>
           <a:prstGeom prst="rightArrow">
@@ -15808,7 +18400,7 @@
           </a:lstStyle>
           <a:p>
             <a:pPr algn="ctr"/>
-            <a:endParaRPr lang="fr-FR"/>
+            <a:endParaRPr lang="fr-FR" sz="1400"/>
           </a:p>
         </p:txBody>
       </p:sp>
@@ -15826,8 +18418,8 @@
         </p:nvSpPr>
         <p:spPr>
           <a:xfrm>
-            <a:off x="8360526" y="3441728"/>
-            <a:ext cx="3404298" cy="338554"/>
+            <a:off x="7770938" y="3321739"/>
+            <a:ext cx="3404298" cy="276999"/>
           </a:xfrm>
           <a:prstGeom prst="rect">
             <a:avLst/>
@@ -15935,7 +18527,7 @@
           </a:lstStyle>
           <a:p>
             <a:r>
-              <a:rPr lang="fr-FR" sz="1600" i="1" dirty="0"/>
+              <a:rPr lang="fr-FR" sz="1200" i="1" dirty="0"/>
               <a:t>Chat mistral, RAG optimisé </a:t>
             </a:r>
           </a:p>
@@ -15955,7 +18547,7 @@
         </p:nvSpPr>
         <p:spPr>
           <a:xfrm>
-            <a:off x="8075513" y="3190033"/>
+            <a:off x="7485925" y="3070044"/>
             <a:ext cx="300715" cy="166977"/>
           </a:xfrm>
           <a:prstGeom prst="rightArrow">
@@ -16075,7 +18667,7 @@
           </a:lstStyle>
           <a:p>
             <a:pPr algn="ctr"/>
-            <a:endParaRPr lang="fr-FR"/>
+            <a:endParaRPr lang="fr-FR" sz="1400"/>
           </a:p>
         </p:txBody>
       </p:sp>
@@ -16093,8 +18685,8 @@
         </p:nvSpPr>
         <p:spPr>
           <a:xfrm>
-            <a:off x="8360526" y="3104245"/>
-            <a:ext cx="3404298" cy="338554"/>
+            <a:off x="7770938" y="2984256"/>
+            <a:ext cx="3404298" cy="276999"/>
           </a:xfrm>
           <a:prstGeom prst="rect">
             <a:avLst/>
@@ -16202,7 +18794,7 @@
           </a:lstStyle>
           <a:p>
             <a:r>
-              <a:rPr lang="fr-FR" sz="1600" i="1" dirty="0"/>
+              <a:rPr lang="fr-FR" sz="1200" i="1" dirty="0"/>
               <a:t>Chat mistral, RAG basal </a:t>
             </a:r>
           </a:p>
@@ -16222,7 +18814,7 @@
         </p:nvSpPr>
         <p:spPr>
           <a:xfrm>
-            <a:off x="8091215" y="2530380"/>
+            <a:off x="7482194" y="2455432"/>
             <a:ext cx="300715" cy="166977"/>
           </a:xfrm>
           <a:prstGeom prst="rightArrow">
@@ -16342,7 +18934,7 @@
           </a:lstStyle>
           <a:p>
             <a:pPr algn="ctr"/>
-            <a:endParaRPr lang="fr-FR"/>
+            <a:endParaRPr lang="fr-FR" sz="1400"/>
           </a:p>
         </p:txBody>
       </p:sp>
@@ -16360,8 +18952,8 @@
         </p:nvSpPr>
         <p:spPr>
           <a:xfrm>
-            <a:off x="8376228" y="2444592"/>
-            <a:ext cx="3404298" cy="338554"/>
+            <a:off x="7770938" y="2413895"/>
+            <a:ext cx="3404298" cy="276999"/>
           </a:xfrm>
           <a:prstGeom prst="rect">
             <a:avLst/>
@@ -16469,22 +19061,22 @@
           </a:lstStyle>
           <a:p>
             <a:r>
-              <a:rPr lang="fr-FR" sz="1600" i="1" dirty="0"/>
+              <a:rPr lang="fr-FR" sz="1200" i="1" dirty="0"/>
               <a:t>DB SQL, Index </a:t>
             </a:r>
             <a:r>
-              <a:rPr lang="fr-FR" sz="1600" i="1" dirty="0" err="1"/>
+              <a:rPr lang="fr-FR" sz="1200" i="1" dirty="0" err="1"/>
               <a:t>faiss</a:t>
             </a:r>
             <a:r>
-              <a:rPr lang="fr-FR" sz="1600" i="1" dirty="0"/>
+              <a:rPr lang="fr-FR" sz="1200" i="1" dirty="0"/>
               <a:t> et </a:t>
             </a:r>
             <a:r>
-              <a:rPr lang="fr-FR" sz="1600" i="1" dirty="0" err="1"/>
+              <a:rPr lang="fr-FR" sz="1200" i="1" dirty="0" err="1"/>
               <a:t>metadatas</a:t>
             </a:r>
-            <a:endParaRPr lang="fr-FR" sz="1600" i="1" dirty="0"/>
+            <a:endParaRPr lang="fr-FR" sz="1200" i="1" dirty="0"/>
           </a:p>
         </p:txBody>
       </p:sp>
@@ -16502,7 +19094,7 @@
         </p:nvSpPr>
         <p:spPr>
           <a:xfrm>
-            <a:off x="8106917" y="2157659"/>
+            <a:off x="7476019" y="2140710"/>
             <a:ext cx="300715" cy="166977"/>
           </a:xfrm>
           <a:prstGeom prst="rightArrow">
@@ -16622,7 +19214,7 @@
           </a:lstStyle>
           <a:p>
             <a:pPr algn="ctr"/>
-            <a:endParaRPr lang="fr-FR"/>
+            <a:endParaRPr lang="fr-FR" sz="1400"/>
           </a:p>
         </p:txBody>
       </p:sp>
@@ -16640,8 +19232,8 @@
         </p:nvSpPr>
         <p:spPr>
           <a:xfrm>
-            <a:off x="8428715" y="1937488"/>
-            <a:ext cx="3851338" cy="584775"/>
+            <a:off x="7792021" y="1990817"/>
+            <a:ext cx="3851338" cy="461665"/>
           </a:xfrm>
           <a:prstGeom prst="rect">
             <a:avLst/>
@@ -16749,47 +19341,47 @@
           </a:lstStyle>
           <a:p>
             <a:r>
-              <a:rPr lang="fr-FR" sz="1600" i="1" dirty="0"/>
+              <a:rPr lang="fr-FR" sz="1200" i="1" dirty="0"/>
               <a:t>Config, </a:t>
             </a:r>
             <a:r>
-              <a:rPr lang="fr-FR" sz="1600" i="1" dirty="0" err="1"/>
+              <a:rPr lang="fr-FR" sz="1200" i="1" dirty="0" err="1"/>
               <a:t>db</a:t>
             </a:r>
             <a:r>
-              <a:rPr lang="fr-FR" sz="1600" i="1" dirty="0"/>
+              <a:rPr lang="fr-FR" sz="1200" i="1" dirty="0"/>
               <a:t> </a:t>
             </a:r>
             <a:r>
-              <a:rPr lang="fr-FR" sz="1600" i="1" dirty="0" err="1"/>
+              <a:rPr lang="fr-FR" sz="1200" i="1" dirty="0" err="1"/>
               <a:t>creation</a:t>
             </a:r>
             <a:r>
-              <a:rPr lang="fr-FR" sz="1600" i="1" dirty="0"/>
+              <a:rPr lang="fr-FR" sz="1200" i="1" dirty="0"/>
               <a:t>, </a:t>
             </a:r>
             <a:r>
-              <a:rPr lang="fr-FR" sz="1600" i="1" dirty="0" err="1"/>
+              <a:rPr lang="fr-FR" sz="1200" i="1" dirty="0" err="1"/>
               <a:t>chunking</a:t>
             </a:r>
             <a:r>
-              <a:rPr lang="fr-FR" sz="1600" i="1" dirty="0"/>
+              <a:rPr lang="fr-FR" sz="1200" i="1" dirty="0"/>
               <a:t>, </a:t>
             </a:r>
             <a:r>
-              <a:rPr lang="fr-FR" sz="1600" i="1" dirty="0" err="1"/>
+              <a:rPr lang="fr-FR" sz="1200" i="1" dirty="0" err="1"/>
               <a:t>embedding</a:t>
             </a:r>
             <a:r>
-              <a:rPr lang="fr-FR" sz="1600" i="1" dirty="0"/>
+              <a:rPr lang="fr-FR" sz="1200" i="1" dirty="0"/>
               <a:t> et </a:t>
             </a:r>
             <a:r>
-              <a:rPr lang="fr-FR" sz="1600" i="1" dirty="0" err="1"/>
+              <a:rPr lang="fr-FR" sz="1200" i="1" dirty="0" err="1"/>
               <a:t>db</a:t>
             </a:r>
             <a:r>
-              <a:rPr lang="fr-FR" sz="1600" i="1" dirty="0"/>
+              <a:rPr lang="fr-FR" sz="1200" i="1" dirty="0"/>
               <a:t> vectorielle</a:t>
             </a:r>
           </a:p>
@@ -16809,7 +19401,7 @@
         </p:nvSpPr>
         <p:spPr>
           <a:xfrm>
-            <a:off x="8106917" y="1794572"/>
+            <a:off x="7470223" y="1847901"/>
             <a:ext cx="300715" cy="166977"/>
           </a:xfrm>
           <a:prstGeom prst="rightArrow">
@@ -16929,7 +19521,7 @@
           </a:lstStyle>
           <a:p>
             <a:pPr algn="ctr"/>
-            <a:endParaRPr lang="fr-FR"/>
+            <a:endParaRPr lang="fr-FR" sz="1400"/>
           </a:p>
         </p:txBody>
       </p:sp>
@@ -16947,8 +19539,8 @@
         </p:nvSpPr>
         <p:spPr>
           <a:xfrm>
-            <a:off x="8428715" y="1708783"/>
-            <a:ext cx="3404298" cy="338554"/>
+            <a:off x="7792021" y="1762112"/>
+            <a:ext cx="3404298" cy="276999"/>
           </a:xfrm>
           <a:prstGeom prst="rect">
             <a:avLst/>
@@ -17056,8 +19648,313 @@
           </a:lstStyle>
           <a:p>
             <a:r>
-              <a:rPr lang="fr-FR" sz="1600" i="1" dirty="0"/>
+              <a:rPr lang="fr-FR" sz="1200" i="1" dirty="0"/>
               <a:t>Rapports textuels et stats xlsx</a:t>
+            </a:r>
+          </a:p>
+        </p:txBody>
+      </p:sp>
+      <p:pic>
+        <p:nvPicPr>
+          <p:cNvPr id="5" name="Image 4">
+            <a:extLst>
+              <a:ext uri="{FF2B5EF4-FFF2-40B4-BE49-F238E27FC236}">
+                <a16:creationId xmlns:a16="http://schemas.microsoft.com/office/drawing/2014/main" id="{3D705C1C-7354-9D99-59D0-F7B8B4774ECF}"/>
+              </a:ext>
+            </a:extLst>
+          </p:cNvPr>
+          <p:cNvPicPr>
+            <a:picLocks noChangeAspect="1"/>
+          </p:cNvPicPr>
+          <p:nvPr/>
+        </p:nvPicPr>
+        <p:blipFill>
+          <a:blip r:embed="rId3"/>
+          <a:stretch>
+            <a:fillRect/>
+          </a:stretch>
+        </p:blipFill>
+        <p:spPr>
+          <a:xfrm>
+            <a:off x="408719" y="970991"/>
+            <a:ext cx="6926696" cy="5846008"/>
+          </a:xfrm>
+          <a:prstGeom prst="rect">
+            <a:avLst/>
+          </a:prstGeom>
+        </p:spPr>
+      </p:pic>
+      <p:sp>
+        <p:nvSpPr>
+          <p:cNvPr id="6" name="Flèche : droite 5">
+            <a:extLst>
+              <a:ext uri="{FF2B5EF4-FFF2-40B4-BE49-F238E27FC236}">
+                <a16:creationId xmlns:a16="http://schemas.microsoft.com/office/drawing/2014/main" id="{267320C9-78AC-F390-E6FE-51C658FA52DF}"/>
+              </a:ext>
+            </a:extLst>
+          </p:cNvPr>
+          <p:cNvSpPr/>
+          <p:nvPr/>
+        </p:nvSpPr>
+        <p:spPr>
+          <a:xfrm>
+            <a:off x="7482194" y="6242396"/>
+            <a:ext cx="300715" cy="166977"/>
+          </a:xfrm>
+          <a:prstGeom prst="rightArrow">
+            <a:avLst/>
+          </a:prstGeom>
+        </p:spPr>
+        <p:style>
+          <a:lnRef idx="1">
+            <a:schemeClr val="accent2"/>
+          </a:lnRef>
+          <a:fillRef idx="2">
+            <a:schemeClr val="accent2"/>
+          </a:fillRef>
+          <a:effectRef idx="1">
+            <a:schemeClr val="accent2"/>
+          </a:effectRef>
+          <a:fontRef idx="minor">
+            <a:schemeClr val="dk1"/>
+          </a:fontRef>
+        </p:style>
+        <p:txBody>
+          <a:bodyPr rtlCol="0" anchor="ctr"/>
+          <a:lstStyle>
+            <a:defPPr>
+              <a:defRPr lang="fr-FR"/>
+            </a:defPPr>
+            <a:lvl1pPr marL="0" algn="l" defTabSz="914400" rtl="0" eaLnBrk="1" latinLnBrk="0" hangingPunct="1">
+              <a:defRPr sz="1800" kern="1200">
+                <a:solidFill>
+                  <a:schemeClr val="dk1"/>
+                </a:solidFill>
+                <a:latin typeface="+mn-lt"/>
+                <a:ea typeface="+mn-ea"/>
+                <a:cs typeface="+mn-cs"/>
+              </a:defRPr>
+            </a:lvl1pPr>
+            <a:lvl2pPr marL="457200" algn="l" defTabSz="914400" rtl="0" eaLnBrk="1" latinLnBrk="0" hangingPunct="1">
+              <a:defRPr sz="1800" kern="1200">
+                <a:solidFill>
+                  <a:schemeClr val="dk1"/>
+                </a:solidFill>
+                <a:latin typeface="+mn-lt"/>
+                <a:ea typeface="+mn-ea"/>
+                <a:cs typeface="+mn-cs"/>
+              </a:defRPr>
+            </a:lvl2pPr>
+            <a:lvl3pPr marL="914400" algn="l" defTabSz="914400" rtl="0" eaLnBrk="1" latinLnBrk="0" hangingPunct="1">
+              <a:defRPr sz="1800" kern="1200">
+                <a:solidFill>
+                  <a:schemeClr val="dk1"/>
+                </a:solidFill>
+                <a:latin typeface="+mn-lt"/>
+                <a:ea typeface="+mn-ea"/>
+                <a:cs typeface="+mn-cs"/>
+              </a:defRPr>
+            </a:lvl3pPr>
+            <a:lvl4pPr marL="1371600" algn="l" defTabSz="914400" rtl="0" eaLnBrk="1" latinLnBrk="0" hangingPunct="1">
+              <a:defRPr sz="1800" kern="1200">
+                <a:solidFill>
+                  <a:schemeClr val="dk1"/>
+                </a:solidFill>
+                <a:latin typeface="+mn-lt"/>
+                <a:ea typeface="+mn-ea"/>
+                <a:cs typeface="+mn-cs"/>
+              </a:defRPr>
+            </a:lvl4pPr>
+            <a:lvl5pPr marL="1828800" algn="l" defTabSz="914400" rtl="0" eaLnBrk="1" latinLnBrk="0" hangingPunct="1">
+              <a:defRPr sz="1800" kern="1200">
+                <a:solidFill>
+                  <a:schemeClr val="dk1"/>
+                </a:solidFill>
+                <a:latin typeface="+mn-lt"/>
+                <a:ea typeface="+mn-ea"/>
+                <a:cs typeface="+mn-cs"/>
+              </a:defRPr>
+            </a:lvl5pPr>
+            <a:lvl6pPr marL="2286000" algn="l" defTabSz="914400" rtl="0" eaLnBrk="1" latinLnBrk="0" hangingPunct="1">
+              <a:defRPr sz="1800" kern="1200">
+                <a:solidFill>
+                  <a:schemeClr val="dk1"/>
+                </a:solidFill>
+                <a:latin typeface="+mn-lt"/>
+                <a:ea typeface="+mn-ea"/>
+                <a:cs typeface="+mn-cs"/>
+              </a:defRPr>
+            </a:lvl6pPr>
+            <a:lvl7pPr marL="2743200" algn="l" defTabSz="914400" rtl="0" eaLnBrk="1" latinLnBrk="0" hangingPunct="1">
+              <a:defRPr sz="1800" kern="1200">
+                <a:solidFill>
+                  <a:schemeClr val="dk1"/>
+                </a:solidFill>
+                <a:latin typeface="+mn-lt"/>
+                <a:ea typeface="+mn-ea"/>
+                <a:cs typeface="+mn-cs"/>
+              </a:defRPr>
+            </a:lvl7pPr>
+            <a:lvl8pPr marL="3200400" algn="l" defTabSz="914400" rtl="0" eaLnBrk="1" latinLnBrk="0" hangingPunct="1">
+              <a:defRPr sz="1800" kern="1200">
+                <a:solidFill>
+                  <a:schemeClr val="dk1"/>
+                </a:solidFill>
+                <a:latin typeface="+mn-lt"/>
+                <a:ea typeface="+mn-ea"/>
+                <a:cs typeface="+mn-cs"/>
+              </a:defRPr>
+            </a:lvl8pPr>
+            <a:lvl9pPr marL="3657600" algn="l" defTabSz="914400" rtl="0" eaLnBrk="1" latinLnBrk="0" hangingPunct="1">
+              <a:defRPr sz="1800" kern="1200">
+                <a:solidFill>
+                  <a:schemeClr val="dk1"/>
+                </a:solidFill>
+                <a:latin typeface="+mn-lt"/>
+                <a:ea typeface="+mn-ea"/>
+                <a:cs typeface="+mn-cs"/>
+              </a:defRPr>
+            </a:lvl9pPr>
+          </a:lstStyle>
+          <a:p>
+            <a:pPr algn="ctr"/>
+            <a:endParaRPr lang="fr-FR" sz="1400"/>
+          </a:p>
+        </p:txBody>
+      </p:sp>
+      <p:sp>
+        <p:nvSpPr>
+          <p:cNvPr id="7" name="ZoneTexte 6">
+            <a:extLst>
+              <a:ext uri="{FF2B5EF4-FFF2-40B4-BE49-F238E27FC236}">
+                <a16:creationId xmlns:a16="http://schemas.microsoft.com/office/drawing/2014/main" id="{A271A078-3844-76E0-2E1C-C4AB34D87066}"/>
+              </a:ext>
+            </a:extLst>
+          </p:cNvPr>
+          <p:cNvSpPr txBox="1"/>
+          <p:nvPr/>
+        </p:nvSpPr>
+        <p:spPr>
+          <a:xfrm>
+            <a:off x="7767207" y="6156608"/>
+            <a:ext cx="3404298" cy="461665"/>
+          </a:xfrm>
+          <a:prstGeom prst="rect">
+            <a:avLst/>
+          </a:prstGeom>
+          <a:noFill/>
+        </p:spPr>
+        <p:txBody>
+          <a:bodyPr wrap="square" rtlCol="0">
+            <a:spAutoFit/>
+          </a:bodyPr>
+          <a:lstStyle>
+            <a:defPPr>
+              <a:defRPr lang="fr-FR"/>
+            </a:defPPr>
+            <a:lvl1pPr marL="0" algn="l" defTabSz="914400" rtl="0" eaLnBrk="1" latinLnBrk="0" hangingPunct="1">
+              <a:defRPr sz="1800" kern="1200">
+                <a:solidFill>
+                  <a:schemeClr val="tx1"/>
+                </a:solidFill>
+                <a:latin typeface="+mn-lt"/>
+                <a:ea typeface="+mn-ea"/>
+                <a:cs typeface="+mn-cs"/>
+              </a:defRPr>
+            </a:lvl1pPr>
+            <a:lvl2pPr marL="457200" algn="l" defTabSz="914400" rtl="0" eaLnBrk="1" latinLnBrk="0" hangingPunct="1">
+              <a:defRPr sz="1800" kern="1200">
+                <a:solidFill>
+                  <a:schemeClr val="tx1"/>
+                </a:solidFill>
+                <a:latin typeface="+mn-lt"/>
+                <a:ea typeface="+mn-ea"/>
+                <a:cs typeface="+mn-cs"/>
+              </a:defRPr>
+            </a:lvl2pPr>
+            <a:lvl3pPr marL="914400" algn="l" defTabSz="914400" rtl="0" eaLnBrk="1" latinLnBrk="0" hangingPunct="1">
+              <a:defRPr sz="1800" kern="1200">
+                <a:solidFill>
+                  <a:schemeClr val="tx1"/>
+                </a:solidFill>
+                <a:latin typeface="+mn-lt"/>
+                <a:ea typeface="+mn-ea"/>
+                <a:cs typeface="+mn-cs"/>
+              </a:defRPr>
+            </a:lvl3pPr>
+            <a:lvl4pPr marL="1371600" algn="l" defTabSz="914400" rtl="0" eaLnBrk="1" latinLnBrk="0" hangingPunct="1">
+              <a:defRPr sz="1800" kern="1200">
+                <a:solidFill>
+                  <a:schemeClr val="tx1"/>
+                </a:solidFill>
+                <a:latin typeface="+mn-lt"/>
+                <a:ea typeface="+mn-ea"/>
+                <a:cs typeface="+mn-cs"/>
+              </a:defRPr>
+            </a:lvl4pPr>
+            <a:lvl5pPr marL="1828800" algn="l" defTabSz="914400" rtl="0" eaLnBrk="1" latinLnBrk="0" hangingPunct="1">
+              <a:defRPr sz="1800" kern="1200">
+                <a:solidFill>
+                  <a:schemeClr val="tx1"/>
+                </a:solidFill>
+                <a:latin typeface="+mn-lt"/>
+                <a:ea typeface="+mn-ea"/>
+                <a:cs typeface="+mn-cs"/>
+              </a:defRPr>
+            </a:lvl5pPr>
+            <a:lvl6pPr marL="2286000" algn="l" defTabSz="914400" rtl="0" eaLnBrk="1" latinLnBrk="0" hangingPunct="1">
+              <a:defRPr sz="1800" kern="1200">
+                <a:solidFill>
+                  <a:schemeClr val="tx1"/>
+                </a:solidFill>
+                <a:latin typeface="+mn-lt"/>
+                <a:ea typeface="+mn-ea"/>
+                <a:cs typeface="+mn-cs"/>
+              </a:defRPr>
+            </a:lvl6pPr>
+            <a:lvl7pPr marL="2743200" algn="l" defTabSz="914400" rtl="0" eaLnBrk="1" latinLnBrk="0" hangingPunct="1">
+              <a:defRPr sz="1800" kern="1200">
+                <a:solidFill>
+                  <a:schemeClr val="tx1"/>
+                </a:solidFill>
+                <a:latin typeface="+mn-lt"/>
+                <a:ea typeface="+mn-ea"/>
+                <a:cs typeface="+mn-cs"/>
+              </a:defRPr>
+            </a:lvl7pPr>
+            <a:lvl8pPr marL="3200400" algn="l" defTabSz="914400" rtl="0" eaLnBrk="1" latinLnBrk="0" hangingPunct="1">
+              <a:defRPr sz="1800" kern="1200">
+                <a:solidFill>
+                  <a:schemeClr val="tx1"/>
+                </a:solidFill>
+                <a:latin typeface="+mn-lt"/>
+                <a:ea typeface="+mn-ea"/>
+                <a:cs typeface="+mn-cs"/>
+              </a:defRPr>
+            </a:lvl8pPr>
+            <a:lvl9pPr marL="3657600" algn="l" defTabSz="914400" rtl="0" eaLnBrk="1" latinLnBrk="0" hangingPunct="1">
+              <a:defRPr sz="1800" kern="1200">
+                <a:solidFill>
+                  <a:schemeClr val="tx1"/>
+                </a:solidFill>
+                <a:latin typeface="+mn-lt"/>
+                <a:ea typeface="+mn-ea"/>
+                <a:cs typeface="+mn-cs"/>
+              </a:defRPr>
+            </a:lvl9pPr>
+          </a:lstStyle>
+          <a:p>
+            <a:r>
+              <a:rPr lang="fr-FR" sz="1200" i="1" dirty="0"/>
+              <a:t>requirements.txt (</a:t>
+            </a:r>
+            <a:r>
+              <a:rPr lang="fr-FR" sz="1200" i="1" dirty="0" err="1"/>
+              <a:t>mistralai</a:t>
+            </a:r>
+            <a:r>
+              <a:rPr lang="fr-FR" sz="1200" i="1" dirty="0"/>
+              <a:t> 1.10.0, compatible RAGAS 0.4.1) </a:t>
             </a:r>
           </a:p>
         </p:txBody>
@@ -17464,14 +20361,14 @@
             <p:ph idx="1"/>
             <p:extLst>
               <p:ext uri="{D42A27DB-BD31-4B8C-83A1-F6EECF244321}">
-                <p14:modId xmlns:p14="http://schemas.microsoft.com/office/powerpoint/2010/main" val="3744138094"/>
+                <p14:modId xmlns:p14="http://schemas.microsoft.com/office/powerpoint/2010/main" val="1438311146"/>
               </p:ext>
             </p:extLst>
           </p:nvPr>
         </p:nvGraphicFramePr>
         <p:xfrm>
-          <a:off x="644056" y="2615979"/>
-          <a:ext cx="4754291" cy="3689405"/>
+          <a:off x="439894" y="2609205"/>
+          <a:ext cx="5079411" cy="3689405"/>
         </p:xfrm>
         <a:graphic>
           <a:graphicData uri="http://schemas.openxmlformats.org/drawingml/2006/diagram">
@@ -17666,7 +20563,7 @@
           <p:nvPr>
             <p:extLst>
               <p:ext uri="{D42A27DB-BD31-4B8C-83A1-F6EECF244321}">
-                <p14:modId xmlns:p14="http://schemas.microsoft.com/office/powerpoint/2010/main" val="3524533926"/>
+                <p14:modId xmlns:p14="http://schemas.microsoft.com/office/powerpoint/2010/main" val="596149830"/>
               </p:ext>
             </p:extLst>
           </p:nvPr>
@@ -18045,7 +20942,7 @@
         </p:nvSpPr>
         <p:spPr>
           <a:xfrm>
-            <a:off x="1371597" y="348865"/>
+            <a:off x="1356729" y="349112"/>
             <a:ext cx="10044023" cy="877729"/>
           </a:xfrm>
         </p:spPr>
@@ -18078,7 +20975,13 @@
           <p:cNvGraphicFramePr>
             <a:graphicFrameLocks/>
           </p:cNvGraphicFramePr>
-          <p:nvPr/>
+          <p:nvPr>
+            <p:extLst>
+              <p:ext uri="{D42A27DB-BD31-4B8C-83A1-F6EECF244321}">
+                <p14:modId xmlns:p14="http://schemas.microsoft.com/office/powerpoint/2010/main" val="3453776401"/>
+              </p:ext>
+            </p:extLst>
+          </p:nvPr>
         </p:nvGraphicFramePr>
         <p:xfrm>
           <a:off x="644056" y="2112579"/>
@@ -18086,7 +20989,7 @@
         </p:xfrm>
         <a:graphic>
           <a:graphicData uri="http://schemas.openxmlformats.org/drawingml/2006/diagram">
-            <dgm:relIds xmlns:dgm="http://schemas.openxmlformats.org/drawingml/2006/diagram" xmlns:r="http://schemas.openxmlformats.org/officeDocument/2006/relationships" r:dm="rId2" r:lo="rId3" r:qs="rId4" r:cs="rId5"/>
+            <dgm:relIds xmlns:dgm="http://schemas.openxmlformats.org/drawingml/2006/diagram" xmlns:r="http://schemas.openxmlformats.org/officeDocument/2006/relationships" r:dm="rId3" r:lo="rId4" r:qs="rId5" r:cs="rId6"/>
           </a:graphicData>
         </a:graphic>
       </p:graphicFrame>
@@ -18104,6 +21007,1024 @@
 </file>
 
 <file path=ppt/slides/slide6.xml><?xml version="1.0" encoding="utf-8"?>
+<p:sld xmlns:a="http://schemas.openxmlformats.org/drawingml/2006/main" xmlns:r="http://schemas.openxmlformats.org/officeDocument/2006/relationships" xmlns:p="http://schemas.openxmlformats.org/presentationml/2006/main">
+  <p:cSld>
+    <p:spTree>
+      <p:nvGrpSpPr>
+        <p:cNvPr id="1" name="">
+          <a:extLst>
+            <a:ext uri="{FF2B5EF4-FFF2-40B4-BE49-F238E27FC236}">
+              <a16:creationId xmlns:a16="http://schemas.microsoft.com/office/drawing/2014/main" id="{D70F032F-E8B9-2C08-68F1-2AC82B3966F2}"/>
+            </a:ext>
+          </a:extLst>
+        </p:cNvPr>
+        <p:cNvGrpSpPr/>
+        <p:nvPr/>
+      </p:nvGrpSpPr>
+      <p:grpSpPr>
+        <a:xfrm>
+          <a:off x="0" y="0"/>
+          <a:ext cx="0" cy="0"/>
+          <a:chOff x="0" y="0"/>
+          <a:chExt cx="0" cy="0"/>
+        </a:xfrm>
+      </p:grpSpPr>
+      <p:sp>
+        <p:nvSpPr>
+          <p:cNvPr id="6" name="Titre 5">
+            <a:extLst>
+              <a:ext uri="{FF2B5EF4-FFF2-40B4-BE49-F238E27FC236}">
+                <a16:creationId xmlns:a16="http://schemas.microsoft.com/office/drawing/2014/main" id="{04798838-3B2B-00C1-F762-8538A3E47A82}"/>
+              </a:ext>
+            </a:extLst>
+          </p:cNvPr>
+          <p:cNvSpPr>
+            <a:spLocks noGrp="1"/>
+          </p:cNvSpPr>
+          <p:nvPr>
+            <p:ph type="title"/>
+          </p:nvPr>
+        </p:nvSpPr>
+        <p:spPr>
+          <a:xfrm>
+            <a:off x="1371597" y="348865"/>
+            <a:ext cx="10044023" cy="877729"/>
+          </a:xfrm>
+        </p:spPr>
+        <p:txBody>
+          <a:bodyPr anchor="ctr">
+            <a:normAutofit/>
+          </a:bodyPr>
+          <a:lstStyle/>
+          <a:p>
+            <a:r>
+              <a:rPr lang="fr-FR" sz="4000" dirty="0"/>
+              <a:t>Evaluation du modèle</a:t>
+            </a:r>
+          </a:p>
+        </p:txBody>
+      </p:sp>
+      <p:sp>
+        <p:nvSpPr>
+          <p:cNvPr id="3" name="ZoneTexte 2">
+            <a:extLst>
+              <a:ext uri="{FF2B5EF4-FFF2-40B4-BE49-F238E27FC236}">
+                <a16:creationId xmlns:a16="http://schemas.microsoft.com/office/drawing/2014/main" id="{C6963F00-B42E-CADC-9CCB-D8D3B00805B5}"/>
+              </a:ext>
+            </a:extLst>
+          </p:cNvPr>
+          <p:cNvSpPr txBox="1"/>
+          <p:nvPr/>
+        </p:nvSpPr>
+        <p:spPr>
+          <a:xfrm>
+            <a:off x="233681" y="1522824"/>
+            <a:ext cx="5973832" cy="4939814"/>
+          </a:xfrm>
+          <a:prstGeom prst="rect">
+            <a:avLst/>
+          </a:prstGeom>
+          <a:noFill/>
+        </p:spPr>
+        <p:txBody>
+          <a:bodyPr wrap="square">
+            <a:spAutoFit/>
+          </a:bodyPr>
+          <a:lstStyle/>
+          <a:p>
+            <a:pPr>
+              <a:lnSpc>
+                <a:spcPts val="1425"/>
+              </a:lnSpc>
+              <a:buNone/>
+            </a:pPr>
+            <a:r>
+              <a:rPr lang="fr-FR" sz="1050" b="0" dirty="0">
+                <a:solidFill>
+                  <a:srgbClr val="000000"/>
+                </a:solidFill>
+                <a:effectLst/>
+                <a:latin typeface="Consolas" panose="020B0609020204030204" pitchFamily="49" charset="0"/>
+              </a:rPr>
+              <a:t>[</a:t>
+            </a:r>
+          </a:p>
+          <a:p>
+            <a:pPr>
+              <a:lnSpc>
+                <a:spcPts val="1425"/>
+              </a:lnSpc>
+              <a:buNone/>
+            </a:pPr>
+            <a:r>
+              <a:rPr lang="fr-FR" sz="1050" b="0" dirty="0">
+                <a:solidFill>
+                  <a:srgbClr val="000000"/>
+                </a:solidFill>
+                <a:effectLst/>
+                <a:latin typeface="Consolas" panose="020B0609020204030204" pitchFamily="49" charset="0"/>
+              </a:rPr>
+              <a:t>  {</a:t>
+            </a:r>
+          </a:p>
+          <a:p>
+            <a:pPr>
+              <a:lnSpc>
+                <a:spcPts val="1425"/>
+              </a:lnSpc>
+              <a:buNone/>
+            </a:pPr>
+            <a:r>
+              <a:rPr lang="fr-FR" sz="1050" b="0" dirty="0">
+                <a:solidFill>
+                  <a:srgbClr val="000000"/>
+                </a:solidFill>
+                <a:effectLst/>
+                <a:latin typeface="Consolas" panose="020B0609020204030204" pitchFamily="49" charset="0"/>
+              </a:rPr>
+              <a:t>    </a:t>
+            </a:r>
+            <a:r>
+              <a:rPr lang="fr-FR" sz="1050" b="0" dirty="0">
+                <a:solidFill>
+                  <a:srgbClr val="0451A5"/>
+                </a:solidFill>
+                <a:effectLst/>
+                <a:latin typeface="Consolas" panose="020B0609020204030204" pitchFamily="49" charset="0"/>
+              </a:rPr>
+              <a:t>"question"</a:t>
+            </a:r>
+            <a:r>
+              <a:rPr lang="fr-FR" sz="1050" b="0" dirty="0">
+                <a:solidFill>
+                  <a:srgbClr val="000000"/>
+                </a:solidFill>
+                <a:effectLst/>
+                <a:latin typeface="Consolas" panose="020B0609020204030204" pitchFamily="49" charset="0"/>
+              </a:rPr>
+              <a:t>: </a:t>
+            </a:r>
+            <a:r>
+              <a:rPr lang="fr-FR" sz="1050" b="0" dirty="0">
+                <a:solidFill>
+                  <a:srgbClr val="A31515"/>
+                </a:solidFill>
+                <a:effectLst/>
+                <a:latin typeface="Consolas" panose="020B0609020204030204" pitchFamily="49" charset="0"/>
+              </a:rPr>
+              <a:t>"Qui est le meilleur marqueur de la saison en nombre de points total et quel est son score ?"</a:t>
+            </a:r>
+            <a:r>
+              <a:rPr lang="fr-FR" sz="1050" b="0" dirty="0">
+                <a:solidFill>
+                  <a:srgbClr val="000000"/>
+                </a:solidFill>
+                <a:effectLst/>
+                <a:latin typeface="Consolas" panose="020B0609020204030204" pitchFamily="49" charset="0"/>
+              </a:rPr>
+              <a:t>,</a:t>
+            </a:r>
+          </a:p>
+          <a:p>
+            <a:pPr>
+              <a:lnSpc>
+                <a:spcPts val="1425"/>
+              </a:lnSpc>
+              <a:buNone/>
+            </a:pPr>
+            <a:r>
+              <a:rPr lang="fr-FR" sz="1050" b="0" dirty="0">
+                <a:solidFill>
+                  <a:srgbClr val="000000"/>
+                </a:solidFill>
+                <a:effectLst/>
+                <a:latin typeface="Consolas" panose="020B0609020204030204" pitchFamily="49" charset="0"/>
+              </a:rPr>
+              <a:t>    </a:t>
+            </a:r>
+            <a:r>
+              <a:rPr lang="fr-FR" sz="1050" b="0" dirty="0">
+                <a:solidFill>
+                  <a:srgbClr val="0451A5"/>
+                </a:solidFill>
+                <a:effectLst/>
+                <a:latin typeface="Consolas" panose="020B0609020204030204" pitchFamily="49" charset="0"/>
+              </a:rPr>
+              <a:t>"</a:t>
+            </a:r>
+            <a:r>
+              <a:rPr lang="fr-FR" sz="1050" b="0" dirty="0" err="1">
+                <a:solidFill>
+                  <a:srgbClr val="0451A5"/>
+                </a:solidFill>
+                <a:effectLst/>
+                <a:latin typeface="Consolas" panose="020B0609020204030204" pitchFamily="49" charset="0"/>
+              </a:rPr>
+              <a:t>ground_truths</a:t>
+            </a:r>
+            <a:r>
+              <a:rPr lang="fr-FR" sz="1050" b="0" dirty="0">
+                <a:solidFill>
+                  <a:srgbClr val="0451A5"/>
+                </a:solidFill>
+                <a:effectLst/>
+                <a:latin typeface="Consolas" panose="020B0609020204030204" pitchFamily="49" charset="0"/>
+              </a:rPr>
+              <a:t>"</a:t>
+            </a:r>
+            <a:r>
+              <a:rPr lang="fr-FR" sz="1050" b="0" dirty="0">
+                <a:solidFill>
+                  <a:srgbClr val="000000"/>
+                </a:solidFill>
+                <a:effectLst/>
+                <a:latin typeface="Consolas" panose="020B0609020204030204" pitchFamily="49" charset="0"/>
+              </a:rPr>
+              <a:t>: [</a:t>
+            </a:r>
+            <a:r>
+              <a:rPr lang="fr-FR" sz="1050" b="0" dirty="0">
+                <a:solidFill>
+                  <a:srgbClr val="A31515"/>
+                </a:solidFill>
+                <a:effectLst/>
+                <a:latin typeface="Consolas" panose="020B0609020204030204" pitchFamily="49" charset="0"/>
+              </a:rPr>
+              <a:t>"</a:t>
+            </a:r>
+            <a:r>
+              <a:rPr lang="fr-FR" sz="1050" b="0" dirty="0" err="1">
+                <a:solidFill>
+                  <a:srgbClr val="A31515"/>
+                </a:solidFill>
+                <a:effectLst/>
+                <a:latin typeface="Consolas" panose="020B0609020204030204" pitchFamily="49" charset="0"/>
+              </a:rPr>
+              <a:t>Shai</a:t>
+            </a:r>
+            <a:r>
+              <a:rPr lang="fr-FR" sz="1050" b="0" dirty="0">
+                <a:solidFill>
+                  <a:srgbClr val="A31515"/>
+                </a:solidFill>
+                <a:effectLst/>
+                <a:latin typeface="Consolas" panose="020B0609020204030204" pitchFamily="49" charset="0"/>
+              </a:rPr>
+              <a:t> </a:t>
+            </a:r>
+            <a:r>
+              <a:rPr lang="fr-FR" sz="1050" b="0" dirty="0" err="1">
+                <a:solidFill>
+                  <a:srgbClr val="A31515"/>
+                </a:solidFill>
+                <a:effectLst/>
+                <a:latin typeface="Consolas" panose="020B0609020204030204" pitchFamily="49" charset="0"/>
+              </a:rPr>
+              <a:t>Gilgeous</a:t>
+            </a:r>
+            <a:r>
+              <a:rPr lang="fr-FR" sz="1050" b="0" dirty="0">
+                <a:solidFill>
+                  <a:srgbClr val="A31515"/>
+                </a:solidFill>
+                <a:effectLst/>
+                <a:latin typeface="Consolas" panose="020B0609020204030204" pitchFamily="49" charset="0"/>
+              </a:rPr>
+              <a:t>-Alexander est le meilleur marqueur avec un total de 2485 points."</a:t>
+            </a:r>
+            <a:r>
+              <a:rPr lang="fr-FR" sz="1050" b="0" dirty="0">
+                <a:solidFill>
+                  <a:srgbClr val="000000"/>
+                </a:solidFill>
+                <a:effectLst/>
+                <a:latin typeface="Consolas" panose="020B0609020204030204" pitchFamily="49" charset="0"/>
+              </a:rPr>
+              <a:t>]</a:t>
+            </a:r>
+          </a:p>
+          <a:p>
+            <a:pPr>
+              <a:lnSpc>
+                <a:spcPts val="1425"/>
+              </a:lnSpc>
+              <a:buNone/>
+            </a:pPr>
+            <a:r>
+              <a:rPr lang="fr-FR" sz="1050" b="0" dirty="0">
+                <a:solidFill>
+                  <a:srgbClr val="000000"/>
+                </a:solidFill>
+                <a:effectLst/>
+                <a:latin typeface="Consolas" panose="020B0609020204030204" pitchFamily="49" charset="0"/>
+              </a:rPr>
+              <a:t>  },</a:t>
+            </a:r>
+          </a:p>
+          <a:p>
+            <a:pPr>
+              <a:lnSpc>
+                <a:spcPts val="1425"/>
+              </a:lnSpc>
+              <a:buNone/>
+            </a:pPr>
+            <a:r>
+              <a:rPr lang="fr-FR" sz="1050" b="0" dirty="0">
+                <a:solidFill>
+                  <a:srgbClr val="000000"/>
+                </a:solidFill>
+                <a:effectLst/>
+                <a:latin typeface="Consolas" panose="020B0609020204030204" pitchFamily="49" charset="0"/>
+              </a:rPr>
+              <a:t>  {</a:t>
+            </a:r>
+          </a:p>
+          <a:p>
+            <a:pPr>
+              <a:lnSpc>
+                <a:spcPts val="1425"/>
+              </a:lnSpc>
+              <a:buNone/>
+            </a:pPr>
+            <a:r>
+              <a:rPr lang="fr-FR" sz="1050" b="0" dirty="0">
+                <a:solidFill>
+                  <a:srgbClr val="000000"/>
+                </a:solidFill>
+                <a:effectLst/>
+                <a:latin typeface="Consolas" panose="020B0609020204030204" pitchFamily="49" charset="0"/>
+              </a:rPr>
+              <a:t>    </a:t>
+            </a:r>
+            <a:r>
+              <a:rPr lang="fr-FR" sz="1050" b="0" dirty="0">
+                <a:solidFill>
+                  <a:srgbClr val="0451A5"/>
+                </a:solidFill>
+                <a:effectLst/>
+                <a:latin typeface="Consolas" panose="020B0609020204030204" pitchFamily="49" charset="0"/>
+              </a:rPr>
+              <a:t>"question"</a:t>
+            </a:r>
+            <a:r>
+              <a:rPr lang="fr-FR" sz="1050" b="0" dirty="0">
+                <a:solidFill>
+                  <a:srgbClr val="000000"/>
+                </a:solidFill>
+                <a:effectLst/>
+                <a:latin typeface="Consolas" panose="020B0609020204030204" pitchFamily="49" charset="0"/>
+              </a:rPr>
+              <a:t>: </a:t>
+            </a:r>
+            <a:r>
+              <a:rPr lang="fr-FR" sz="1050" b="0" dirty="0">
+                <a:solidFill>
+                  <a:srgbClr val="A31515"/>
+                </a:solidFill>
+                <a:effectLst/>
+                <a:latin typeface="Consolas" panose="020B0609020204030204" pitchFamily="49" charset="0"/>
+              </a:rPr>
+              <a:t>"Quelle équipe possède le plus grand nombre total de points marqués sur la saison ?"</a:t>
+            </a:r>
+            <a:r>
+              <a:rPr lang="fr-FR" sz="1050" b="0" dirty="0">
+                <a:solidFill>
+                  <a:srgbClr val="000000"/>
+                </a:solidFill>
+                <a:effectLst/>
+                <a:latin typeface="Consolas" panose="020B0609020204030204" pitchFamily="49" charset="0"/>
+              </a:rPr>
+              <a:t>,</a:t>
+            </a:r>
+          </a:p>
+          <a:p>
+            <a:pPr>
+              <a:lnSpc>
+                <a:spcPts val="1425"/>
+              </a:lnSpc>
+              <a:buNone/>
+            </a:pPr>
+            <a:r>
+              <a:rPr lang="fr-FR" sz="1050" b="0" dirty="0">
+                <a:solidFill>
+                  <a:srgbClr val="000000"/>
+                </a:solidFill>
+                <a:effectLst/>
+                <a:latin typeface="Consolas" panose="020B0609020204030204" pitchFamily="49" charset="0"/>
+              </a:rPr>
+              <a:t>    </a:t>
+            </a:r>
+            <a:r>
+              <a:rPr lang="fr-FR" sz="1050" b="0" dirty="0">
+                <a:solidFill>
+                  <a:srgbClr val="0451A5"/>
+                </a:solidFill>
+                <a:effectLst/>
+                <a:latin typeface="Consolas" panose="020B0609020204030204" pitchFamily="49" charset="0"/>
+              </a:rPr>
+              <a:t>"</a:t>
+            </a:r>
+            <a:r>
+              <a:rPr lang="fr-FR" sz="1050" b="0" dirty="0" err="1">
+                <a:solidFill>
+                  <a:srgbClr val="0451A5"/>
+                </a:solidFill>
+                <a:effectLst/>
+                <a:latin typeface="Consolas" panose="020B0609020204030204" pitchFamily="49" charset="0"/>
+              </a:rPr>
+              <a:t>ground_truths</a:t>
+            </a:r>
+            <a:r>
+              <a:rPr lang="fr-FR" sz="1050" b="0" dirty="0">
+                <a:solidFill>
+                  <a:srgbClr val="0451A5"/>
+                </a:solidFill>
+                <a:effectLst/>
+                <a:latin typeface="Consolas" panose="020B0609020204030204" pitchFamily="49" charset="0"/>
+              </a:rPr>
+              <a:t>"</a:t>
+            </a:r>
+            <a:r>
+              <a:rPr lang="fr-FR" sz="1050" b="0" dirty="0">
+                <a:solidFill>
+                  <a:srgbClr val="000000"/>
+                </a:solidFill>
+                <a:effectLst/>
+                <a:latin typeface="Consolas" panose="020B0609020204030204" pitchFamily="49" charset="0"/>
+              </a:rPr>
+              <a:t>: [</a:t>
+            </a:r>
+            <a:r>
+              <a:rPr lang="fr-FR" sz="1050" b="0" dirty="0">
+                <a:solidFill>
+                  <a:srgbClr val="A31515"/>
+                </a:solidFill>
+                <a:effectLst/>
+                <a:latin typeface="Consolas" panose="020B0609020204030204" pitchFamily="49" charset="0"/>
+              </a:rPr>
+              <a:t>"Les Detroit Pistons (DET) possèdent le plus grand nombre de points total avec 10292 points."</a:t>
+            </a:r>
+            <a:r>
+              <a:rPr lang="fr-FR" sz="1050" b="0" dirty="0">
+                <a:solidFill>
+                  <a:srgbClr val="000000"/>
+                </a:solidFill>
+                <a:effectLst/>
+                <a:latin typeface="Consolas" panose="020B0609020204030204" pitchFamily="49" charset="0"/>
+              </a:rPr>
+              <a:t>]</a:t>
+            </a:r>
+          </a:p>
+          <a:p>
+            <a:pPr>
+              <a:lnSpc>
+                <a:spcPts val="1425"/>
+              </a:lnSpc>
+              <a:buNone/>
+            </a:pPr>
+            <a:r>
+              <a:rPr lang="fr-FR" sz="1050" b="0" dirty="0">
+                <a:solidFill>
+                  <a:srgbClr val="000000"/>
+                </a:solidFill>
+                <a:effectLst/>
+                <a:latin typeface="Consolas" panose="020B0609020204030204" pitchFamily="49" charset="0"/>
+              </a:rPr>
+              <a:t>  },</a:t>
+            </a:r>
+          </a:p>
+          <a:p>
+            <a:pPr>
+              <a:lnSpc>
+                <a:spcPts val="1425"/>
+              </a:lnSpc>
+              <a:buNone/>
+            </a:pPr>
+            <a:r>
+              <a:rPr lang="fr-FR" sz="1050" b="0" dirty="0">
+                <a:solidFill>
+                  <a:srgbClr val="000000"/>
+                </a:solidFill>
+                <a:effectLst/>
+                <a:latin typeface="Consolas" panose="020B0609020204030204" pitchFamily="49" charset="0"/>
+              </a:rPr>
+              <a:t>  {</a:t>
+            </a:r>
+          </a:p>
+          <a:p>
+            <a:pPr>
+              <a:lnSpc>
+                <a:spcPts val="1425"/>
+              </a:lnSpc>
+              <a:buNone/>
+            </a:pPr>
+            <a:r>
+              <a:rPr lang="fr-FR" sz="1050" b="0" dirty="0">
+                <a:solidFill>
+                  <a:srgbClr val="000000"/>
+                </a:solidFill>
+                <a:effectLst/>
+                <a:latin typeface="Consolas" panose="020B0609020204030204" pitchFamily="49" charset="0"/>
+              </a:rPr>
+              <a:t>    </a:t>
+            </a:r>
+            <a:r>
+              <a:rPr lang="fr-FR" sz="1050" b="0" dirty="0">
+                <a:solidFill>
+                  <a:srgbClr val="0451A5"/>
+                </a:solidFill>
+                <a:effectLst/>
+                <a:latin typeface="Consolas" panose="020B0609020204030204" pitchFamily="49" charset="0"/>
+              </a:rPr>
+              <a:t>"question"</a:t>
+            </a:r>
+            <a:r>
+              <a:rPr lang="fr-FR" sz="1050" b="0" dirty="0">
+                <a:solidFill>
+                  <a:srgbClr val="000000"/>
+                </a:solidFill>
+                <a:effectLst/>
+                <a:latin typeface="Consolas" panose="020B0609020204030204" pitchFamily="49" charset="0"/>
+              </a:rPr>
+              <a:t>: </a:t>
+            </a:r>
+            <a:r>
+              <a:rPr lang="fr-FR" sz="1050" b="0" dirty="0">
+                <a:solidFill>
+                  <a:srgbClr val="A31515"/>
+                </a:solidFill>
+                <a:effectLst/>
+                <a:latin typeface="Consolas" panose="020B0609020204030204" pitchFamily="49" charset="0"/>
+              </a:rPr>
+              <a:t>"Quel est le pourcentage de réussite aux tirs et l'impacts de Nikola </a:t>
+            </a:r>
+            <a:r>
+              <a:rPr lang="fr-FR" sz="1050" b="0" dirty="0" err="1">
+                <a:solidFill>
+                  <a:srgbClr val="A31515"/>
+                </a:solidFill>
+                <a:effectLst/>
+                <a:latin typeface="Consolas" panose="020B0609020204030204" pitchFamily="49" charset="0"/>
+              </a:rPr>
+              <a:t>Jokić</a:t>
+            </a:r>
+            <a:r>
+              <a:rPr lang="fr-FR" sz="1050" b="0" dirty="0">
+                <a:solidFill>
+                  <a:srgbClr val="A31515"/>
+                </a:solidFill>
+                <a:effectLst/>
+                <a:latin typeface="Consolas" panose="020B0609020204030204" pitchFamily="49" charset="0"/>
+              </a:rPr>
+              <a:t> ?"</a:t>
+            </a:r>
+            <a:r>
+              <a:rPr lang="fr-FR" sz="1050" b="0" dirty="0">
+                <a:solidFill>
+                  <a:srgbClr val="000000"/>
+                </a:solidFill>
+                <a:effectLst/>
+                <a:latin typeface="Consolas" panose="020B0609020204030204" pitchFamily="49" charset="0"/>
+              </a:rPr>
+              <a:t>,</a:t>
+            </a:r>
+          </a:p>
+          <a:p>
+            <a:pPr>
+              <a:lnSpc>
+                <a:spcPts val="1425"/>
+              </a:lnSpc>
+              <a:buNone/>
+            </a:pPr>
+            <a:r>
+              <a:rPr lang="fr-FR" sz="1050" b="0" dirty="0">
+                <a:solidFill>
+                  <a:srgbClr val="000000"/>
+                </a:solidFill>
+                <a:effectLst/>
+                <a:latin typeface="Consolas" panose="020B0609020204030204" pitchFamily="49" charset="0"/>
+              </a:rPr>
+              <a:t>    </a:t>
+            </a:r>
+            <a:r>
+              <a:rPr lang="fr-FR" sz="1050" b="0" dirty="0">
+                <a:solidFill>
+                  <a:srgbClr val="0451A5"/>
+                </a:solidFill>
+                <a:effectLst/>
+                <a:latin typeface="Consolas" panose="020B0609020204030204" pitchFamily="49" charset="0"/>
+              </a:rPr>
+              <a:t>"</a:t>
+            </a:r>
+            <a:r>
+              <a:rPr lang="fr-FR" sz="1050" b="0" dirty="0" err="1">
+                <a:solidFill>
+                  <a:srgbClr val="0451A5"/>
+                </a:solidFill>
+                <a:effectLst/>
+                <a:latin typeface="Consolas" panose="020B0609020204030204" pitchFamily="49" charset="0"/>
+              </a:rPr>
+              <a:t>ground_truths</a:t>
+            </a:r>
+            <a:r>
+              <a:rPr lang="fr-FR" sz="1050" b="0" dirty="0">
+                <a:solidFill>
+                  <a:srgbClr val="0451A5"/>
+                </a:solidFill>
+                <a:effectLst/>
+                <a:latin typeface="Consolas" panose="020B0609020204030204" pitchFamily="49" charset="0"/>
+              </a:rPr>
+              <a:t>"</a:t>
+            </a:r>
+            <a:r>
+              <a:rPr lang="fr-FR" sz="1050" b="0" dirty="0">
+                <a:solidFill>
+                  <a:srgbClr val="000000"/>
+                </a:solidFill>
+                <a:effectLst/>
+                <a:latin typeface="Consolas" panose="020B0609020204030204" pitchFamily="49" charset="0"/>
+              </a:rPr>
+              <a:t>: [</a:t>
+            </a:r>
+            <a:r>
+              <a:rPr lang="fr-FR" sz="1050" b="0" dirty="0">
+                <a:solidFill>
+                  <a:srgbClr val="A31515"/>
+                </a:solidFill>
+                <a:effectLst/>
+                <a:latin typeface="Consolas" panose="020B0609020204030204" pitchFamily="49" charset="0"/>
+              </a:rPr>
+              <a:t>"Nikola </a:t>
+            </a:r>
+            <a:r>
+              <a:rPr lang="fr-FR" sz="1050" b="0" dirty="0" err="1">
+                <a:solidFill>
+                  <a:srgbClr val="A31515"/>
+                </a:solidFill>
+                <a:effectLst/>
+                <a:latin typeface="Consolas" panose="020B0609020204030204" pitchFamily="49" charset="0"/>
+              </a:rPr>
+              <a:t>Jokić</a:t>
+            </a:r>
+            <a:r>
+              <a:rPr lang="fr-FR" sz="1050" b="0" dirty="0">
+                <a:solidFill>
+                  <a:srgbClr val="A31515"/>
+                </a:solidFill>
+                <a:effectLst/>
+                <a:latin typeface="Consolas" panose="020B0609020204030204" pitchFamily="49" charset="0"/>
+              </a:rPr>
+              <a:t> a un pourcentage de réussite aux tirs de 57.6% et une estimation d'impact (PIE) de 20.6."</a:t>
+            </a:r>
+            <a:r>
+              <a:rPr lang="fr-FR" sz="1050" b="0" dirty="0">
+                <a:solidFill>
+                  <a:srgbClr val="000000"/>
+                </a:solidFill>
+                <a:effectLst/>
+                <a:latin typeface="Consolas" panose="020B0609020204030204" pitchFamily="49" charset="0"/>
+              </a:rPr>
+              <a:t>]</a:t>
+            </a:r>
+          </a:p>
+          <a:p>
+            <a:pPr>
+              <a:lnSpc>
+                <a:spcPts val="1425"/>
+              </a:lnSpc>
+              <a:buNone/>
+            </a:pPr>
+            <a:r>
+              <a:rPr lang="fr-FR" sz="1050" b="0" dirty="0">
+                <a:solidFill>
+                  <a:srgbClr val="000000"/>
+                </a:solidFill>
+                <a:effectLst/>
+                <a:latin typeface="Consolas" panose="020B0609020204030204" pitchFamily="49" charset="0"/>
+              </a:rPr>
+              <a:t>  },</a:t>
+            </a:r>
+          </a:p>
+          <a:p>
+            <a:pPr>
+              <a:lnSpc>
+                <a:spcPts val="1425"/>
+              </a:lnSpc>
+              <a:buNone/>
+            </a:pPr>
+            <a:r>
+              <a:rPr lang="fr-FR" sz="1050" b="0" dirty="0">
+                <a:solidFill>
+                  <a:srgbClr val="000000"/>
+                </a:solidFill>
+                <a:effectLst/>
+                <a:latin typeface="Consolas" panose="020B0609020204030204" pitchFamily="49" charset="0"/>
+              </a:rPr>
+              <a:t>  {</a:t>
+            </a:r>
+          </a:p>
+          <a:p>
+            <a:pPr>
+              <a:lnSpc>
+                <a:spcPts val="1425"/>
+              </a:lnSpc>
+              <a:buNone/>
+            </a:pPr>
+            <a:r>
+              <a:rPr lang="fr-FR" sz="1050" b="0" dirty="0">
+                <a:solidFill>
+                  <a:srgbClr val="000000"/>
+                </a:solidFill>
+                <a:effectLst/>
+                <a:latin typeface="Consolas" panose="020B0609020204030204" pitchFamily="49" charset="0"/>
+              </a:rPr>
+              <a:t>    </a:t>
+            </a:r>
+            <a:r>
+              <a:rPr lang="fr-FR" sz="1050" b="0" dirty="0">
+                <a:solidFill>
+                  <a:srgbClr val="0451A5"/>
+                </a:solidFill>
+                <a:effectLst/>
+                <a:latin typeface="Consolas" panose="020B0609020204030204" pitchFamily="49" charset="0"/>
+              </a:rPr>
+              <a:t>"question"</a:t>
+            </a:r>
+            <a:r>
+              <a:rPr lang="fr-FR" sz="1050" b="0" dirty="0">
+                <a:solidFill>
+                  <a:srgbClr val="000000"/>
+                </a:solidFill>
+                <a:effectLst/>
+                <a:latin typeface="Consolas" panose="020B0609020204030204" pitchFamily="49" charset="0"/>
+              </a:rPr>
+              <a:t>: </a:t>
+            </a:r>
+            <a:r>
+              <a:rPr lang="fr-FR" sz="1050" b="0" dirty="0">
+                <a:solidFill>
+                  <a:srgbClr val="A31515"/>
+                </a:solidFill>
+                <a:effectLst/>
+                <a:latin typeface="Consolas" panose="020B0609020204030204" pitchFamily="49" charset="0"/>
+              </a:rPr>
+              <a:t>"Quelle est la température moyenne à Paris en plein mois de juillet ?"</a:t>
+            </a:r>
+            <a:r>
+              <a:rPr lang="fr-FR" sz="1050" b="0" dirty="0">
+                <a:solidFill>
+                  <a:srgbClr val="000000"/>
+                </a:solidFill>
+                <a:effectLst/>
+                <a:latin typeface="Consolas" panose="020B0609020204030204" pitchFamily="49" charset="0"/>
+              </a:rPr>
+              <a:t>,</a:t>
+            </a:r>
+          </a:p>
+          <a:p>
+            <a:pPr>
+              <a:lnSpc>
+                <a:spcPts val="1425"/>
+              </a:lnSpc>
+              <a:buNone/>
+            </a:pPr>
+            <a:r>
+              <a:rPr lang="fr-FR" sz="1050" b="0" dirty="0">
+                <a:solidFill>
+                  <a:srgbClr val="000000"/>
+                </a:solidFill>
+                <a:effectLst/>
+                <a:latin typeface="Consolas" panose="020B0609020204030204" pitchFamily="49" charset="0"/>
+              </a:rPr>
+              <a:t>    </a:t>
+            </a:r>
+            <a:r>
+              <a:rPr lang="fr-FR" sz="1050" b="0" dirty="0">
+                <a:solidFill>
+                  <a:srgbClr val="0451A5"/>
+                </a:solidFill>
+                <a:effectLst/>
+                <a:latin typeface="Consolas" panose="020B0609020204030204" pitchFamily="49" charset="0"/>
+              </a:rPr>
+              <a:t>"</a:t>
+            </a:r>
+            <a:r>
+              <a:rPr lang="fr-FR" sz="1050" b="0" dirty="0" err="1">
+                <a:solidFill>
+                  <a:srgbClr val="0451A5"/>
+                </a:solidFill>
+                <a:effectLst/>
+                <a:latin typeface="Consolas" panose="020B0609020204030204" pitchFamily="49" charset="0"/>
+              </a:rPr>
+              <a:t>ground_truths</a:t>
+            </a:r>
+            <a:r>
+              <a:rPr lang="fr-FR" sz="1050" b="0" dirty="0">
+                <a:solidFill>
+                  <a:srgbClr val="0451A5"/>
+                </a:solidFill>
+                <a:effectLst/>
+                <a:latin typeface="Consolas" panose="020B0609020204030204" pitchFamily="49" charset="0"/>
+              </a:rPr>
+              <a:t>"</a:t>
+            </a:r>
+            <a:r>
+              <a:rPr lang="fr-FR" sz="1050" b="0" dirty="0">
+                <a:solidFill>
+                  <a:srgbClr val="000000"/>
+                </a:solidFill>
+                <a:effectLst/>
+                <a:latin typeface="Consolas" panose="020B0609020204030204" pitchFamily="49" charset="0"/>
+              </a:rPr>
+              <a:t>: [</a:t>
+            </a:r>
+            <a:r>
+              <a:rPr lang="fr-FR" sz="1050" b="0" dirty="0">
+                <a:solidFill>
+                  <a:srgbClr val="A31515"/>
+                </a:solidFill>
+                <a:effectLst/>
+                <a:latin typeface="Consolas" panose="020B0609020204030204" pitchFamily="49" charset="0"/>
+              </a:rPr>
+              <a:t>"Cette information n'est pas présente dans la base de données NBA. Je ne peux répondre qu'aux questions concernant les statistiques des joueurs et des équipes de basketball."</a:t>
+            </a:r>
+            <a:r>
+              <a:rPr lang="fr-FR" sz="1050" b="0" dirty="0">
+                <a:solidFill>
+                  <a:srgbClr val="000000"/>
+                </a:solidFill>
+                <a:effectLst/>
+                <a:latin typeface="Consolas" panose="020B0609020204030204" pitchFamily="49" charset="0"/>
+              </a:rPr>
+              <a:t>]</a:t>
+            </a:r>
+          </a:p>
+          <a:p>
+            <a:pPr>
+              <a:lnSpc>
+                <a:spcPts val="1425"/>
+              </a:lnSpc>
+              <a:buNone/>
+            </a:pPr>
+            <a:r>
+              <a:rPr lang="fr-FR" sz="1050" b="0" dirty="0">
+                <a:solidFill>
+                  <a:srgbClr val="000000"/>
+                </a:solidFill>
+                <a:effectLst/>
+                <a:latin typeface="Consolas" panose="020B0609020204030204" pitchFamily="49" charset="0"/>
+              </a:rPr>
+              <a:t>  }</a:t>
+            </a:r>
+          </a:p>
+          <a:p>
+            <a:pPr>
+              <a:lnSpc>
+                <a:spcPts val="1425"/>
+              </a:lnSpc>
+              <a:buNone/>
+            </a:pPr>
+            <a:r>
+              <a:rPr lang="fr-FR" sz="1050" b="0" dirty="0">
+                <a:solidFill>
+                  <a:srgbClr val="000000"/>
+                </a:solidFill>
+                <a:effectLst/>
+                <a:latin typeface="Consolas" panose="020B0609020204030204" pitchFamily="49" charset="0"/>
+              </a:rPr>
+              <a:t>]</a:t>
+            </a:r>
+          </a:p>
+        </p:txBody>
+      </p:sp>
+      <p:sp>
+        <p:nvSpPr>
+          <p:cNvPr id="5" name="Titre 5">
+            <a:extLst>
+              <a:ext uri="{FF2B5EF4-FFF2-40B4-BE49-F238E27FC236}">
+                <a16:creationId xmlns:a16="http://schemas.microsoft.com/office/drawing/2014/main" id="{55014FCE-EA64-E4C7-B66E-481173A4B266}"/>
+              </a:ext>
+            </a:extLst>
+          </p:cNvPr>
+          <p:cNvSpPr txBox="1">
+            <a:spLocks/>
+          </p:cNvSpPr>
+          <p:nvPr/>
+        </p:nvSpPr>
+        <p:spPr>
+          <a:xfrm>
+            <a:off x="1356729" y="349112"/>
+            <a:ext cx="10044023" cy="877729"/>
+          </a:xfrm>
+          <a:prstGeom prst="rect">
+            <a:avLst/>
+          </a:prstGeom>
+        </p:spPr>
+        <p:txBody>
+          <a:bodyPr vert="horz" lIns="91440" tIns="45720" rIns="91440" bIns="45720" rtlCol="0" anchor="ctr">
+            <a:normAutofit/>
+          </a:bodyPr>
+          <a:lstStyle>
+            <a:lvl1pPr algn="l" defTabSz="914400" rtl="0" eaLnBrk="1" latinLnBrk="0" hangingPunct="1">
+              <a:lnSpc>
+                <a:spcPct val="90000"/>
+              </a:lnSpc>
+              <a:spcBef>
+                <a:spcPct val="0"/>
+              </a:spcBef>
+              <a:buNone/>
+              <a:defRPr sz="4400" kern="1200">
+                <a:solidFill>
+                  <a:schemeClr val="tx1"/>
+                </a:solidFill>
+                <a:latin typeface="+mj-lt"/>
+                <a:ea typeface="+mj-ea"/>
+                <a:cs typeface="+mj-cs"/>
+              </a:defRPr>
+            </a:lvl1pPr>
+          </a:lstStyle>
+          <a:p>
+            <a:r>
+              <a:rPr lang="fr-FR" sz="4000" dirty="0"/>
+              <a:t>Evaluation du modèle</a:t>
+            </a:r>
+          </a:p>
+        </p:txBody>
+      </p:sp>
+      <p:sp>
+        <p:nvSpPr>
+          <p:cNvPr id="2" name="ZoneTexte 1">
+            <a:extLst>
+              <a:ext uri="{FF2B5EF4-FFF2-40B4-BE49-F238E27FC236}">
+                <a16:creationId xmlns:a16="http://schemas.microsoft.com/office/drawing/2014/main" id="{8EE24144-0774-446F-88F3-DB7EC45320A2}"/>
+              </a:ext>
+            </a:extLst>
+          </p:cNvPr>
+          <p:cNvSpPr txBox="1"/>
+          <p:nvPr/>
+        </p:nvSpPr>
+        <p:spPr>
+          <a:xfrm>
+            <a:off x="7040137" y="2967335"/>
+            <a:ext cx="4170556" cy="923330"/>
+          </a:xfrm>
+          <a:prstGeom prst="rect">
+            <a:avLst/>
+          </a:prstGeom>
+          <a:noFill/>
+        </p:spPr>
+        <p:txBody>
+          <a:bodyPr wrap="square" rtlCol="0">
+            <a:spAutoFit/>
+          </a:bodyPr>
+          <a:lstStyle/>
+          <a:p>
+            <a:r>
+              <a:rPr lang="fr-FR" b="1" dirty="0"/>
+              <a:t>4 questions</a:t>
+            </a:r>
+          </a:p>
+          <a:p>
+            <a:pPr marL="285750" indent="-285750">
+              <a:buFont typeface="Arial" panose="020B0604020202020204" pitchFamily="34" charset="0"/>
+              <a:buChar char="•"/>
+            </a:pPr>
+            <a:r>
+              <a:rPr lang="fr-FR" dirty="0"/>
+              <a:t>3 dans le contexte du LLM</a:t>
+            </a:r>
+          </a:p>
+          <a:p>
+            <a:pPr marL="285750" indent="-285750">
+              <a:buFont typeface="Arial" panose="020B0604020202020204" pitchFamily="34" charset="0"/>
+              <a:buChar char="•"/>
+            </a:pPr>
+            <a:r>
+              <a:rPr lang="fr-FR" dirty="0"/>
+              <a:t>1 hors </a:t>
+            </a:r>
+            <a:r>
+              <a:rPr lang="fr-FR" dirty="0" err="1"/>
+              <a:t>contaxte</a:t>
+            </a:r>
+            <a:endParaRPr lang="fr-FR" dirty="0"/>
+          </a:p>
+        </p:txBody>
+      </p:sp>
+    </p:spTree>
+    <p:extLst>
+      <p:ext uri="{BB962C8B-B14F-4D97-AF65-F5344CB8AC3E}">
+        <p14:creationId xmlns:p14="http://schemas.microsoft.com/office/powerpoint/2010/main" val="1520302258"/>
+      </p:ext>
+    </p:extLst>
+  </p:cSld>
+  <p:clrMapOvr>
+    <a:masterClrMapping/>
+  </p:clrMapOvr>
+</p:sld>
+</file>
+
+<file path=ppt/slides/slide7.xml><?xml version="1.0" encoding="utf-8"?>
 <p:sld xmlns:a="http://schemas.openxmlformats.org/drawingml/2006/main" xmlns:r="http://schemas.openxmlformats.org/officeDocument/2006/relationships" xmlns:p="http://schemas.openxmlformats.org/presentationml/2006/main">
   <p:cSld>
     <p:bg>
@@ -18878,7 +22799,7 @@
                   <a:schemeClr val="tx2"/>
                 </a:solidFill>
               </a:rPr>
-              <a:t>2. Validation avec </a:t>
+              <a:t>2. Validation des colonnes avec </a:t>
             </a:r>
             <a:r>
               <a:rPr lang="fr-FR" sz="1400" b="1" dirty="0" err="1">
@@ -19061,7 +22982,7 @@
 </p:sld>
 </file>
 
-<file path=ppt/slides/slide7.xml><?xml version="1.0" encoding="utf-8"?>
+<file path=ppt/slides/slide8.xml><?xml version="1.0" encoding="utf-8"?>
 <p:sld xmlns:a="http://schemas.openxmlformats.org/drawingml/2006/main" xmlns:r="http://schemas.openxmlformats.org/officeDocument/2006/relationships" xmlns:p="http://schemas.openxmlformats.org/presentationml/2006/main">
   <p:cSld>
     <p:bg>
@@ -19780,7 +23701,7 @@
               <a:buNone/>
             </a:pPr>
             <a:r>
-              <a:rPr lang="fr-FR" sz="1300" dirty="0"/>
+              <a:rPr lang="fr-FR" sz="1300" b="1" dirty="0"/>
               <a:t>1. Gestion des ressources et de l'état</a:t>
             </a:r>
           </a:p>
@@ -19811,19 +23732,11 @@
             <a:pPr lvl="1"/>
             <a:r>
               <a:rPr lang="fr-FR" sz="1300" dirty="0" err="1"/>
-              <a:t>Streamlit</a:t>
+              <a:t>LangChain</a:t>
             </a:r>
             <a:r>
               <a:rPr lang="fr-FR" sz="1300" dirty="0"/>
-              <a:t> est "sans mémoire" par défaut pour conserver l'historique de la conversation (messages) pour que l'interface ressemble à un vrai chat (comme </a:t>
-            </a:r>
-            <a:r>
-              <a:rPr lang="fr-FR" sz="1300" dirty="0" err="1"/>
-              <a:t>ChatGPT</a:t>
-            </a:r>
-            <a:r>
-              <a:rPr lang="fr-FR" sz="1300" dirty="0"/>
-              <a:t>).</a:t>
+              <a:t> &amp; Mistral AI utilisés pour transformer les données en phrases naturelles</a:t>
             </a:r>
           </a:p>
           <a:p>
@@ -19834,8 +23747,8 @@
               <a:buNone/>
             </a:pPr>
             <a:r>
-              <a:rPr lang="fr-FR" sz="1300" dirty="0"/>
-              <a:t>2. Le "Cerveau" du Routage </a:t>
+              <a:rPr lang="fr-FR" sz="1300" b="1" dirty="0"/>
+              <a:t>2. RAG</a:t>
             </a:r>
           </a:p>
           <a:p>
@@ -19887,54 +23800,24 @@
               <a:rPr lang="fr-FR" sz="1300" dirty="0"/>
               <a:t>, analyses).</a:t>
             </a:r>
+          </a:p>
+          <a:p>
+            <a:endParaRPr lang="fr-FR" sz="1300" dirty="0"/>
           </a:p>
           <a:p>
             <a:pPr marL="0" indent="0">
               <a:buNone/>
             </a:pPr>
             <a:r>
-              <a:rPr lang="fr-FR" sz="1300" dirty="0"/>
-              <a:t>3. RAG</a:t>
-            </a:r>
-          </a:p>
-          <a:p>
-            <a:pPr lvl="1"/>
-            <a:r>
-              <a:rPr lang="fr-FR" sz="1300" dirty="0"/>
-              <a:t>Récupération des morceaux de texte les plus pertinents dans FAISS.</a:t>
-            </a:r>
-          </a:p>
-          <a:p>
-            <a:pPr lvl="1"/>
-            <a:r>
-              <a:rPr lang="fr-FR" sz="1300" dirty="0"/>
-              <a:t>Augmentation : Fusionne ces textes dans le prompt</a:t>
-            </a:r>
-          </a:p>
-          <a:p>
-            <a:pPr lvl="1"/>
-            <a:r>
-              <a:rPr lang="fr-FR" sz="1300" dirty="0"/>
-              <a:t>Envoie le tout à l'API Mistral pour obtenir une réponse naturelle et sourcée.</a:t>
-            </a:r>
-          </a:p>
-          <a:p>
-            <a:endParaRPr lang="fr-FR" sz="1300" dirty="0"/>
-          </a:p>
-          <a:p>
-            <a:pPr marL="0" indent="0">
-              <a:buNone/>
-            </a:pPr>
-            <a:r>
-              <a:rPr lang="fr-FR" sz="1300" dirty="0"/>
-              <a:t>4. Interface Utilisateur </a:t>
-            </a:r>
-            <a:r>
-              <a:rPr lang="fr-FR" sz="1300" dirty="0" err="1"/>
+              <a:rPr lang="fr-FR" sz="1300" b="1" dirty="0"/>
+              <a:t>3. Interface Utilisateur </a:t>
+            </a:r>
+            <a:r>
+              <a:rPr lang="fr-FR" sz="1300" b="1" dirty="0" err="1"/>
               <a:t>Streamlit</a:t>
             </a:r>
             <a:r>
-              <a:rPr lang="fr-FR" sz="1300" dirty="0"/>
+              <a:rPr lang="fr-FR" sz="1300" b="1" dirty="0"/>
               <a:t> : </a:t>
             </a:r>
           </a:p>
@@ -19983,7 +23866,7 @@
 </p:sld>
 </file>
 
-<file path=ppt/slides/slide8.xml><?xml version="1.0" encoding="utf-8"?>
+<file path=ppt/slides/slide9.xml><?xml version="1.0" encoding="utf-8"?>
 <p:sld xmlns:a="http://schemas.openxmlformats.org/drawingml/2006/main" xmlns:r="http://schemas.openxmlformats.org/officeDocument/2006/relationships" xmlns:p="http://schemas.openxmlformats.org/presentationml/2006/main">
   <p:cSld>
     <p:bg>
@@ -20688,8 +24571,8 @@
         </p:nvSpPr>
         <p:spPr>
           <a:xfrm>
-            <a:off x="4810259" y="649480"/>
-            <a:ext cx="6555347" cy="5546047"/>
+            <a:off x="4367695" y="649480"/>
+            <a:ext cx="7757398" cy="5546047"/>
           </a:xfrm>
         </p:spPr>
         <p:txBody>
@@ -20703,7 +24586,7 @@
             </a:pPr>
             <a:r>
               <a:rPr lang="fr-FR" sz="1300" dirty="0"/>
-              <a:t>"Nous avons développé un script d'évaluation qui encapsule strictement la même logique métier que l'application de production (</a:t>
+              <a:t>Script d'évaluation qui encapsule strictement la même logique métier que l'application de production (</a:t>
             </a:r>
             <a:r>
               <a:rPr lang="fr-FR" sz="1300" dirty="0" err="1"/>
@@ -20711,7 +24594,7 @@
             </a:r>
             <a:r>
               <a:rPr lang="fr-FR" sz="1300" dirty="0"/>
-              <a:t>). Cela garantit que les scores obtenus (</a:t>
+              <a:t>) → scores obtenus (</a:t>
             </a:r>
             <a:r>
               <a:rPr lang="fr-FR" sz="1300" dirty="0" err="1"/>
@@ -20727,8 +24610,13 @@
             </a:r>
             <a:r>
               <a:rPr lang="fr-FR" sz="1300" dirty="0"/>
-              <a:t>) reflètent l'expérience réelle de l'utilisateur final."</a:t>
-            </a:r>
+              <a:t>) reflètent l'expérience réelle de l'utilisateur final.</a:t>
+            </a:r>
+          </a:p>
+          <a:p>
+            <a:pPr marL="0" indent="0">
+              <a:buNone/>
+            </a:pPr>
             <a:endParaRPr lang="fr-FR" sz="1300" b="1" dirty="0"/>
           </a:p>
           <a:p>
@@ -20737,29 +24625,48 @@
             </a:pPr>
             <a:r>
               <a:rPr lang="fr-FR" sz="1300" b="1" dirty="0"/>
-              <a:t>Nouvelle version :</a:t>
+              <a:t>Pipeline :</a:t>
             </a:r>
             <a:r>
               <a:rPr lang="fr-FR" sz="1300" dirty="0"/>
               <a:t> </a:t>
+            </a:r>
+          </a:p>
+          <a:p>
+            <a:pPr>
+              <a:buFont typeface="Wingdings" panose="05000000000000000000" pitchFamily="2" charset="2"/>
+              <a:buChar char="Ø"/>
+            </a:pPr>
+            <a:r>
+              <a:rPr lang="fr-FR" sz="1300" dirty="0"/>
+              <a:t>Détection SQL</a:t>
+            </a:r>
+          </a:p>
+          <a:p>
+            <a:pPr>
+              <a:buFont typeface="Wingdings" panose="05000000000000000000" pitchFamily="2" charset="2"/>
+              <a:buChar char="Ø"/>
+            </a:pPr>
+            <a:r>
+              <a:rPr lang="fr-FR" sz="1300" dirty="0"/>
+              <a:t>Recherche FAISS</a:t>
+            </a:r>
+          </a:p>
+          <a:p>
+            <a:pPr>
+              <a:buFont typeface="Wingdings" panose="05000000000000000000" pitchFamily="2" charset="2"/>
+              <a:buChar char="Ø"/>
+            </a:pPr>
+            <a:r>
+              <a:rPr lang="fr-FR" sz="1300" dirty="0"/>
+              <a:t>Génération Mistral</a:t>
             </a:r>
           </a:p>
           <a:p>
             <a:pPr marL="0" indent="0">
               <a:buNone/>
             </a:pPr>
-            <a:r>
-              <a:rPr lang="fr-FR" sz="1300" dirty="0"/>
-              <a:t>Le script interroge </a:t>
-            </a:r>
-            <a:r>
-              <a:rPr lang="fr-FR" sz="1300" b="1" dirty="0"/>
-              <a:t>réellement</a:t>
-            </a:r>
-            <a:r>
-              <a:rPr lang="fr-FR" sz="1300" dirty="0"/>
-              <a:t> tes bases de données (FAISS et SQL) pour chaque question. Tu évalues maintenant la performance de ton code tel qu'il tourne dans ton application.</a:t>
-            </a:r>
+            <a:endParaRPr lang="fr-FR" sz="1300" dirty="0"/>
           </a:p>
           <a:p>
             <a:pPr marL="0" indent="0">
@@ -20767,42 +24674,39 @@
             </a:pPr>
             <a:r>
               <a:rPr lang="fr-FR" sz="1300" b="1" dirty="0"/>
-              <a:t>2. Évaluation du système Hybride (Fusion)</a:t>
-            </a:r>
-          </a:p>
-          <a:p>
+              <a:t>2. Intégration du routage intelligent</a:t>
+            </a:r>
+          </a:p>
+          <a:p>
+            <a:pPr>
+              <a:buFont typeface="Wingdings" panose="05000000000000000000" pitchFamily="2" charset="2"/>
+              <a:buChar char="Ø"/>
+            </a:pPr>
             <a:r>
               <a:rPr lang="fr-FR" sz="1300" dirty="0"/>
-              <a:t>Evaluation du :</a:t>
-            </a:r>
-          </a:p>
-          <a:p>
-            <a:pPr lvl="1"/>
-            <a:r>
-              <a:rPr lang="fr-FR" sz="1300" b="1" dirty="0"/>
-              <a:t>moteur SQL :</a:t>
+              <a:t>Le script reproduit la logique </a:t>
+            </a:r>
+            <a:r>
+              <a:rPr lang="fr-FR" sz="1300" dirty="0" err="1"/>
+              <a:t>doit_utiliser_sql</a:t>
             </a:r>
             <a:r>
               <a:rPr lang="fr-FR" sz="1300" dirty="0"/>
-              <a:t> Pour la précision des chiffres (statistiques NBA).</a:t>
-            </a:r>
-          </a:p>
-          <a:p>
-            <a:pPr lvl="1"/>
-            <a:r>
-              <a:rPr lang="fr-FR" sz="1300" b="1" dirty="0"/>
-              <a:t>moteur RAG (FAISS) :</a:t>
-            </a:r>
+              <a:t>.</a:t>
+            </a:r>
+          </a:p>
+          <a:p>
+            <a:pPr>
+              <a:buFont typeface="Wingdings" panose="05000000000000000000" pitchFamily="2" charset="2"/>
+              <a:buChar char="Ø"/>
+            </a:pPr>
             <a:r>
               <a:rPr lang="fr-FR" sz="1300" dirty="0"/>
-              <a:t> Pour le contexte textuel (analyses, avis).</a:t>
-            </a:r>
-          </a:p>
-          <a:p>
-            <a:r>
-              <a:rPr lang="fr-FR" sz="1300" dirty="0"/>
-              <a:t>Le script utilise le SYSTEM_PROMPT_HYBRIDE pour forcer le modèle à fusionner ces deux flux d'informations, et Ragas juge si cette fusion est réussie.</a:t>
-            </a:r>
+              <a:t>Si question porte sur des statistiques, moteur SQL déclenché</a:t>
+            </a:r>
+          </a:p>
+          <a:p>
+            <a:endParaRPr lang="fr-FR" sz="1300" dirty="0"/>
           </a:p>
           <a:p>
             <a:pPr marL="0" indent="0">
@@ -20810,88 +24714,40 @@
             </a:pPr>
             <a:r>
               <a:rPr lang="fr-FR" sz="1300" b="1" dirty="0"/>
-              <a:t>3. Utilisation dynamique de FAISS</a:t>
-            </a:r>
-          </a:p>
-          <a:p>
+              <a:t>3. Validation </a:t>
+            </a:r>
+            <a:r>
+              <a:rPr lang="fr-FR" sz="1300" b="1" dirty="0" err="1"/>
+              <a:t>Pydandic</a:t>
+            </a:r>
+            <a:endParaRPr lang="fr-FR" sz="1300" b="1" dirty="0"/>
+          </a:p>
+          <a:p>
+            <a:pPr>
+              <a:buFont typeface="Wingdings" panose="05000000000000000000" pitchFamily="2" charset="2"/>
+              <a:buChar char="Ø"/>
+            </a:pPr>
+            <a:r>
+              <a:rPr lang="fr-FR" sz="1300" dirty="0" err="1"/>
+              <a:t>RAGQuery</a:t>
+            </a:r>
             <a:r>
               <a:rPr lang="fr-FR" sz="1300" dirty="0"/>
-              <a:t>Le script n'utilise plus les contextes "</a:t>
-            </a:r>
+              <a:t> : format de la question avant envoi au LLM</a:t>
+            </a:r>
+          </a:p>
+          <a:p>
+            <a:pPr>
+              <a:buFont typeface="Wingdings" panose="05000000000000000000" pitchFamily="2" charset="2"/>
+              <a:buChar char="Ø"/>
+            </a:pPr>
             <a:r>
               <a:rPr lang="fr-FR" sz="1300" dirty="0" err="1"/>
-              <a:t>pré-mâchés</a:t>
+              <a:t>NBAResponseValidation</a:t>
             </a:r>
             <a:r>
               <a:rPr lang="fr-FR" sz="1300" dirty="0"/>
-              <a:t>" du JSON :</a:t>
-            </a:r>
-          </a:p>
-          <a:p>
-            <a:r>
-              <a:rPr lang="fr-FR" sz="1300" dirty="0"/>
-              <a:t>Cela permet de mesurer le </a:t>
-            </a:r>
-            <a:r>
-              <a:rPr lang="fr-FR" sz="1300" b="1" dirty="0" err="1"/>
-              <a:t>Context</a:t>
-            </a:r>
-            <a:r>
-              <a:rPr lang="fr-FR" sz="1300" b="1" dirty="0"/>
-              <a:t> </a:t>
-            </a:r>
-            <a:r>
-              <a:rPr lang="fr-FR" sz="1300" b="1" dirty="0" err="1"/>
-              <a:t>Recall</a:t>
-            </a:r>
-            <a:r>
-              <a:rPr lang="fr-FR" sz="1300" dirty="0"/>
-              <a:t> et la </a:t>
-            </a:r>
-            <a:r>
-              <a:rPr lang="fr-FR" sz="1300" b="1" dirty="0" err="1"/>
-              <a:t>Context</a:t>
-            </a:r>
-            <a:r>
-              <a:rPr lang="fr-FR" sz="1300" b="1" dirty="0"/>
-              <a:t> </a:t>
-            </a:r>
-            <a:r>
-              <a:rPr lang="fr-FR" sz="1300" b="1" dirty="0" err="1"/>
-              <a:t>Precision</a:t>
-            </a:r>
-            <a:r>
-              <a:rPr lang="fr-FR" sz="1300" dirty="0"/>
-              <a:t> réels de ton index FAISS.</a:t>
-            </a:r>
-          </a:p>
-          <a:p>
-            <a:pPr marL="0" indent="0">
-              <a:buNone/>
-            </a:pPr>
-            <a:r>
-              <a:rPr lang="fr-FR" sz="1300" b="1" dirty="0"/>
-              <a:t>4. Intégration du routage intelligent</a:t>
-            </a:r>
-          </a:p>
-          <a:p>
-            <a:r>
-              <a:rPr lang="fr-FR" sz="1300" dirty="0"/>
-              <a:t>Le script reproduit la logique </a:t>
-            </a:r>
-            <a:r>
-              <a:rPr lang="fr-FR" sz="1300" dirty="0" err="1"/>
-              <a:t>doit_utiliser_sql</a:t>
-            </a:r>
-            <a:r>
-              <a:rPr lang="fr-FR" sz="1300" dirty="0"/>
-              <a:t>(q).</a:t>
-            </a:r>
-          </a:p>
-          <a:p>
-            <a:r>
-              <a:rPr lang="fr-FR" sz="1300" dirty="0"/>
-              <a:t>Si question porte sur des statistiques, moteur SQL déclenché</a:t>
+              <a:t> : Vérifie réponse IA</a:t>
             </a:r>
           </a:p>
         </p:txBody>
@@ -20900,1189 +24756,6 @@
     <p:extLst>
       <p:ext uri="{BB962C8B-B14F-4D97-AF65-F5344CB8AC3E}">
         <p14:creationId xmlns:p14="http://schemas.microsoft.com/office/powerpoint/2010/main" val="3128882156"/>
-      </p:ext>
-    </p:extLst>
-  </p:cSld>
-  <p:clrMapOvr>
-    <a:masterClrMapping/>
-  </p:clrMapOvr>
-</p:sld>
-</file>
-
-<file path=ppt/slides/slide9.xml><?xml version="1.0" encoding="utf-8"?>
-<p:sld xmlns:a="http://schemas.openxmlformats.org/drawingml/2006/main" xmlns:r="http://schemas.openxmlformats.org/officeDocument/2006/relationships" xmlns:p="http://schemas.openxmlformats.org/presentationml/2006/main">
-  <p:cSld>
-    <p:spTree>
-      <p:nvGrpSpPr>
-        <p:cNvPr id="1" name="">
-          <a:extLst>
-            <a:ext uri="{FF2B5EF4-FFF2-40B4-BE49-F238E27FC236}">
-              <a16:creationId xmlns:a16="http://schemas.microsoft.com/office/drawing/2014/main" id="{078D4F17-7B0F-3E4C-53E8-2131A934E4D4}"/>
-            </a:ext>
-          </a:extLst>
-        </p:cNvPr>
-        <p:cNvGrpSpPr/>
-        <p:nvPr/>
-      </p:nvGrpSpPr>
-      <p:grpSpPr>
-        <a:xfrm>
-          <a:off x="0" y="0"/>
-          <a:ext cx="0" cy="0"/>
-          <a:chOff x="0" y="0"/>
-          <a:chExt cx="0" cy="0"/>
-        </a:xfrm>
-      </p:grpSpPr>
-      <p:sp>
-        <p:nvSpPr>
-          <p:cNvPr id="2" name="Titre 1">
-            <a:extLst>
-              <a:ext uri="{FF2B5EF4-FFF2-40B4-BE49-F238E27FC236}">
-                <a16:creationId xmlns:a16="http://schemas.microsoft.com/office/drawing/2014/main" id="{FF7765DE-C10D-CF9E-543A-2AE3DD601506}"/>
-              </a:ext>
-            </a:extLst>
-          </p:cNvPr>
-          <p:cNvSpPr>
-            <a:spLocks noGrp="1"/>
-          </p:cNvSpPr>
-          <p:nvPr>
-            <p:ph type="title"/>
-          </p:nvPr>
-        </p:nvSpPr>
-        <p:spPr>
-          <a:xfrm>
-            <a:off x="466722" y="586855"/>
-            <a:ext cx="3201366" cy="3387497"/>
-          </a:xfrm>
-        </p:spPr>
-        <p:txBody>
-          <a:bodyPr anchor="b">
-            <a:normAutofit/>
-          </a:bodyPr>
-          <a:lstStyle/>
-          <a:p>
-            <a:pPr algn="r"/>
-            <a:r>
-              <a:rPr lang="fr-FR" sz="4000" dirty="0">
-                <a:solidFill>
-                  <a:srgbClr val="FFFFFF"/>
-                </a:solidFill>
-              </a:rPr>
-              <a:t>Evaluation du modèle optimisé</a:t>
-            </a:r>
-          </a:p>
-        </p:txBody>
-      </p:sp>
-      <p:graphicFrame>
-        <p:nvGraphicFramePr>
-          <p:cNvPr id="8" name="Tableau 7">
-            <a:extLst>
-              <a:ext uri="{FF2B5EF4-FFF2-40B4-BE49-F238E27FC236}">
-                <a16:creationId xmlns:a16="http://schemas.microsoft.com/office/drawing/2014/main" id="{D2F37A8B-18CA-0B12-5C55-48AB8CE775AD}"/>
-              </a:ext>
-            </a:extLst>
-          </p:cNvPr>
-          <p:cNvGraphicFramePr>
-            <a:graphicFrameLocks noGrp="1"/>
-          </p:cNvGraphicFramePr>
-          <p:nvPr>
-            <p:extLst>
-              <p:ext uri="{D42A27DB-BD31-4B8C-83A1-F6EECF244321}">
-                <p14:modId xmlns:p14="http://schemas.microsoft.com/office/powerpoint/2010/main" val="2576623240"/>
-              </p:ext>
-            </p:extLst>
-          </p:nvPr>
-        </p:nvGraphicFramePr>
-        <p:xfrm>
-          <a:off x="1505217" y="1652693"/>
-          <a:ext cx="9332115" cy="1600572"/>
-        </p:xfrm>
-        <a:graphic>
-          <a:graphicData uri="http://schemas.openxmlformats.org/drawingml/2006/table">
-            <a:tbl>
-              <a:tblPr/>
-              <a:tblGrid>
-                <a:gridCol w="6529240">
-                  <a:extLst>
-                    <a:ext uri="{9D8B030D-6E8A-4147-A177-3AD203B41FA5}">
-                      <a16:colId xmlns:a16="http://schemas.microsoft.com/office/drawing/2014/main" val="4061980905"/>
-                    </a:ext>
-                  </a:extLst>
-                </a:gridCol>
-                <a:gridCol w="1150313">
-                  <a:extLst>
-                    <a:ext uri="{9D8B030D-6E8A-4147-A177-3AD203B41FA5}">
-                      <a16:colId xmlns:a16="http://schemas.microsoft.com/office/drawing/2014/main" val="3106528971"/>
-                    </a:ext>
-                  </a:extLst>
-                </a:gridCol>
-                <a:gridCol w="1652562">
-                  <a:extLst>
-                    <a:ext uri="{9D8B030D-6E8A-4147-A177-3AD203B41FA5}">
-                      <a16:colId xmlns:a16="http://schemas.microsoft.com/office/drawing/2014/main" val="1775203264"/>
-                    </a:ext>
-                  </a:extLst>
-                </a:gridCol>
-              </a:tblGrid>
-              <a:tr h="266762">
-                <a:tc>
-                  <a:txBody>
-                    <a:bodyPr/>
-                    <a:lstStyle/>
-                    <a:p>
-                      <a:pPr algn="ctr" fontAlgn="b">
-                        <a:buNone/>
-                      </a:pPr>
-                      <a:r>
-                        <a:rPr lang="fr-FR" sz="1100" b="1" i="0" u="none" strike="noStrike">
-                          <a:solidFill>
-                            <a:srgbClr val="FFFFFF"/>
-                          </a:solidFill>
-                          <a:effectLst/>
-                          <a:latin typeface="Aptos Narrow" panose="020B0004020202020204" pitchFamily="34" charset="0"/>
-                        </a:rPr>
-                        <a:t>question</a:t>
-                      </a:r>
-                    </a:p>
-                  </a:txBody>
-                  <a:tcPr marL="6350" marR="6350" marT="6350" marB="0" anchor="b">
-                    <a:lnL w="6350" cap="flat" cmpd="sng" algn="ctr">
-                      <a:solidFill>
-                        <a:srgbClr val="44B3E1"/>
-                      </a:solidFill>
-                      <a:prstDash val="solid"/>
-                      <a:round/>
-                      <a:headEnd type="none" w="med" len="med"/>
-                      <a:tailEnd type="none" w="med" len="med"/>
-                    </a:lnL>
-                    <a:lnR>
-                      <a:noFill/>
-                    </a:lnR>
-                    <a:lnT w="6350" cap="flat" cmpd="sng" algn="ctr">
-                      <a:solidFill>
-                        <a:srgbClr val="44B3E1"/>
-                      </a:solidFill>
-                      <a:prstDash val="solid"/>
-                      <a:round/>
-                      <a:headEnd type="none" w="med" len="med"/>
-                      <a:tailEnd type="none" w="med" len="med"/>
-                    </a:lnT>
-                    <a:lnB w="6350" cap="flat" cmpd="sng" algn="ctr">
-                      <a:solidFill>
-                        <a:srgbClr val="44B3E1"/>
-                      </a:solidFill>
-                      <a:prstDash val="solid"/>
-                      <a:round/>
-                      <a:headEnd type="none" w="med" len="med"/>
-                      <a:tailEnd type="none" w="med" len="med"/>
-                    </a:lnB>
-                    <a:solidFill>
-                      <a:srgbClr val="156082"/>
-                    </a:solidFill>
-                  </a:tcPr>
-                </a:tc>
-                <a:tc>
-                  <a:txBody>
-                    <a:bodyPr/>
-                    <a:lstStyle/>
-                    <a:p>
-                      <a:pPr algn="ctr" fontAlgn="b">
-                        <a:buNone/>
-                      </a:pPr>
-                      <a:r>
-                        <a:rPr lang="fr-FR" sz="1100" b="1" i="0" u="none" strike="noStrike">
-                          <a:solidFill>
-                            <a:srgbClr val="FFFFFF"/>
-                          </a:solidFill>
-                          <a:effectLst/>
-                          <a:latin typeface="Aptos Narrow" panose="020B0004020202020204" pitchFamily="34" charset="0"/>
-                        </a:rPr>
-                        <a:t>faithfulness</a:t>
-                      </a:r>
-                    </a:p>
-                  </a:txBody>
-                  <a:tcPr marL="6350" marR="6350" marT="6350" marB="0" anchor="b">
-                    <a:lnL>
-                      <a:noFill/>
-                    </a:lnL>
-                    <a:lnR>
-                      <a:noFill/>
-                    </a:lnR>
-                    <a:lnT w="6350" cap="flat" cmpd="sng" algn="ctr">
-                      <a:solidFill>
-                        <a:srgbClr val="44B3E1"/>
-                      </a:solidFill>
-                      <a:prstDash val="solid"/>
-                      <a:round/>
-                      <a:headEnd type="none" w="med" len="med"/>
-                      <a:tailEnd type="none" w="med" len="med"/>
-                    </a:lnT>
-                    <a:lnB w="6350" cap="flat" cmpd="sng" algn="ctr">
-                      <a:solidFill>
-                        <a:srgbClr val="44B3E1"/>
-                      </a:solidFill>
-                      <a:prstDash val="solid"/>
-                      <a:round/>
-                      <a:headEnd type="none" w="med" len="med"/>
-                      <a:tailEnd type="none" w="med" len="med"/>
-                    </a:lnB>
-                    <a:solidFill>
-                      <a:srgbClr val="156082"/>
-                    </a:solidFill>
-                  </a:tcPr>
-                </a:tc>
-                <a:tc>
-                  <a:txBody>
-                    <a:bodyPr/>
-                    <a:lstStyle/>
-                    <a:p>
-                      <a:pPr algn="ctr" fontAlgn="b">
-                        <a:buNone/>
-                      </a:pPr>
-                      <a:r>
-                        <a:rPr lang="fr-FR" sz="1100" b="1" i="0" u="none" strike="noStrike">
-                          <a:solidFill>
-                            <a:srgbClr val="FFFFFF"/>
-                          </a:solidFill>
-                          <a:effectLst/>
-                          <a:latin typeface="Aptos Narrow" panose="020B0004020202020204" pitchFamily="34" charset="0"/>
-                        </a:rPr>
-                        <a:t>answer_relevancy</a:t>
-                      </a:r>
-                    </a:p>
-                  </a:txBody>
-                  <a:tcPr marL="6350" marR="6350" marT="6350" marB="0" anchor="b">
-                    <a:lnL>
-                      <a:noFill/>
-                    </a:lnL>
-                    <a:lnR w="6350" cap="flat" cmpd="sng" algn="ctr">
-                      <a:solidFill>
-                        <a:srgbClr val="44B3E1"/>
-                      </a:solidFill>
-                      <a:prstDash val="solid"/>
-                      <a:round/>
-                      <a:headEnd type="none" w="med" len="med"/>
-                      <a:tailEnd type="none" w="med" len="med"/>
-                    </a:lnR>
-                    <a:lnT w="6350" cap="flat" cmpd="sng" algn="ctr">
-                      <a:solidFill>
-                        <a:srgbClr val="44B3E1"/>
-                      </a:solidFill>
-                      <a:prstDash val="solid"/>
-                      <a:round/>
-                      <a:headEnd type="none" w="med" len="med"/>
-                      <a:tailEnd type="none" w="med" len="med"/>
-                    </a:lnT>
-                    <a:lnB w="6350" cap="flat" cmpd="sng" algn="ctr">
-                      <a:solidFill>
-                        <a:srgbClr val="44B3E1"/>
-                      </a:solidFill>
-                      <a:prstDash val="solid"/>
-                      <a:round/>
-                      <a:headEnd type="none" w="med" len="med"/>
-                      <a:tailEnd type="none" w="med" len="med"/>
-                    </a:lnB>
-                    <a:solidFill>
-                      <a:srgbClr val="156082"/>
-                    </a:solidFill>
-                  </a:tcPr>
-                </a:tc>
-                <a:extLst>
-                  <a:ext uri="{0D108BD9-81ED-4DB2-BD59-A6C34878D82A}">
-                    <a16:rowId xmlns:a16="http://schemas.microsoft.com/office/drawing/2014/main" val="2523085065"/>
-                  </a:ext>
-                </a:extLst>
-              </a:tr>
-              <a:tr h="266762">
-                <a:tc>
-                  <a:txBody>
-                    <a:bodyPr/>
-                    <a:lstStyle/>
-                    <a:p>
-                      <a:pPr algn="ctr" fontAlgn="b">
-                        <a:buNone/>
-                      </a:pPr>
-                      <a:r>
-                        <a:rPr lang="fr-FR" sz="1400" b="0" i="0" u="none" strike="noStrike" dirty="0">
-                          <a:solidFill>
-                            <a:srgbClr val="000000"/>
-                          </a:solidFill>
-                          <a:effectLst/>
-                          <a:latin typeface="Aptos Narrow" panose="020B0004020202020204" pitchFamily="34" charset="0"/>
-                        </a:rPr>
-                        <a:t>Qui est le meilleur marqueur de la saison en nombre de points total et quel est son score ?</a:t>
-                      </a:r>
-                    </a:p>
-                  </a:txBody>
-                  <a:tcPr marL="6350" marR="6350" marT="6350" marB="0" anchor="b">
-                    <a:lnL w="6350" cap="flat" cmpd="sng" algn="ctr">
-                      <a:solidFill>
-                        <a:srgbClr val="44B3E1"/>
-                      </a:solidFill>
-                      <a:prstDash val="solid"/>
-                      <a:round/>
-                      <a:headEnd type="none" w="med" len="med"/>
-                      <a:tailEnd type="none" w="med" len="med"/>
-                    </a:lnL>
-                    <a:lnR>
-                      <a:noFill/>
-                    </a:lnR>
-                    <a:lnT w="6350" cap="flat" cmpd="sng" algn="ctr">
-                      <a:solidFill>
-                        <a:srgbClr val="44B3E1"/>
-                      </a:solidFill>
-                      <a:prstDash val="solid"/>
-                      <a:round/>
-                      <a:headEnd type="none" w="med" len="med"/>
-                      <a:tailEnd type="none" w="med" len="med"/>
-                    </a:lnT>
-                    <a:lnB w="6350" cap="flat" cmpd="sng" algn="ctr">
-                      <a:solidFill>
-                        <a:srgbClr val="44B3E1"/>
-                      </a:solidFill>
-                      <a:prstDash val="solid"/>
-                      <a:round/>
-                      <a:headEnd type="none" w="med" len="med"/>
-                      <a:tailEnd type="none" w="med" len="med"/>
-                    </a:lnB>
-                    <a:solidFill>
-                      <a:srgbClr val="C0E6F5"/>
-                    </a:solidFill>
-                  </a:tcPr>
-                </a:tc>
-                <a:tc>
-                  <a:txBody>
-                    <a:bodyPr/>
-                    <a:lstStyle/>
-                    <a:p>
-                      <a:pPr algn="ctr" fontAlgn="b">
-                        <a:buNone/>
-                      </a:pPr>
-                      <a:r>
-                        <a:rPr lang="fr-FR" sz="1400" b="0" i="0" u="none" strike="noStrike" dirty="0">
-                          <a:solidFill>
-                            <a:srgbClr val="000000"/>
-                          </a:solidFill>
-                          <a:effectLst/>
-                          <a:latin typeface="Aptos Narrow" panose="020B0004020202020204" pitchFamily="34" charset="0"/>
-                        </a:rPr>
-                        <a:t>0,71</a:t>
-                      </a:r>
-                    </a:p>
-                  </a:txBody>
-                  <a:tcPr marL="6350" marR="6350" marT="6350" marB="0" anchor="b">
-                    <a:lnL>
-                      <a:noFill/>
-                    </a:lnL>
-                    <a:lnR>
-                      <a:noFill/>
-                    </a:lnR>
-                    <a:lnT w="6350" cap="flat" cmpd="sng" algn="ctr">
-                      <a:solidFill>
-                        <a:srgbClr val="44B3E1"/>
-                      </a:solidFill>
-                      <a:prstDash val="solid"/>
-                      <a:round/>
-                      <a:headEnd type="none" w="med" len="med"/>
-                      <a:tailEnd type="none" w="med" len="med"/>
-                    </a:lnT>
-                    <a:lnB w="6350" cap="flat" cmpd="sng" algn="ctr">
-                      <a:solidFill>
-                        <a:srgbClr val="44B3E1"/>
-                      </a:solidFill>
-                      <a:prstDash val="solid"/>
-                      <a:round/>
-                      <a:headEnd type="none" w="med" len="med"/>
-                      <a:tailEnd type="none" w="med" len="med"/>
-                    </a:lnB>
-                    <a:solidFill>
-                      <a:srgbClr val="C0E6F5"/>
-                    </a:solidFill>
-                  </a:tcPr>
-                </a:tc>
-                <a:tc>
-                  <a:txBody>
-                    <a:bodyPr/>
-                    <a:lstStyle/>
-                    <a:p>
-                      <a:pPr algn="ctr" fontAlgn="b">
-                        <a:buNone/>
-                      </a:pPr>
-                      <a:r>
-                        <a:rPr lang="fr-FR" sz="1400" b="0" i="0" u="none" strike="noStrike">
-                          <a:solidFill>
-                            <a:srgbClr val="000000"/>
-                          </a:solidFill>
-                          <a:effectLst/>
-                          <a:latin typeface="Aptos Narrow" panose="020B0004020202020204" pitchFamily="34" charset="0"/>
-                        </a:rPr>
-                        <a:t>0,91</a:t>
-                      </a:r>
-                    </a:p>
-                  </a:txBody>
-                  <a:tcPr marL="6350" marR="6350" marT="6350" marB="0" anchor="b">
-                    <a:lnL>
-                      <a:noFill/>
-                    </a:lnL>
-                    <a:lnR w="6350" cap="flat" cmpd="sng" algn="ctr">
-                      <a:solidFill>
-                        <a:srgbClr val="44B3E1"/>
-                      </a:solidFill>
-                      <a:prstDash val="solid"/>
-                      <a:round/>
-                      <a:headEnd type="none" w="med" len="med"/>
-                      <a:tailEnd type="none" w="med" len="med"/>
-                    </a:lnR>
-                    <a:lnT w="6350" cap="flat" cmpd="sng" algn="ctr">
-                      <a:solidFill>
-                        <a:srgbClr val="44B3E1"/>
-                      </a:solidFill>
-                      <a:prstDash val="solid"/>
-                      <a:round/>
-                      <a:headEnd type="none" w="med" len="med"/>
-                      <a:tailEnd type="none" w="med" len="med"/>
-                    </a:lnT>
-                    <a:lnB w="6350" cap="flat" cmpd="sng" algn="ctr">
-                      <a:solidFill>
-                        <a:srgbClr val="44B3E1"/>
-                      </a:solidFill>
-                      <a:prstDash val="solid"/>
-                      <a:round/>
-                      <a:headEnd type="none" w="med" len="med"/>
-                      <a:tailEnd type="none" w="med" len="med"/>
-                    </a:lnB>
-                    <a:solidFill>
-                      <a:srgbClr val="C0E6F5"/>
-                    </a:solidFill>
-                  </a:tcPr>
-                </a:tc>
-                <a:extLst>
-                  <a:ext uri="{0D108BD9-81ED-4DB2-BD59-A6C34878D82A}">
-                    <a16:rowId xmlns:a16="http://schemas.microsoft.com/office/drawing/2014/main" val="2294782452"/>
-                  </a:ext>
-                </a:extLst>
-              </a:tr>
-              <a:tr h="266762">
-                <a:tc>
-                  <a:txBody>
-                    <a:bodyPr/>
-                    <a:lstStyle/>
-                    <a:p>
-                      <a:pPr algn="ctr" fontAlgn="b">
-                        <a:buNone/>
-                      </a:pPr>
-                      <a:r>
-                        <a:rPr lang="fr-FR" sz="1400" b="0" i="0" u="none" strike="noStrike" dirty="0">
-                          <a:solidFill>
-                            <a:srgbClr val="000000"/>
-                          </a:solidFill>
-                          <a:effectLst/>
-                          <a:latin typeface="Aptos Narrow" panose="020B0004020202020204" pitchFamily="34" charset="0"/>
-                        </a:rPr>
-                        <a:t>Quelle équipe possède le plus grand nombre total de points marqués sur la saison ?</a:t>
-                      </a:r>
-                    </a:p>
-                  </a:txBody>
-                  <a:tcPr marL="6350" marR="6350" marT="6350" marB="0" anchor="b">
-                    <a:lnL w="6350" cap="flat" cmpd="sng" algn="ctr">
-                      <a:solidFill>
-                        <a:srgbClr val="44B3E1"/>
-                      </a:solidFill>
-                      <a:prstDash val="solid"/>
-                      <a:round/>
-                      <a:headEnd type="none" w="med" len="med"/>
-                      <a:tailEnd type="none" w="med" len="med"/>
-                    </a:lnL>
-                    <a:lnR>
-                      <a:noFill/>
-                    </a:lnR>
-                    <a:lnT w="6350" cap="flat" cmpd="sng" algn="ctr">
-                      <a:solidFill>
-                        <a:srgbClr val="44B3E1"/>
-                      </a:solidFill>
-                      <a:prstDash val="solid"/>
-                      <a:round/>
-                      <a:headEnd type="none" w="med" len="med"/>
-                      <a:tailEnd type="none" w="med" len="med"/>
-                    </a:lnT>
-                    <a:lnB w="6350" cap="flat" cmpd="sng" algn="ctr">
-                      <a:solidFill>
-                        <a:srgbClr val="44B3E1"/>
-                      </a:solidFill>
-                      <a:prstDash val="solid"/>
-                      <a:round/>
-                      <a:headEnd type="none" w="med" len="med"/>
-                      <a:tailEnd type="none" w="med" len="med"/>
-                    </a:lnB>
-                    <a:noFill/>
-                  </a:tcPr>
-                </a:tc>
-                <a:tc>
-                  <a:txBody>
-                    <a:bodyPr/>
-                    <a:lstStyle/>
-                    <a:p>
-                      <a:pPr algn="ctr" fontAlgn="b">
-                        <a:buNone/>
-                      </a:pPr>
-                      <a:r>
-                        <a:rPr lang="fr-FR" sz="1400" b="0" i="0" u="none" strike="noStrike">
-                          <a:solidFill>
-                            <a:srgbClr val="000000"/>
-                          </a:solidFill>
-                          <a:effectLst/>
-                          <a:latin typeface="Aptos Narrow" panose="020B0004020202020204" pitchFamily="34" charset="0"/>
-                        </a:rPr>
-                        <a:t>1,00</a:t>
-                      </a:r>
-                    </a:p>
-                  </a:txBody>
-                  <a:tcPr marL="6350" marR="6350" marT="6350" marB="0" anchor="b">
-                    <a:lnL>
-                      <a:noFill/>
-                    </a:lnL>
-                    <a:lnR>
-                      <a:noFill/>
-                    </a:lnR>
-                    <a:lnT w="6350" cap="flat" cmpd="sng" algn="ctr">
-                      <a:solidFill>
-                        <a:srgbClr val="44B3E1"/>
-                      </a:solidFill>
-                      <a:prstDash val="solid"/>
-                      <a:round/>
-                      <a:headEnd type="none" w="med" len="med"/>
-                      <a:tailEnd type="none" w="med" len="med"/>
-                    </a:lnT>
-                    <a:lnB w="6350" cap="flat" cmpd="sng" algn="ctr">
-                      <a:solidFill>
-                        <a:srgbClr val="44B3E1"/>
-                      </a:solidFill>
-                      <a:prstDash val="solid"/>
-                      <a:round/>
-                      <a:headEnd type="none" w="med" len="med"/>
-                      <a:tailEnd type="none" w="med" len="med"/>
-                    </a:lnB>
-                    <a:noFill/>
-                  </a:tcPr>
-                </a:tc>
-                <a:tc>
-                  <a:txBody>
-                    <a:bodyPr/>
-                    <a:lstStyle/>
-                    <a:p>
-                      <a:pPr algn="ctr" fontAlgn="b">
-                        <a:buNone/>
-                      </a:pPr>
-                      <a:r>
-                        <a:rPr lang="fr-FR" sz="1400" b="0" i="0" u="none" strike="noStrike">
-                          <a:solidFill>
-                            <a:srgbClr val="000000"/>
-                          </a:solidFill>
-                          <a:effectLst/>
-                          <a:latin typeface="Aptos Narrow" panose="020B0004020202020204" pitchFamily="34" charset="0"/>
-                        </a:rPr>
-                        <a:t>0,00</a:t>
-                      </a:r>
-                    </a:p>
-                  </a:txBody>
-                  <a:tcPr marL="6350" marR="6350" marT="6350" marB="0" anchor="b">
-                    <a:lnL>
-                      <a:noFill/>
-                    </a:lnL>
-                    <a:lnR w="6350" cap="flat" cmpd="sng" algn="ctr">
-                      <a:solidFill>
-                        <a:srgbClr val="44B3E1"/>
-                      </a:solidFill>
-                      <a:prstDash val="solid"/>
-                      <a:round/>
-                      <a:headEnd type="none" w="med" len="med"/>
-                      <a:tailEnd type="none" w="med" len="med"/>
-                    </a:lnR>
-                    <a:lnT w="6350" cap="flat" cmpd="sng" algn="ctr">
-                      <a:solidFill>
-                        <a:srgbClr val="44B3E1"/>
-                      </a:solidFill>
-                      <a:prstDash val="solid"/>
-                      <a:round/>
-                      <a:headEnd type="none" w="med" len="med"/>
-                      <a:tailEnd type="none" w="med" len="med"/>
-                    </a:lnT>
-                    <a:lnB w="6350" cap="flat" cmpd="sng" algn="ctr">
-                      <a:solidFill>
-                        <a:srgbClr val="44B3E1"/>
-                      </a:solidFill>
-                      <a:prstDash val="solid"/>
-                      <a:round/>
-                      <a:headEnd type="none" w="med" len="med"/>
-                      <a:tailEnd type="none" w="med" len="med"/>
-                    </a:lnB>
-                    <a:noFill/>
-                  </a:tcPr>
-                </a:tc>
-                <a:extLst>
-                  <a:ext uri="{0D108BD9-81ED-4DB2-BD59-A6C34878D82A}">
-                    <a16:rowId xmlns:a16="http://schemas.microsoft.com/office/drawing/2014/main" val="4006304885"/>
-                  </a:ext>
-                </a:extLst>
-              </a:tr>
-              <a:tr h="266762">
-                <a:tc>
-                  <a:txBody>
-                    <a:bodyPr/>
-                    <a:lstStyle/>
-                    <a:p>
-                      <a:pPr algn="ctr" fontAlgn="b">
-                        <a:buNone/>
-                      </a:pPr>
-                      <a:r>
-                        <a:rPr lang="fr-FR" sz="1400" b="0" i="0" u="none" strike="noStrike" dirty="0">
-                          <a:solidFill>
-                            <a:srgbClr val="000000"/>
-                          </a:solidFill>
-                          <a:effectLst/>
-                          <a:latin typeface="Aptos Narrow" panose="020B0004020202020204" pitchFamily="34" charset="0"/>
-                        </a:rPr>
-                        <a:t>Quel est le pourcentage de réussite aux tirs et l'impacts de Nikola </a:t>
-                      </a:r>
-                      <a:r>
-                        <a:rPr lang="fr-FR" sz="1400" b="0" i="0" u="none" strike="noStrike" dirty="0" err="1">
-                          <a:solidFill>
-                            <a:srgbClr val="000000"/>
-                          </a:solidFill>
-                          <a:effectLst/>
-                          <a:latin typeface="Aptos Narrow" panose="020B0004020202020204" pitchFamily="34" charset="0"/>
-                        </a:rPr>
-                        <a:t>Jokic</a:t>
-                      </a:r>
-                      <a:r>
-                        <a:rPr lang="fr-FR" sz="1400" b="0" i="0" u="none" strike="noStrike" dirty="0">
-                          <a:solidFill>
-                            <a:srgbClr val="000000"/>
-                          </a:solidFill>
-                          <a:effectLst/>
-                          <a:latin typeface="Aptos Narrow" panose="020B0004020202020204" pitchFamily="34" charset="0"/>
-                        </a:rPr>
-                        <a:t> ?</a:t>
-                      </a:r>
-                    </a:p>
-                  </a:txBody>
-                  <a:tcPr marL="6350" marR="6350" marT="6350" marB="0" anchor="b">
-                    <a:lnL w="6350" cap="flat" cmpd="sng" algn="ctr">
-                      <a:solidFill>
-                        <a:srgbClr val="44B3E1"/>
-                      </a:solidFill>
-                      <a:prstDash val="solid"/>
-                      <a:round/>
-                      <a:headEnd type="none" w="med" len="med"/>
-                      <a:tailEnd type="none" w="med" len="med"/>
-                    </a:lnL>
-                    <a:lnR>
-                      <a:noFill/>
-                    </a:lnR>
-                    <a:lnT w="6350" cap="flat" cmpd="sng" algn="ctr">
-                      <a:solidFill>
-                        <a:srgbClr val="44B3E1"/>
-                      </a:solidFill>
-                      <a:prstDash val="solid"/>
-                      <a:round/>
-                      <a:headEnd type="none" w="med" len="med"/>
-                      <a:tailEnd type="none" w="med" len="med"/>
-                    </a:lnT>
-                    <a:lnB w="6350" cap="flat" cmpd="sng" algn="ctr">
-                      <a:solidFill>
-                        <a:srgbClr val="44B3E1"/>
-                      </a:solidFill>
-                      <a:prstDash val="solid"/>
-                      <a:round/>
-                      <a:headEnd type="none" w="med" len="med"/>
-                      <a:tailEnd type="none" w="med" len="med"/>
-                    </a:lnB>
-                    <a:solidFill>
-                      <a:srgbClr val="C0E6F5"/>
-                    </a:solidFill>
-                  </a:tcPr>
-                </a:tc>
-                <a:tc>
-                  <a:txBody>
-                    <a:bodyPr/>
-                    <a:lstStyle/>
-                    <a:p>
-                      <a:pPr algn="ctr" fontAlgn="b">
-                        <a:buNone/>
-                      </a:pPr>
-                      <a:r>
-                        <a:rPr lang="fr-FR" sz="1400" b="0" i="0" u="none" strike="noStrike">
-                          <a:solidFill>
-                            <a:srgbClr val="000000"/>
-                          </a:solidFill>
-                          <a:effectLst/>
-                          <a:latin typeface="Aptos Narrow" panose="020B0004020202020204" pitchFamily="34" charset="0"/>
-                        </a:rPr>
-                        <a:t>0,29</a:t>
-                      </a:r>
-                    </a:p>
-                  </a:txBody>
-                  <a:tcPr marL="6350" marR="6350" marT="6350" marB="0" anchor="b">
-                    <a:lnL>
-                      <a:noFill/>
-                    </a:lnL>
-                    <a:lnR>
-                      <a:noFill/>
-                    </a:lnR>
-                    <a:lnT w="6350" cap="flat" cmpd="sng" algn="ctr">
-                      <a:solidFill>
-                        <a:srgbClr val="44B3E1"/>
-                      </a:solidFill>
-                      <a:prstDash val="solid"/>
-                      <a:round/>
-                      <a:headEnd type="none" w="med" len="med"/>
-                      <a:tailEnd type="none" w="med" len="med"/>
-                    </a:lnT>
-                    <a:lnB w="6350" cap="flat" cmpd="sng" algn="ctr">
-                      <a:solidFill>
-                        <a:srgbClr val="44B3E1"/>
-                      </a:solidFill>
-                      <a:prstDash val="solid"/>
-                      <a:round/>
-                      <a:headEnd type="none" w="med" len="med"/>
-                      <a:tailEnd type="none" w="med" len="med"/>
-                    </a:lnB>
-                    <a:solidFill>
-                      <a:srgbClr val="C0E6F5"/>
-                    </a:solidFill>
-                  </a:tcPr>
-                </a:tc>
-                <a:tc>
-                  <a:txBody>
-                    <a:bodyPr/>
-                    <a:lstStyle/>
-                    <a:p>
-                      <a:pPr algn="ctr" fontAlgn="b">
-                        <a:buNone/>
-                      </a:pPr>
-                      <a:r>
-                        <a:rPr lang="fr-FR" sz="1400" b="0" i="0" u="none" strike="noStrike" dirty="0">
-                          <a:solidFill>
-                            <a:srgbClr val="000000"/>
-                          </a:solidFill>
-                          <a:effectLst/>
-                          <a:latin typeface="Aptos Narrow" panose="020B0004020202020204" pitchFamily="34" charset="0"/>
-                        </a:rPr>
-                        <a:t>0,90</a:t>
-                      </a:r>
-                    </a:p>
-                  </a:txBody>
-                  <a:tcPr marL="6350" marR="6350" marT="6350" marB="0" anchor="b">
-                    <a:lnL>
-                      <a:noFill/>
-                    </a:lnL>
-                    <a:lnR w="6350" cap="flat" cmpd="sng" algn="ctr">
-                      <a:solidFill>
-                        <a:srgbClr val="44B3E1"/>
-                      </a:solidFill>
-                      <a:prstDash val="solid"/>
-                      <a:round/>
-                      <a:headEnd type="none" w="med" len="med"/>
-                      <a:tailEnd type="none" w="med" len="med"/>
-                    </a:lnR>
-                    <a:lnT w="6350" cap="flat" cmpd="sng" algn="ctr">
-                      <a:solidFill>
-                        <a:srgbClr val="44B3E1"/>
-                      </a:solidFill>
-                      <a:prstDash val="solid"/>
-                      <a:round/>
-                      <a:headEnd type="none" w="med" len="med"/>
-                      <a:tailEnd type="none" w="med" len="med"/>
-                    </a:lnT>
-                    <a:lnB w="6350" cap="flat" cmpd="sng" algn="ctr">
-                      <a:solidFill>
-                        <a:srgbClr val="44B3E1"/>
-                      </a:solidFill>
-                      <a:prstDash val="solid"/>
-                      <a:round/>
-                      <a:headEnd type="none" w="med" len="med"/>
-                      <a:tailEnd type="none" w="med" len="med"/>
-                    </a:lnB>
-                    <a:solidFill>
-                      <a:srgbClr val="C0E6F5"/>
-                    </a:solidFill>
-                  </a:tcPr>
-                </a:tc>
-                <a:extLst>
-                  <a:ext uri="{0D108BD9-81ED-4DB2-BD59-A6C34878D82A}">
-                    <a16:rowId xmlns:a16="http://schemas.microsoft.com/office/drawing/2014/main" val="4161645932"/>
-                  </a:ext>
-                </a:extLst>
-              </a:tr>
-              <a:tr h="266762">
-                <a:tc>
-                  <a:txBody>
-                    <a:bodyPr/>
-                    <a:lstStyle/>
-                    <a:p>
-                      <a:pPr algn="ctr" fontAlgn="b">
-                        <a:buNone/>
-                      </a:pPr>
-                      <a:r>
-                        <a:rPr lang="fr-FR" sz="1400" b="0" i="0" u="none" strike="noStrike" dirty="0">
-                          <a:solidFill>
-                            <a:srgbClr val="000000"/>
-                          </a:solidFill>
-                          <a:effectLst/>
-                          <a:latin typeface="Aptos Narrow" panose="020B0004020202020204" pitchFamily="34" charset="0"/>
-                        </a:rPr>
-                        <a:t>Quelle est la température moyenne à  Paris en plein mois de juillet ?</a:t>
-                      </a:r>
-                    </a:p>
-                  </a:txBody>
-                  <a:tcPr marL="6350" marR="6350" marT="6350" marB="0" anchor="b">
-                    <a:lnL w="6350" cap="flat" cmpd="sng" algn="ctr">
-                      <a:solidFill>
-                        <a:srgbClr val="44B3E1"/>
-                      </a:solidFill>
-                      <a:prstDash val="solid"/>
-                      <a:round/>
-                      <a:headEnd type="none" w="med" len="med"/>
-                      <a:tailEnd type="none" w="med" len="med"/>
-                    </a:lnL>
-                    <a:lnR>
-                      <a:noFill/>
-                    </a:lnR>
-                    <a:lnT w="6350" cap="flat" cmpd="sng" algn="ctr">
-                      <a:solidFill>
-                        <a:srgbClr val="44B3E1"/>
-                      </a:solidFill>
-                      <a:prstDash val="solid"/>
-                      <a:round/>
-                      <a:headEnd type="none" w="med" len="med"/>
-                      <a:tailEnd type="none" w="med" len="med"/>
-                    </a:lnT>
-                    <a:lnB w="6350" cap="flat" cmpd="sng" algn="ctr">
-                      <a:solidFill>
-                        <a:srgbClr val="44B3E1"/>
-                      </a:solidFill>
-                      <a:prstDash val="solid"/>
-                      <a:round/>
-                      <a:headEnd type="none" w="med" len="med"/>
-                      <a:tailEnd type="none" w="med" len="med"/>
-                    </a:lnB>
-                    <a:noFill/>
-                  </a:tcPr>
-                </a:tc>
-                <a:tc>
-                  <a:txBody>
-                    <a:bodyPr/>
-                    <a:lstStyle/>
-                    <a:p>
-                      <a:pPr algn="ctr" fontAlgn="b">
-                        <a:buNone/>
-                      </a:pPr>
-                      <a:r>
-                        <a:rPr lang="fr-FR" sz="1400" b="0" i="0" u="none" strike="noStrike">
-                          <a:solidFill>
-                            <a:srgbClr val="000000"/>
-                          </a:solidFill>
-                          <a:effectLst/>
-                          <a:latin typeface="Aptos Narrow" panose="020B0004020202020204" pitchFamily="34" charset="0"/>
-                        </a:rPr>
-                        <a:t>0,25</a:t>
-                      </a:r>
-                    </a:p>
-                  </a:txBody>
-                  <a:tcPr marL="6350" marR="6350" marT="6350" marB="0" anchor="b">
-                    <a:lnL>
-                      <a:noFill/>
-                    </a:lnL>
-                    <a:lnR>
-                      <a:noFill/>
-                    </a:lnR>
-                    <a:lnT w="6350" cap="flat" cmpd="sng" algn="ctr">
-                      <a:solidFill>
-                        <a:srgbClr val="44B3E1"/>
-                      </a:solidFill>
-                      <a:prstDash val="solid"/>
-                      <a:round/>
-                      <a:headEnd type="none" w="med" len="med"/>
-                      <a:tailEnd type="none" w="med" len="med"/>
-                    </a:lnT>
-                    <a:lnB w="6350" cap="flat" cmpd="sng" algn="ctr">
-                      <a:solidFill>
-                        <a:srgbClr val="44B3E1"/>
-                      </a:solidFill>
-                      <a:prstDash val="solid"/>
-                      <a:round/>
-                      <a:headEnd type="none" w="med" len="med"/>
-                      <a:tailEnd type="none" w="med" len="med"/>
-                    </a:lnB>
-                    <a:noFill/>
-                  </a:tcPr>
-                </a:tc>
-                <a:tc>
-                  <a:txBody>
-                    <a:bodyPr/>
-                    <a:lstStyle/>
-                    <a:p>
-                      <a:pPr algn="ctr" fontAlgn="b">
-                        <a:buNone/>
-                      </a:pPr>
-                      <a:r>
-                        <a:rPr lang="fr-FR" sz="1400" b="0" i="0" u="none" strike="noStrike" dirty="0">
-                          <a:solidFill>
-                            <a:srgbClr val="000000"/>
-                          </a:solidFill>
-                          <a:effectLst/>
-                          <a:latin typeface="Aptos Narrow" panose="020B0004020202020204" pitchFamily="34" charset="0"/>
-                        </a:rPr>
-                        <a:t>0,96</a:t>
-                      </a:r>
-                    </a:p>
-                  </a:txBody>
-                  <a:tcPr marL="6350" marR="6350" marT="6350" marB="0" anchor="b">
-                    <a:lnL>
-                      <a:noFill/>
-                    </a:lnL>
-                    <a:lnR w="6350" cap="flat" cmpd="sng" algn="ctr">
-                      <a:solidFill>
-                        <a:srgbClr val="44B3E1"/>
-                      </a:solidFill>
-                      <a:prstDash val="solid"/>
-                      <a:round/>
-                      <a:headEnd type="none" w="med" len="med"/>
-                      <a:tailEnd type="none" w="med" len="med"/>
-                    </a:lnR>
-                    <a:lnT w="6350" cap="flat" cmpd="sng" algn="ctr">
-                      <a:solidFill>
-                        <a:srgbClr val="44B3E1"/>
-                      </a:solidFill>
-                      <a:prstDash val="solid"/>
-                      <a:round/>
-                      <a:headEnd type="none" w="med" len="med"/>
-                      <a:tailEnd type="none" w="med" len="med"/>
-                    </a:lnT>
-                    <a:lnB w="6350" cap="flat" cmpd="sng" algn="ctr">
-                      <a:solidFill>
-                        <a:srgbClr val="44B3E1"/>
-                      </a:solidFill>
-                      <a:prstDash val="solid"/>
-                      <a:round/>
-                      <a:headEnd type="none" w="med" len="med"/>
-                      <a:tailEnd type="none" w="med" len="med"/>
-                    </a:lnB>
-                    <a:noFill/>
-                  </a:tcPr>
-                </a:tc>
-                <a:extLst>
-                  <a:ext uri="{0D108BD9-81ED-4DB2-BD59-A6C34878D82A}">
-                    <a16:rowId xmlns:a16="http://schemas.microsoft.com/office/drawing/2014/main" val="2074276447"/>
-                  </a:ext>
-                </a:extLst>
-              </a:tr>
-              <a:tr h="266762">
-                <a:tc>
-                  <a:txBody>
-                    <a:bodyPr/>
-                    <a:lstStyle/>
-                    <a:p>
-                      <a:pPr algn="ctr" fontAlgn="b">
-                        <a:buNone/>
-                      </a:pPr>
-                      <a:r>
-                        <a:rPr lang="fr-FR" sz="1400" b="0" i="0" u="none" strike="noStrike" dirty="0">
-                          <a:solidFill>
-                            <a:srgbClr val="000000"/>
-                          </a:solidFill>
-                          <a:effectLst/>
-                          <a:latin typeface="Aptos Narrow" panose="020B0004020202020204" pitchFamily="34" charset="0"/>
-                        </a:rPr>
-                        <a:t>MOYENNE GENERALE</a:t>
-                      </a:r>
-                    </a:p>
-                  </a:txBody>
-                  <a:tcPr marL="6350" marR="6350" marT="6350" marB="0" anchor="b">
-                    <a:lnL w="6350" cap="flat" cmpd="sng" algn="ctr">
-                      <a:solidFill>
-                        <a:srgbClr val="44B3E1"/>
-                      </a:solidFill>
-                      <a:prstDash val="solid"/>
-                      <a:round/>
-                      <a:headEnd type="none" w="med" len="med"/>
-                      <a:tailEnd type="none" w="med" len="med"/>
-                    </a:lnL>
-                    <a:lnR>
-                      <a:noFill/>
-                    </a:lnR>
-                    <a:lnT w="6350" cap="flat" cmpd="sng" algn="ctr">
-                      <a:solidFill>
-                        <a:srgbClr val="44B3E1"/>
-                      </a:solidFill>
-                      <a:prstDash val="solid"/>
-                      <a:round/>
-                      <a:headEnd type="none" w="med" len="med"/>
-                      <a:tailEnd type="none" w="med" len="med"/>
-                    </a:lnT>
-                    <a:lnB w="6350" cap="flat" cmpd="sng" algn="ctr">
-                      <a:solidFill>
-                        <a:srgbClr val="44B3E1"/>
-                      </a:solidFill>
-                      <a:prstDash val="solid"/>
-                      <a:round/>
-                      <a:headEnd type="none" w="med" len="med"/>
-                      <a:tailEnd type="none" w="med" len="med"/>
-                    </a:lnB>
-                    <a:solidFill>
-                      <a:srgbClr val="C0E6F5"/>
-                    </a:solidFill>
-                  </a:tcPr>
-                </a:tc>
-                <a:tc>
-                  <a:txBody>
-                    <a:bodyPr/>
-                    <a:lstStyle/>
-                    <a:p>
-                      <a:pPr algn="ctr" fontAlgn="b">
-                        <a:buNone/>
-                      </a:pPr>
-                      <a:r>
-                        <a:rPr lang="fr-FR" sz="1400" b="0" i="0" u="none" strike="noStrike">
-                          <a:solidFill>
-                            <a:srgbClr val="000000"/>
-                          </a:solidFill>
-                          <a:effectLst/>
-                          <a:latin typeface="Aptos Narrow" panose="020B0004020202020204" pitchFamily="34" charset="0"/>
-                        </a:rPr>
-                        <a:t>0,56</a:t>
-                      </a:r>
-                    </a:p>
-                  </a:txBody>
-                  <a:tcPr marL="6350" marR="6350" marT="6350" marB="0" anchor="b">
-                    <a:lnL>
-                      <a:noFill/>
-                    </a:lnL>
-                    <a:lnR>
-                      <a:noFill/>
-                    </a:lnR>
-                    <a:lnT w="6350" cap="flat" cmpd="sng" algn="ctr">
-                      <a:solidFill>
-                        <a:srgbClr val="44B3E1"/>
-                      </a:solidFill>
-                      <a:prstDash val="solid"/>
-                      <a:round/>
-                      <a:headEnd type="none" w="med" len="med"/>
-                      <a:tailEnd type="none" w="med" len="med"/>
-                    </a:lnT>
-                    <a:lnB w="6350" cap="flat" cmpd="sng" algn="ctr">
-                      <a:solidFill>
-                        <a:srgbClr val="44B3E1"/>
-                      </a:solidFill>
-                      <a:prstDash val="solid"/>
-                      <a:round/>
-                      <a:headEnd type="none" w="med" len="med"/>
-                      <a:tailEnd type="none" w="med" len="med"/>
-                    </a:lnB>
-                    <a:solidFill>
-                      <a:srgbClr val="C0E6F5"/>
-                    </a:solidFill>
-                  </a:tcPr>
-                </a:tc>
-                <a:tc>
-                  <a:txBody>
-                    <a:bodyPr/>
-                    <a:lstStyle/>
-                    <a:p>
-                      <a:pPr algn="ctr" fontAlgn="b">
-                        <a:buNone/>
-                      </a:pPr>
-                      <a:r>
-                        <a:rPr lang="fr-FR" sz="1400" b="0" i="0" u="none" strike="noStrike" dirty="0">
-                          <a:solidFill>
-                            <a:srgbClr val="000000"/>
-                          </a:solidFill>
-                          <a:effectLst/>
-                          <a:latin typeface="Aptos Narrow" panose="020B0004020202020204" pitchFamily="34" charset="0"/>
-                        </a:rPr>
-                        <a:t>0,69</a:t>
-                      </a:r>
-                    </a:p>
-                  </a:txBody>
-                  <a:tcPr marL="6350" marR="6350" marT="6350" marB="0" anchor="b">
-                    <a:lnL>
-                      <a:noFill/>
-                    </a:lnL>
-                    <a:lnR w="6350" cap="flat" cmpd="sng" algn="ctr">
-                      <a:solidFill>
-                        <a:srgbClr val="44B3E1"/>
-                      </a:solidFill>
-                      <a:prstDash val="solid"/>
-                      <a:round/>
-                      <a:headEnd type="none" w="med" len="med"/>
-                      <a:tailEnd type="none" w="med" len="med"/>
-                    </a:lnR>
-                    <a:lnT w="6350" cap="flat" cmpd="sng" algn="ctr">
-                      <a:solidFill>
-                        <a:srgbClr val="44B3E1"/>
-                      </a:solidFill>
-                      <a:prstDash val="solid"/>
-                      <a:round/>
-                      <a:headEnd type="none" w="med" len="med"/>
-                      <a:tailEnd type="none" w="med" len="med"/>
-                    </a:lnT>
-                    <a:lnB w="6350" cap="flat" cmpd="sng" algn="ctr">
-                      <a:solidFill>
-                        <a:srgbClr val="44B3E1"/>
-                      </a:solidFill>
-                      <a:prstDash val="solid"/>
-                      <a:round/>
-                      <a:headEnd type="none" w="med" len="med"/>
-                      <a:tailEnd type="none" w="med" len="med"/>
-                    </a:lnB>
-                    <a:solidFill>
-                      <a:srgbClr val="C0E6F5"/>
-                    </a:solidFill>
-                  </a:tcPr>
-                </a:tc>
-                <a:extLst>
-                  <a:ext uri="{0D108BD9-81ED-4DB2-BD59-A6C34878D82A}">
-                    <a16:rowId xmlns:a16="http://schemas.microsoft.com/office/drawing/2014/main" val="850717040"/>
-                  </a:ext>
-                </a:extLst>
-              </a:tr>
-            </a:tbl>
-          </a:graphicData>
-        </a:graphic>
-      </p:graphicFrame>
-      <p:pic>
-        <p:nvPicPr>
-          <p:cNvPr id="9" name="Image 8">
-            <a:extLst>
-              <a:ext uri="{FF2B5EF4-FFF2-40B4-BE49-F238E27FC236}">
-                <a16:creationId xmlns:a16="http://schemas.microsoft.com/office/drawing/2014/main" id="{B995ED12-A828-62C6-51FB-36C8E2139AA4}"/>
-              </a:ext>
-            </a:extLst>
-          </p:cNvPr>
-          <p:cNvPicPr>
-            <a:picLocks noChangeAspect="1"/>
-          </p:cNvPicPr>
-          <p:nvPr/>
-        </p:nvPicPr>
-        <p:blipFill>
-          <a:blip r:embed="rId3"/>
-          <a:stretch>
-            <a:fillRect/>
-          </a:stretch>
-        </p:blipFill>
-        <p:spPr>
-          <a:xfrm>
-            <a:off x="1606817" y="3859478"/>
-            <a:ext cx="9367276" cy="1345829"/>
-          </a:xfrm>
-          <a:prstGeom prst="rect">
-            <a:avLst/>
-          </a:prstGeom>
-        </p:spPr>
-      </p:pic>
-    </p:spTree>
-    <p:extLst>
-      <p:ext uri="{BB962C8B-B14F-4D97-AF65-F5344CB8AC3E}">
-        <p14:creationId xmlns:p14="http://schemas.microsoft.com/office/powerpoint/2010/main" val="4074786166"/>
       </p:ext>
     </p:extLst>
   </p:cSld>
